--- a/Data Structures using C#/data-structures-using-.net-core-csharp/Sortings/Quick Sort/QuickSort.pptx
+++ b/Data Structures using C#/data-structures-using-.net-core-csharp/Sortings/Quick Sort/QuickSort.pptx
@@ -5,7 +5,7 @@
     <p:sldMasterId id="2147483648" r:id="rId1"/>
   </p:sldMasterIdLst>
   <p:notesMasterIdLst>
-    <p:notesMasterId r:id="rId10"/>
+    <p:notesMasterId r:id="rId14"/>
   </p:notesMasterIdLst>
   <p:sldIdLst>
     <p:sldId id="266" r:id="rId2"/>
@@ -15,7 +15,11 @@
     <p:sldId id="270" r:id="rId6"/>
     <p:sldId id="271" r:id="rId7"/>
     <p:sldId id="272" r:id="rId8"/>
-    <p:sldId id="265" r:id="rId9"/>
+    <p:sldId id="273" r:id="rId9"/>
+    <p:sldId id="274" r:id="rId10"/>
+    <p:sldId id="275" r:id="rId11"/>
+    <p:sldId id="276" r:id="rId12"/>
+    <p:sldId id="265" r:id="rId13"/>
   </p:sldIdLst>
   <p:sldSz cx="12192000" cy="6858000"/>
   <p:notesSz cx="6858000" cy="9144000"/>
@@ -204,7 +208,7 @@
           <a:p>
             <a:fld id="{2FB6FFA2-5596-DA47-A26B-229D3D705C9C}" type="datetimeFigureOut">
               <a:rPr lang="en-US" smtClean="0"/>
-              <a:t>5/23/22</a:t>
+              <a:t>5/24/22</a:t>
             </a:fld>
             <a:endParaRPr lang="en-US"/>
           </a:p>
@@ -555,6 +559,258 @@
 </p:notes>
 </file>
 
+<file path=ppt/notesSlides/notesSlide10.xml><?xml version="1.0" encoding="utf-8"?>
+<p:notes xmlns:a="http://schemas.openxmlformats.org/drawingml/2006/main" xmlns:r="http://schemas.openxmlformats.org/officeDocument/2006/relationships" xmlns:p="http://schemas.openxmlformats.org/presentationml/2006/main">
+  <p:cSld>
+    <p:spTree>
+      <p:nvGrpSpPr>
+        <p:cNvPr id="1" name=""/>
+        <p:cNvGrpSpPr/>
+        <p:nvPr/>
+      </p:nvGrpSpPr>
+      <p:grpSpPr>
+        <a:xfrm>
+          <a:off x="0" y="0"/>
+          <a:ext cx="0" cy="0"/>
+          <a:chOff x="0" y="0"/>
+          <a:chExt cx="0" cy="0"/>
+        </a:xfrm>
+      </p:grpSpPr>
+      <p:sp>
+        <p:nvSpPr>
+          <p:cNvPr id="2" name="Slide Image Placeholder 1"/>
+          <p:cNvSpPr>
+            <a:spLocks noGrp="1" noRot="1" noChangeAspect="1"/>
+          </p:cNvSpPr>
+          <p:nvPr>
+            <p:ph type="sldImg"/>
+          </p:nvPr>
+        </p:nvSpPr>
+        <p:spPr/>
+      </p:sp>
+      <p:sp>
+        <p:nvSpPr>
+          <p:cNvPr id="3" name="Notes Placeholder 2"/>
+          <p:cNvSpPr>
+            <a:spLocks noGrp="1"/>
+          </p:cNvSpPr>
+          <p:nvPr>
+            <p:ph type="body" idx="1"/>
+          </p:nvPr>
+        </p:nvSpPr>
+        <p:spPr/>
+        <p:txBody>
+          <a:bodyPr/>
+          <a:lstStyle/>
+          <a:p>
+            <a:endParaRPr lang="en-US" dirty="0"/>
+          </a:p>
+        </p:txBody>
+      </p:sp>
+      <p:sp>
+        <p:nvSpPr>
+          <p:cNvPr id="4" name="Slide Number Placeholder 3"/>
+          <p:cNvSpPr>
+            <a:spLocks noGrp="1"/>
+          </p:cNvSpPr>
+          <p:nvPr>
+            <p:ph type="sldNum" sz="quarter" idx="5"/>
+          </p:nvPr>
+        </p:nvSpPr>
+        <p:spPr/>
+        <p:txBody>
+          <a:bodyPr/>
+          <a:lstStyle/>
+          <a:p>
+            <a:fld id="{28A8F9BA-8E26-4849-A4CA-C70FA0EC7BFB}" type="slidenum">
+              <a:rPr lang="en-US" smtClean="0"/>
+              <a:t>10</a:t>
+            </a:fld>
+            <a:endParaRPr lang="en-US"/>
+          </a:p>
+        </p:txBody>
+      </p:sp>
+    </p:spTree>
+    <p:extLst>
+      <p:ext uri="{BB962C8B-B14F-4D97-AF65-F5344CB8AC3E}">
+        <p14:creationId xmlns:p14="http://schemas.microsoft.com/office/powerpoint/2010/main" val="1556494042"/>
+      </p:ext>
+    </p:extLst>
+  </p:cSld>
+  <p:clrMapOvr>
+    <a:masterClrMapping/>
+  </p:clrMapOvr>
+</p:notes>
+</file>
+
+<file path=ppt/notesSlides/notesSlide11.xml><?xml version="1.0" encoding="utf-8"?>
+<p:notes xmlns:a="http://schemas.openxmlformats.org/drawingml/2006/main" xmlns:r="http://schemas.openxmlformats.org/officeDocument/2006/relationships" xmlns:p="http://schemas.openxmlformats.org/presentationml/2006/main">
+  <p:cSld>
+    <p:spTree>
+      <p:nvGrpSpPr>
+        <p:cNvPr id="1" name=""/>
+        <p:cNvGrpSpPr/>
+        <p:nvPr/>
+      </p:nvGrpSpPr>
+      <p:grpSpPr>
+        <a:xfrm>
+          <a:off x="0" y="0"/>
+          <a:ext cx="0" cy="0"/>
+          <a:chOff x="0" y="0"/>
+          <a:chExt cx="0" cy="0"/>
+        </a:xfrm>
+      </p:grpSpPr>
+      <p:sp>
+        <p:nvSpPr>
+          <p:cNvPr id="2" name="Slide Image Placeholder 1"/>
+          <p:cNvSpPr>
+            <a:spLocks noGrp="1" noRot="1" noChangeAspect="1"/>
+          </p:cNvSpPr>
+          <p:nvPr>
+            <p:ph type="sldImg"/>
+          </p:nvPr>
+        </p:nvSpPr>
+        <p:spPr/>
+      </p:sp>
+      <p:sp>
+        <p:nvSpPr>
+          <p:cNvPr id="3" name="Notes Placeholder 2"/>
+          <p:cNvSpPr>
+            <a:spLocks noGrp="1"/>
+          </p:cNvSpPr>
+          <p:nvPr>
+            <p:ph type="body" idx="1"/>
+          </p:nvPr>
+        </p:nvSpPr>
+        <p:spPr/>
+        <p:txBody>
+          <a:bodyPr/>
+          <a:lstStyle/>
+          <a:p>
+            <a:endParaRPr lang="en-US" dirty="0"/>
+          </a:p>
+        </p:txBody>
+      </p:sp>
+      <p:sp>
+        <p:nvSpPr>
+          <p:cNvPr id="4" name="Slide Number Placeholder 3"/>
+          <p:cNvSpPr>
+            <a:spLocks noGrp="1"/>
+          </p:cNvSpPr>
+          <p:nvPr>
+            <p:ph type="sldNum" sz="quarter" idx="5"/>
+          </p:nvPr>
+        </p:nvSpPr>
+        <p:spPr/>
+        <p:txBody>
+          <a:bodyPr/>
+          <a:lstStyle/>
+          <a:p>
+            <a:fld id="{28A8F9BA-8E26-4849-A4CA-C70FA0EC7BFB}" type="slidenum">
+              <a:rPr lang="en-US" smtClean="0"/>
+              <a:t>11</a:t>
+            </a:fld>
+            <a:endParaRPr lang="en-US"/>
+          </a:p>
+        </p:txBody>
+      </p:sp>
+    </p:spTree>
+    <p:extLst>
+      <p:ext uri="{BB962C8B-B14F-4D97-AF65-F5344CB8AC3E}">
+        <p14:creationId xmlns:p14="http://schemas.microsoft.com/office/powerpoint/2010/main" val="2466303782"/>
+      </p:ext>
+    </p:extLst>
+  </p:cSld>
+  <p:clrMapOvr>
+    <a:masterClrMapping/>
+  </p:clrMapOvr>
+</p:notes>
+</file>
+
+<file path=ppt/notesSlides/notesSlide12.xml><?xml version="1.0" encoding="utf-8"?>
+<p:notes xmlns:a="http://schemas.openxmlformats.org/drawingml/2006/main" xmlns:r="http://schemas.openxmlformats.org/officeDocument/2006/relationships" xmlns:p="http://schemas.openxmlformats.org/presentationml/2006/main">
+  <p:cSld>
+    <p:spTree>
+      <p:nvGrpSpPr>
+        <p:cNvPr id="1" name=""/>
+        <p:cNvGrpSpPr/>
+        <p:nvPr/>
+      </p:nvGrpSpPr>
+      <p:grpSpPr>
+        <a:xfrm>
+          <a:off x="0" y="0"/>
+          <a:ext cx="0" cy="0"/>
+          <a:chOff x="0" y="0"/>
+          <a:chExt cx="0" cy="0"/>
+        </a:xfrm>
+      </p:grpSpPr>
+      <p:sp>
+        <p:nvSpPr>
+          <p:cNvPr id="2" name="Slide Image Placeholder 1"/>
+          <p:cNvSpPr>
+            <a:spLocks noGrp="1" noRot="1" noChangeAspect="1"/>
+          </p:cNvSpPr>
+          <p:nvPr>
+            <p:ph type="sldImg"/>
+          </p:nvPr>
+        </p:nvSpPr>
+        <p:spPr/>
+      </p:sp>
+      <p:sp>
+        <p:nvSpPr>
+          <p:cNvPr id="3" name="Notes Placeholder 2"/>
+          <p:cNvSpPr>
+            <a:spLocks noGrp="1"/>
+          </p:cNvSpPr>
+          <p:nvPr>
+            <p:ph type="body" idx="1"/>
+          </p:nvPr>
+        </p:nvSpPr>
+        <p:spPr/>
+        <p:txBody>
+          <a:bodyPr/>
+          <a:lstStyle/>
+          <a:p>
+            <a:endParaRPr lang="en-US" dirty="0"/>
+          </a:p>
+        </p:txBody>
+      </p:sp>
+      <p:sp>
+        <p:nvSpPr>
+          <p:cNvPr id="4" name="Slide Number Placeholder 3"/>
+          <p:cNvSpPr>
+            <a:spLocks noGrp="1"/>
+          </p:cNvSpPr>
+          <p:nvPr>
+            <p:ph type="sldNum" sz="quarter" idx="5"/>
+          </p:nvPr>
+        </p:nvSpPr>
+        <p:spPr/>
+        <p:txBody>
+          <a:bodyPr/>
+          <a:lstStyle/>
+          <a:p>
+            <a:fld id="{28A8F9BA-8E26-4849-A4CA-C70FA0EC7BFB}" type="slidenum">
+              <a:rPr lang="en-US" smtClean="0"/>
+              <a:t>12</a:t>
+            </a:fld>
+            <a:endParaRPr lang="en-US"/>
+          </a:p>
+        </p:txBody>
+      </p:sp>
+    </p:spTree>
+    <p:extLst>
+      <p:ext uri="{BB962C8B-B14F-4D97-AF65-F5344CB8AC3E}">
+        <p14:creationId xmlns:p14="http://schemas.microsoft.com/office/powerpoint/2010/main" val="3543846044"/>
+      </p:ext>
+    </p:extLst>
+  </p:cSld>
+  <p:clrMapOvr>
+    <a:masterClrMapping/>
+  </p:clrMapOvr>
+</p:notes>
+</file>
+
 <file path=ppt/notesSlides/notesSlide2.xml><?xml version="1.0" encoding="utf-8"?>
 <p:notes xmlns:a="http://schemas.openxmlformats.org/drawingml/2006/main" xmlns:r="http://schemas.openxmlformats.org/officeDocument/2006/relationships" xmlns:p="http://schemas.openxmlformats.org/presentationml/2006/main">
   <p:cSld>
@@ -1133,7 +1389,91 @@
     </p:spTree>
     <p:extLst>
       <p:ext uri="{BB962C8B-B14F-4D97-AF65-F5344CB8AC3E}">
-        <p14:creationId xmlns:p14="http://schemas.microsoft.com/office/powerpoint/2010/main" val="3543846044"/>
+        <p14:creationId xmlns:p14="http://schemas.microsoft.com/office/powerpoint/2010/main" val="3265039396"/>
+      </p:ext>
+    </p:extLst>
+  </p:cSld>
+  <p:clrMapOvr>
+    <a:masterClrMapping/>
+  </p:clrMapOvr>
+</p:notes>
+</file>
+
+<file path=ppt/notesSlides/notesSlide9.xml><?xml version="1.0" encoding="utf-8"?>
+<p:notes xmlns:a="http://schemas.openxmlformats.org/drawingml/2006/main" xmlns:r="http://schemas.openxmlformats.org/officeDocument/2006/relationships" xmlns:p="http://schemas.openxmlformats.org/presentationml/2006/main">
+  <p:cSld>
+    <p:spTree>
+      <p:nvGrpSpPr>
+        <p:cNvPr id="1" name=""/>
+        <p:cNvGrpSpPr/>
+        <p:nvPr/>
+      </p:nvGrpSpPr>
+      <p:grpSpPr>
+        <a:xfrm>
+          <a:off x="0" y="0"/>
+          <a:ext cx="0" cy="0"/>
+          <a:chOff x="0" y="0"/>
+          <a:chExt cx="0" cy="0"/>
+        </a:xfrm>
+      </p:grpSpPr>
+      <p:sp>
+        <p:nvSpPr>
+          <p:cNvPr id="2" name="Slide Image Placeholder 1"/>
+          <p:cNvSpPr>
+            <a:spLocks noGrp="1" noRot="1" noChangeAspect="1"/>
+          </p:cNvSpPr>
+          <p:nvPr>
+            <p:ph type="sldImg"/>
+          </p:nvPr>
+        </p:nvSpPr>
+        <p:spPr/>
+      </p:sp>
+      <p:sp>
+        <p:nvSpPr>
+          <p:cNvPr id="3" name="Notes Placeholder 2"/>
+          <p:cNvSpPr>
+            <a:spLocks noGrp="1"/>
+          </p:cNvSpPr>
+          <p:nvPr>
+            <p:ph type="body" idx="1"/>
+          </p:nvPr>
+        </p:nvSpPr>
+        <p:spPr/>
+        <p:txBody>
+          <a:bodyPr/>
+          <a:lstStyle/>
+          <a:p>
+            <a:endParaRPr lang="en-US" dirty="0"/>
+          </a:p>
+        </p:txBody>
+      </p:sp>
+      <p:sp>
+        <p:nvSpPr>
+          <p:cNvPr id="4" name="Slide Number Placeholder 3"/>
+          <p:cNvSpPr>
+            <a:spLocks noGrp="1"/>
+          </p:cNvSpPr>
+          <p:nvPr>
+            <p:ph type="sldNum" sz="quarter" idx="5"/>
+          </p:nvPr>
+        </p:nvSpPr>
+        <p:spPr/>
+        <p:txBody>
+          <a:bodyPr/>
+          <a:lstStyle/>
+          <a:p>
+            <a:fld id="{28A8F9BA-8E26-4849-A4CA-C70FA0EC7BFB}" type="slidenum">
+              <a:rPr lang="en-US" smtClean="0"/>
+              <a:t>9</a:t>
+            </a:fld>
+            <a:endParaRPr lang="en-US"/>
+          </a:p>
+        </p:txBody>
+      </p:sp>
+    </p:spTree>
+    <p:extLst>
+      <p:ext uri="{BB962C8B-B14F-4D97-AF65-F5344CB8AC3E}">
+        <p14:creationId xmlns:p14="http://schemas.microsoft.com/office/powerpoint/2010/main" val="3039674370"/>
       </p:ext>
     </p:extLst>
   </p:cSld>
@@ -1290,7 +1630,7 @@
           <a:p>
             <a:fld id="{D7AFABE5-C7E3-F145-818B-F1C9F2CF8384}" type="datetimeFigureOut">
               <a:rPr lang="en-US" smtClean="0"/>
-              <a:t>5/23/22</a:t>
+              <a:t>5/24/22</a:t>
             </a:fld>
             <a:endParaRPr lang="en-US"/>
           </a:p>
@@ -1488,7 +1828,7 @@
           <a:p>
             <a:fld id="{D7AFABE5-C7E3-F145-818B-F1C9F2CF8384}" type="datetimeFigureOut">
               <a:rPr lang="en-US" smtClean="0"/>
-              <a:t>5/23/22</a:t>
+              <a:t>5/24/22</a:t>
             </a:fld>
             <a:endParaRPr lang="en-US"/>
           </a:p>
@@ -1696,7 +2036,7 @@
           <a:p>
             <a:fld id="{D7AFABE5-C7E3-F145-818B-F1C9F2CF8384}" type="datetimeFigureOut">
               <a:rPr lang="en-US" smtClean="0"/>
-              <a:t>5/23/22</a:t>
+              <a:t>5/24/22</a:t>
             </a:fld>
             <a:endParaRPr lang="en-US"/>
           </a:p>
@@ -1894,7 +2234,7 @@
           <a:p>
             <a:fld id="{D7AFABE5-C7E3-F145-818B-F1C9F2CF8384}" type="datetimeFigureOut">
               <a:rPr lang="en-US" smtClean="0"/>
-              <a:t>5/23/22</a:t>
+              <a:t>5/24/22</a:t>
             </a:fld>
             <a:endParaRPr lang="en-US"/>
           </a:p>
@@ -2169,7 +2509,7 @@
           <a:p>
             <a:fld id="{D7AFABE5-C7E3-F145-818B-F1C9F2CF8384}" type="datetimeFigureOut">
               <a:rPr lang="en-US" smtClean="0"/>
-              <a:t>5/23/22</a:t>
+              <a:t>5/24/22</a:t>
             </a:fld>
             <a:endParaRPr lang="en-US"/>
           </a:p>
@@ -2434,7 +2774,7 @@
           <a:p>
             <a:fld id="{D7AFABE5-C7E3-F145-818B-F1C9F2CF8384}" type="datetimeFigureOut">
               <a:rPr lang="en-US" smtClean="0"/>
-              <a:t>5/23/22</a:t>
+              <a:t>5/24/22</a:t>
             </a:fld>
             <a:endParaRPr lang="en-US"/>
           </a:p>
@@ -2846,7 +3186,7 @@
           <a:p>
             <a:fld id="{D7AFABE5-C7E3-F145-818B-F1C9F2CF8384}" type="datetimeFigureOut">
               <a:rPr lang="en-US" smtClean="0"/>
-              <a:t>5/23/22</a:t>
+              <a:t>5/24/22</a:t>
             </a:fld>
             <a:endParaRPr lang="en-US"/>
           </a:p>
@@ -2987,7 +3327,7 @@
           <a:p>
             <a:fld id="{D7AFABE5-C7E3-F145-818B-F1C9F2CF8384}" type="datetimeFigureOut">
               <a:rPr lang="en-US" smtClean="0"/>
-              <a:t>5/23/22</a:t>
+              <a:t>5/24/22</a:t>
             </a:fld>
             <a:endParaRPr lang="en-US"/>
           </a:p>
@@ -3100,7 +3440,7 @@
           <a:p>
             <a:fld id="{D7AFABE5-C7E3-F145-818B-F1C9F2CF8384}" type="datetimeFigureOut">
               <a:rPr lang="en-US" smtClean="0"/>
-              <a:t>5/23/22</a:t>
+              <a:t>5/24/22</a:t>
             </a:fld>
             <a:endParaRPr lang="en-US"/>
           </a:p>
@@ -3411,7 +3751,7 @@
           <a:p>
             <a:fld id="{D7AFABE5-C7E3-F145-818B-F1C9F2CF8384}" type="datetimeFigureOut">
               <a:rPr lang="en-US" smtClean="0"/>
-              <a:t>5/23/22</a:t>
+              <a:t>5/24/22</a:t>
             </a:fld>
             <a:endParaRPr lang="en-US"/>
           </a:p>
@@ -3699,7 +4039,7 @@
           <a:p>
             <a:fld id="{D7AFABE5-C7E3-F145-818B-F1C9F2CF8384}" type="datetimeFigureOut">
               <a:rPr lang="en-US" smtClean="0"/>
-              <a:t>5/23/22</a:t>
+              <a:t>5/24/22</a:t>
             </a:fld>
             <a:endParaRPr lang="en-US"/>
           </a:p>
@@ -3940,7 +4280,7 @@
           <a:p>
             <a:fld id="{D7AFABE5-C7E3-F145-818B-F1C9F2CF8384}" type="datetimeFigureOut">
               <a:rPr lang="en-US" smtClean="0"/>
-              <a:t>5/23/22</a:t>
+              <a:t>5/24/22</a:t>
             </a:fld>
             <a:endParaRPr lang="en-US"/>
           </a:p>
@@ -4539,7 +4879,7 @@
           <p:nvPr>
             <p:extLst>
               <p:ext uri="{D42A27DB-BD31-4B8C-83A1-F6EECF244321}">
-                <p14:modId xmlns:p14="http://schemas.microsoft.com/office/powerpoint/2010/main" val="2266281506"/>
+                <p14:modId xmlns:p14="http://schemas.microsoft.com/office/powerpoint/2010/main" val="3142506443"/>
               </p:ext>
             </p:extLst>
           </p:nvPr>
@@ -5286,7 +5626,7 @@
           <p:nvPr>
             <p:extLst>
               <p:ext uri="{D42A27DB-BD31-4B8C-83A1-F6EECF244321}">
-                <p14:modId xmlns:p14="http://schemas.microsoft.com/office/powerpoint/2010/main" val="4155137643"/>
+                <p14:modId xmlns:p14="http://schemas.microsoft.com/office/powerpoint/2010/main" val="2311598327"/>
               </p:ext>
             </p:extLst>
           </p:nvPr>
@@ -6081,7 +6421,7 @@
           <p:nvPr>
             <p:extLst>
               <p:ext uri="{D42A27DB-BD31-4B8C-83A1-F6EECF244321}">
-                <p14:modId xmlns:p14="http://schemas.microsoft.com/office/powerpoint/2010/main" val="3103354690"/>
+                <p14:modId xmlns:p14="http://schemas.microsoft.com/office/powerpoint/2010/main" val="2620599239"/>
               </p:ext>
             </p:extLst>
           </p:nvPr>
@@ -7045,6 +7385,4924 @@
     <p:extLst>
       <p:ext uri="{BB962C8B-B14F-4D97-AF65-F5344CB8AC3E}">
         <p14:creationId xmlns:p14="http://schemas.microsoft.com/office/powerpoint/2010/main" val="4097080698"/>
+      </p:ext>
+    </p:extLst>
+  </p:cSld>
+  <p:clrMapOvr>
+    <a:masterClrMapping/>
+  </p:clrMapOvr>
+  <p:timing>
+    <p:tnLst>
+      <p:par>
+        <p:cTn id="1" dur="indefinite" restart="never" nodeType="tmRoot">
+          <p:childTnLst>
+            <p:seq concurrent="1" nextAc="seek">
+              <p:cTn id="2" dur="indefinite" nodeType="mainSeq">
+                <p:childTnLst>
+                  <p:par>
+                    <p:cTn id="3" fill="hold">
+                      <p:stCondLst>
+                        <p:cond delay="indefinite"/>
+                      </p:stCondLst>
+                      <p:childTnLst>
+                        <p:par>
+                          <p:cTn id="4" fill="hold">
+                            <p:stCondLst>
+                              <p:cond delay="0"/>
+                            </p:stCondLst>
+                            <p:childTnLst>
+                              <p:par>
+                                <p:cTn id="5" presetID="6" presetClass="entr" presetSubtype="16" fill="hold" grpId="0" nodeType="clickEffect">
+                                  <p:stCondLst>
+                                    <p:cond delay="0"/>
+                                  </p:stCondLst>
+                                  <p:childTnLst>
+                                    <p:set>
+                                      <p:cBhvr>
+                                        <p:cTn id="6" dur="1" fill="hold">
+                                          <p:stCondLst>
+                                            <p:cond delay="0"/>
+                                          </p:stCondLst>
+                                        </p:cTn>
+                                        <p:tgtEl>
+                                          <p:spTgt spid="6"/>
+                                        </p:tgtEl>
+                                        <p:attrNameLst>
+                                          <p:attrName>style.visibility</p:attrName>
+                                        </p:attrNameLst>
+                                      </p:cBhvr>
+                                      <p:to>
+                                        <p:strVal val="visible"/>
+                                      </p:to>
+                                    </p:set>
+                                    <p:animEffect transition="in" filter="circle(in)">
+                                      <p:cBhvr>
+                                        <p:cTn id="7" dur="2000"/>
+                                        <p:tgtEl>
+                                          <p:spTgt spid="6"/>
+                                        </p:tgtEl>
+                                      </p:cBhvr>
+                                    </p:animEffect>
+                                  </p:childTnLst>
+                                </p:cTn>
+                              </p:par>
+                            </p:childTnLst>
+                          </p:cTn>
+                        </p:par>
+                      </p:childTnLst>
+                    </p:cTn>
+                  </p:par>
+                </p:childTnLst>
+              </p:cTn>
+              <p:prevCondLst>
+                <p:cond evt="onPrev" delay="0">
+                  <p:tgtEl>
+                    <p:sldTgt/>
+                  </p:tgtEl>
+                </p:cond>
+              </p:prevCondLst>
+              <p:nextCondLst>
+                <p:cond evt="onNext" delay="0">
+                  <p:tgtEl>
+                    <p:sldTgt/>
+                  </p:tgtEl>
+                </p:cond>
+              </p:nextCondLst>
+            </p:seq>
+          </p:childTnLst>
+        </p:cTn>
+      </p:par>
+    </p:tnLst>
+    <p:bldLst>
+      <p:bldP spid="6" grpId="0" animBg="1"/>
+    </p:bldLst>
+  </p:timing>
+</p:sld>
+</file>
+
+<file path=ppt/slides/slide10.xml><?xml version="1.0" encoding="utf-8"?>
+<p:sld xmlns:a="http://schemas.openxmlformats.org/drawingml/2006/main" xmlns:r="http://schemas.openxmlformats.org/officeDocument/2006/relationships" xmlns:p="http://schemas.openxmlformats.org/presentationml/2006/main">
+  <p:cSld>
+    <p:spTree>
+      <p:nvGrpSpPr>
+        <p:cNvPr id="1" name=""/>
+        <p:cNvGrpSpPr/>
+        <p:nvPr/>
+      </p:nvGrpSpPr>
+      <p:grpSpPr>
+        <a:xfrm>
+          <a:off x="0" y="0"/>
+          <a:ext cx="0" cy="0"/>
+          <a:chOff x="0" y="0"/>
+          <a:chExt cx="0" cy="0"/>
+        </a:xfrm>
+      </p:grpSpPr>
+      <p:sp>
+        <p:nvSpPr>
+          <p:cNvPr id="6" name="Rectangle 5">
+            <a:extLst>
+              <a:ext uri="{FF2B5EF4-FFF2-40B4-BE49-F238E27FC236}">
+                <a16:creationId xmlns:a16="http://schemas.microsoft.com/office/drawing/2014/main" id="{6099DF02-D76D-BF47-A246-D5D13BF51E65}"/>
+              </a:ext>
+            </a:extLst>
+          </p:cNvPr>
+          <p:cNvSpPr/>
+          <p:nvPr/>
+        </p:nvSpPr>
+        <p:spPr>
+          <a:xfrm>
+            <a:off x="-1" y="7521"/>
+            <a:ext cx="12191997" cy="6858000"/>
+          </a:xfrm>
+          <a:prstGeom prst="rect">
+            <a:avLst/>
+          </a:prstGeom>
+          <a:blipFill>
+            <a:blip r:embed="rId3"/>
+            <a:tile tx="0" ty="0" sx="100000" sy="100000" flip="none" algn="tl"/>
+          </a:blipFill>
+          <a:ln>
+            <a:noFill/>
+          </a:ln>
+          <a:effectLst>
+            <a:outerShdw blurRad="63500" dist="152400" dir="3000000" algn="tl" rotWithShape="0">
+              <a:prstClr val="black">
+                <a:alpha val="40000"/>
+              </a:prstClr>
+            </a:outerShdw>
+            <a:softEdge rad="25400"/>
+          </a:effectLst>
+        </p:spPr>
+        <p:style>
+          <a:lnRef idx="2">
+            <a:schemeClr val="accent1">
+              <a:shade val="50000"/>
+            </a:schemeClr>
+          </a:lnRef>
+          <a:fillRef idx="1">
+            <a:schemeClr val="accent1"/>
+          </a:fillRef>
+          <a:effectRef idx="0">
+            <a:schemeClr val="accent1"/>
+          </a:effectRef>
+          <a:fontRef idx="minor">
+            <a:schemeClr val="lt1"/>
+          </a:fontRef>
+        </p:style>
+        <p:txBody>
+          <a:bodyPr rtlCol="0" anchor="ctr"/>
+          <a:lstStyle/>
+          <a:p>
+            <a:pPr algn="ctr"/>
+            <a:endParaRPr lang="en-US" dirty="0"/>
+          </a:p>
+        </p:txBody>
+      </p:sp>
+      <p:cxnSp>
+        <p:nvCxnSpPr>
+          <p:cNvPr id="9" name="Straight Connector 8">
+            <a:extLst>
+              <a:ext uri="{FF2B5EF4-FFF2-40B4-BE49-F238E27FC236}">
+                <a16:creationId xmlns:a16="http://schemas.microsoft.com/office/drawing/2014/main" id="{AA4D4064-94AA-5E4D-AB14-C932D2779787}"/>
+              </a:ext>
+            </a:extLst>
+          </p:cNvPr>
+          <p:cNvCxnSpPr>
+            <a:cxnSpLocks/>
+          </p:cNvCxnSpPr>
+          <p:nvPr/>
+        </p:nvCxnSpPr>
+        <p:spPr>
+          <a:xfrm>
+            <a:off x="11656643" y="7521"/>
+            <a:ext cx="1" cy="6858000"/>
+          </a:xfrm>
+          <a:prstGeom prst="line">
+            <a:avLst/>
+          </a:prstGeom>
+          <a:ln w="38100">
+            <a:solidFill>
+              <a:schemeClr val="accent4">
+                <a:lumMod val="50000"/>
+              </a:schemeClr>
+            </a:solidFill>
+            <a:prstDash val="lgDash"/>
+          </a:ln>
+        </p:spPr>
+        <p:style>
+          <a:lnRef idx="1">
+            <a:schemeClr val="accent1"/>
+          </a:lnRef>
+          <a:fillRef idx="0">
+            <a:schemeClr val="accent1"/>
+          </a:fillRef>
+          <a:effectRef idx="0">
+            <a:schemeClr val="accent1"/>
+          </a:effectRef>
+          <a:fontRef idx="minor">
+            <a:schemeClr val="tx1"/>
+          </a:fontRef>
+        </p:style>
+      </p:cxnSp>
+      <p:graphicFrame>
+        <p:nvGraphicFramePr>
+          <p:cNvPr id="45" name="Table 2">
+            <a:extLst>
+              <a:ext uri="{FF2B5EF4-FFF2-40B4-BE49-F238E27FC236}">
+                <a16:creationId xmlns:a16="http://schemas.microsoft.com/office/drawing/2014/main" id="{6828A262-BD53-3643-9F2F-5F72ABA89EC3}"/>
+              </a:ext>
+            </a:extLst>
+          </p:cNvPr>
+          <p:cNvGraphicFramePr>
+            <a:graphicFrameLocks noGrp="1"/>
+          </p:cNvGraphicFramePr>
+          <p:nvPr>
+            <p:extLst>
+              <p:ext uri="{D42A27DB-BD31-4B8C-83A1-F6EECF244321}">
+                <p14:modId xmlns:p14="http://schemas.microsoft.com/office/powerpoint/2010/main" val="1557295465"/>
+              </p:ext>
+            </p:extLst>
+          </p:nvPr>
+        </p:nvGraphicFramePr>
+        <p:xfrm>
+          <a:off x="535356" y="364629"/>
+          <a:ext cx="3802252" cy="936729"/>
+        </p:xfrm>
+        <a:graphic>
+          <a:graphicData uri="http://schemas.openxmlformats.org/drawingml/2006/table">
+            <a:tbl>
+              <a:tblPr>
+                <a:effectLst/>
+                <a:tableStyleId>{5C22544A-7EE6-4342-B048-85BDC9FD1C3A}</a:tableStyleId>
+              </a:tblPr>
+              <a:tblGrid>
+                <a:gridCol w="896624">
+                  <a:extLst>
+                    <a:ext uri="{9D8B030D-6E8A-4147-A177-3AD203B41FA5}">
+                      <a16:colId xmlns:a16="http://schemas.microsoft.com/office/drawing/2014/main" val="903445238"/>
+                    </a:ext>
+                  </a:extLst>
+                </a:gridCol>
+                <a:gridCol w="924466">
+                  <a:extLst>
+                    <a:ext uri="{9D8B030D-6E8A-4147-A177-3AD203B41FA5}">
+                      <a16:colId xmlns:a16="http://schemas.microsoft.com/office/drawing/2014/main" val="1986698563"/>
+                    </a:ext>
+                  </a:extLst>
+                </a:gridCol>
+                <a:gridCol w="982530">
+                  <a:extLst>
+                    <a:ext uri="{9D8B030D-6E8A-4147-A177-3AD203B41FA5}">
+                      <a16:colId xmlns:a16="http://schemas.microsoft.com/office/drawing/2014/main" val="621528173"/>
+                    </a:ext>
+                  </a:extLst>
+                </a:gridCol>
+                <a:gridCol w="998632">
+                  <a:extLst>
+                    <a:ext uri="{9D8B030D-6E8A-4147-A177-3AD203B41FA5}">
+                      <a16:colId xmlns:a16="http://schemas.microsoft.com/office/drawing/2014/main" val="3612687831"/>
+                    </a:ext>
+                  </a:extLst>
+                </a:gridCol>
+              </a:tblGrid>
+              <a:tr h="501787">
+                <a:tc>
+                  <a:txBody>
+                    <a:bodyPr/>
+                    <a:lstStyle/>
+                    <a:p>
+                      <a:pPr algn="ctr"/>
+                      <a:r>
+                        <a:rPr lang="en-US" sz="2000" b="1" cap="none" spc="0" dirty="0">
+                          <a:ln>
+                            <a:noFill/>
+                          </a:ln>
+                          <a:solidFill>
+                            <a:schemeClr val="tx1"/>
+                          </a:solidFill>
+                          <a:effectLst/>
+                        </a:rPr>
+                        <a:t>20</a:t>
+                      </a:r>
+                    </a:p>
+                  </a:txBody>
+                  <a:tcPr anchor="ctr">
+                    <a:noFill/>
+                  </a:tcPr>
+                </a:tc>
+                <a:tc>
+                  <a:txBody>
+                    <a:bodyPr/>
+                    <a:lstStyle/>
+                    <a:p>
+                      <a:pPr algn="ctr"/>
+                      <a:r>
+                        <a:rPr lang="en-US" sz="2000" b="1" cap="none" spc="0" dirty="0">
+                          <a:ln>
+                            <a:noFill/>
+                          </a:ln>
+                          <a:solidFill>
+                            <a:schemeClr val="tx1"/>
+                          </a:solidFill>
+                          <a:effectLst/>
+                        </a:rPr>
+                        <a:t>30</a:t>
+                      </a:r>
+                    </a:p>
+                  </a:txBody>
+                  <a:tcPr anchor="ctr">
+                    <a:noFill/>
+                  </a:tcPr>
+                </a:tc>
+                <a:tc>
+                  <a:txBody>
+                    <a:bodyPr/>
+                    <a:lstStyle/>
+                    <a:p>
+                      <a:pPr algn="ctr"/>
+                      <a:r>
+                        <a:rPr lang="en-US" sz="2000" b="1" cap="none" spc="0" dirty="0">
+                          <a:ln>
+                            <a:noFill/>
+                          </a:ln>
+                          <a:solidFill>
+                            <a:schemeClr val="tx1"/>
+                          </a:solidFill>
+                          <a:effectLst/>
+                        </a:rPr>
+                        <a:t>40</a:t>
+                      </a:r>
+                    </a:p>
+                  </a:txBody>
+                  <a:tcPr anchor="ctr">
+                    <a:noFill/>
+                  </a:tcPr>
+                </a:tc>
+                <a:tc>
+                  <a:txBody>
+                    <a:bodyPr/>
+                    <a:lstStyle/>
+                    <a:p>
+                      <a:pPr algn="ctr"/>
+                      <a:r>
+                        <a:rPr lang="en-US" sz="2000" b="1" cap="none" spc="0" dirty="0">
+                          <a:ln>
+                            <a:noFill/>
+                          </a:ln>
+                          <a:solidFill>
+                            <a:schemeClr val="tx1"/>
+                          </a:solidFill>
+                          <a:effectLst/>
+                        </a:rPr>
+                        <a:t>10</a:t>
+                      </a:r>
+                    </a:p>
+                  </a:txBody>
+                  <a:tcPr anchor="ctr">
+                    <a:noFill/>
+                  </a:tcPr>
+                </a:tc>
+                <a:extLst>
+                  <a:ext uri="{0D108BD9-81ED-4DB2-BD59-A6C34878D82A}">
+                    <a16:rowId xmlns:a16="http://schemas.microsoft.com/office/drawing/2014/main" val="3319565494"/>
+                  </a:ext>
+                </a:extLst>
+              </a:tr>
+              <a:tr h="434942">
+                <a:tc>
+                  <a:txBody>
+                    <a:bodyPr/>
+                    <a:lstStyle/>
+                    <a:p>
+                      <a:pPr algn="ctr"/>
+                      <a:r>
+                        <a:rPr lang="en-US" sz="2000" b="0" cap="none" spc="0" dirty="0">
+                          <a:ln>
+                            <a:noFill/>
+                          </a:ln>
+                          <a:solidFill>
+                            <a:schemeClr val="tx1"/>
+                          </a:solidFill>
+                          <a:effectLst/>
+                        </a:rPr>
+                        <a:t>0</a:t>
+                      </a:r>
+                    </a:p>
+                  </a:txBody>
+                  <a:tcPr anchor="ctr">
+                    <a:noFill/>
+                  </a:tcPr>
+                </a:tc>
+                <a:tc>
+                  <a:txBody>
+                    <a:bodyPr/>
+                    <a:lstStyle/>
+                    <a:p>
+                      <a:pPr algn="ctr"/>
+                      <a:r>
+                        <a:rPr lang="en-US" sz="2000" b="0" cap="none" spc="0" dirty="0">
+                          <a:ln>
+                            <a:noFill/>
+                          </a:ln>
+                          <a:solidFill>
+                            <a:schemeClr val="tx1"/>
+                          </a:solidFill>
+                          <a:effectLst/>
+                        </a:rPr>
+                        <a:t>1</a:t>
+                      </a:r>
+                    </a:p>
+                  </a:txBody>
+                  <a:tcPr anchor="ctr">
+                    <a:noFill/>
+                  </a:tcPr>
+                </a:tc>
+                <a:tc>
+                  <a:txBody>
+                    <a:bodyPr/>
+                    <a:lstStyle/>
+                    <a:p>
+                      <a:pPr algn="ctr"/>
+                      <a:r>
+                        <a:rPr lang="en-US" sz="2000" b="0" cap="none" spc="0" dirty="0">
+                          <a:ln>
+                            <a:noFill/>
+                          </a:ln>
+                          <a:solidFill>
+                            <a:schemeClr val="tx1"/>
+                          </a:solidFill>
+                          <a:effectLst/>
+                        </a:rPr>
+                        <a:t>2</a:t>
+                      </a:r>
+                    </a:p>
+                  </a:txBody>
+                  <a:tcPr anchor="ctr">
+                    <a:noFill/>
+                  </a:tcPr>
+                </a:tc>
+                <a:tc>
+                  <a:txBody>
+                    <a:bodyPr/>
+                    <a:lstStyle/>
+                    <a:p>
+                      <a:pPr algn="ctr"/>
+                      <a:r>
+                        <a:rPr lang="en-US" sz="2000" b="0" cap="none" spc="0" dirty="0">
+                          <a:ln>
+                            <a:noFill/>
+                          </a:ln>
+                          <a:solidFill>
+                            <a:schemeClr val="tx1"/>
+                          </a:solidFill>
+                          <a:effectLst/>
+                        </a:rPr>
+                        <a:t>3</a:t>
+                      </a:r>
+                    </a:p>
+                  </a:txBody>
+                  <a:tcPr anchor="ctr">
+                    <a:noFill/>
+                  </a:tcPr>
+                </a:tc>
+                <a:extLst>
+                  <a:ext uri="{0D108BD9-81ED-4DB2-BD59-A6C34878D82A}">
+                    <a16:rowId xmlns:a16="http://schemas.microsoft.com/office/drawing/2014/main" val="1211151737"/>
+                  </a:ext>
+                </a:extLst>
+              </a:tr>
+            </a:tbl>
+          </a:graphicData>
+        </a:graphic>
+      </p:graphicFrame>
+      <p:sp>
+        <p:nvSpPr>
+          <p:cNvPr id="46" name="TextBox 45">
+            <a:extLst>
+              <a:ext uri="{FF2B5EF4-FFF2-40B4-BE49-F238E27FC236}">
+                <a16:creationId xmlns:a16="http://schemas.microsoft.com/office/drawing/2014/main" id="{3306D261-5B0A-E042-831E-FAF5B0510001}"/>
+              </a:ext>
+            </a:extLst>
+          </p:cNvPr>
+          <p:cNvSpPr txBox="1"/>
+          <p:nvPr/>
+        </p:nvSpPr>
+        <p:spPr>
+          <a:xfrm>
+            <a:off x="787418" y="1365169"/>
+            <a:ext cx="566164" cy="707886"/>
+          </a:xfrm>
+          <a:prstGeom prst="rect">
+            <a:avLst/>
+          </a:prstGeom>
+          <a:noFill/>
+          <a:effectLst>
+            <a:glow rad="63500">
+              <a:schemeClr val="accent2">
+                <a:satMod val="175000"/>
+                <a:alpha val="0"/>
+              </a:schemeClr>
+            </a:glow>
+          </a:effectLst>
+        </p:spPr>
+        <p:txBody>
+          <a:bodyPr wrap="square" rtlCol="0">
+            <a:spAutoFit/>
+          </a:bodyPr>
+          <a:lstStyle>
+            <a:defPPr>
+              <a:defRPr lang="en-US"/>
+            </a:defPPr>
+            <a:lvl1pPr>
+              <a:defRPr sz="2000">
+                <a:solidFill>
+                  <a:schemeClr val="bg2"/>
+                </a:solidFill>
+              </a:defRPr>
+            </a:lvl1pPr>
+          </a:lstStyle>
+          <a:p>
+            <a:r>
+              <a:rPr lang="en-US" dirty="0">
+                <a:solidFill>
+                  <a:schemeClr val="tx1"/>
+                </a:solidFill>
+              </a:rPr>
+              <a:t>p</a:t>
+            </a:r>
+          </a:p>
+          <a:p>
+            <a:r>
+              <a:rPr lang="en-US" dirty="0">
+                <a:solidFill>
+                  <a:schemeClr val="tx1"/>
+                </a:solidFill>
+              </a:rPr>
+              <a:t>low</a:t>
+            </a:r>
+          </a:p>
+        </p:txBody>
+      </p:sp>
+      <p:sp>
+        <p:nvSpPr>
+          <p:cNvPr id="47" name="TextBox 46">
+            <a:extLst>
+              <a:ext uri="{FF2B5EF4-FFF2-40B4-BE49-F238E27FC236}">
+                <a16:creationId xmlns:a16="http://schemas.microsoft.com/office/drawing/2014/main" id="{F48505E2-F137-6C4D-95E1-5A2626382568}"/>
+              </a:ext>
+            </a:extLst>
+          </p:cNvPr>
+          <p:cNvSpPr txBox="1"/>
+          <p:nvPr/>
+        </p:nvSpPr>
+        <p:spPr>
+          <a:xfrm>
+            <a:off x="787418" y="2003516"/>
+            <a:ext cx="566164" cy="400110"/>
+          </a:xfrm>
+          <a:prstGeom prst="rect">
+            <a:avLst/>
+          </a:prstGeom>
+          <a:noFill/>
+          <a:effectLst>
+            <a:glow rad="63500">
+              <a:schemeClr val="accent2">
+                <a:satMod val="175000"/>
+                <a:alpha val="0"/>
+              </a:schemeClr>
+            </a:glow>
+          </a:effectLst>
+        </p:spPr>
+        <p:txBody>
+          <a:bodyPr wrap="square" rtlCol="0">
+            <a:spAutoFit/>
+          </a:bodyPr>
+          <a:lstStyle>
+            <a:defPPr>
+              <a:defRPr lang="en-US"/>
+            </a:defPPr>
+            <a:lvl1pPr>
+              <a:defRPr sz="2000">
+                <a:solidFill>
+                  <a:schemeClr val="bg2"/>
+                </a:solidFill>
+              </a:defRPr>
+            </a:lvl1pPr>
+          </a:lstStyle>
+          <a:p>
+            <a:r>
+              <a:rPr lang="en-US" dirty="0">
+                <a:solidFill>
+                  <a:schemeClr val="tx1"/>
+                </a:solidFill>
+              </a:rPr>
+              <a:t>i</a:t>
+            </a:r>
+          </a:p>
+        </p:txBody>
+      </p:sp>
+      <p:sp>
+        <p:nvSpPr>
+          <p:cNvPr id="49" name="TextBox 48">
+            <a:extLst>
+              <a:ext uri="{FF2B5EF4-FFF2-40B4-BE49-F238E27FC236}">
+                <a16:creationId xmlns:a16="http://schemas.microsoft.com/office/drawing/2014/main" id="{7DF0C152-D888-954A-AAAC-92FABE704424}"/>
+              </a:ext>
+            </a:extLst>
+          </p:cNvPr>
+          <p:cNvSpPr txBox="1"/>
+          <p:nvPr/>
+        </p:nvSpPr>
+        <p:spPr>
+          <a:xfrm>
+            <a:off x="3703492" y="1430555"/>
+            <a:ext cx="566164" cy="400110"/>
+          </a:xfrm>
+          <a:prstGeom prst="rect">
+            <a:avLst/>
+          </a:prstGeom>
+          <a:noFill/>
+          <a:effectLst>
+            <a:glow rad="63500">
+              <a:schemeClr val="accent2">
+                <a:satMod val="175000"/>
+                <a:alpha val="0"/>
+              </a:schemeClr>
+            </a:glow>
+          </a:effectLst>
+        </p:spPr>
+        <p:txBody>
+          <a:bodyPr wrap="square" rtlCol="0">
+            <a:spAutoFit/>
+          </a:bodyPr>
+          <a:lstStyle>
+            <a:defPPr>
+              <a:defRPr lang="en-US"/>
+            </a:defPPr>
+            <a:lvl1pPr>
+              <a:defRPr sz="2000">
+                <a:solidFill>
+                  <a:schemeClr val="bg2"/>
+                </a:solidFill>
+              </a:defRPr>
+            </a:lvl1pPr>
+          </a:lstStyle>
+          <a:p>
+            <a:r>
+              <a:rPr lang="en-US" dirty="0">
+                <a:solidFill>
+                  <a:schemeClr val="tx1"/>
+                </a:solidFill>
+              </a:rPr>
+              <a:t>j</a:t>
+            </a:r>
+          </a:p>
+        </p:txBody>
+      </p:sp>
+      <p:sp>
+        <p:nvSpPr>
+          <p:cNvPr id="27" name="TextBox 26">
+            <a:extLst>
+              <a:ext uri="{FF2B5EF4-FFF2-40B4-BE49-F238E27FC236}">
+                <a16:creationId xmlns:a16="http://schemas.microsoft.com/office/drawing/2014/main" id="{EBF77216-8612-6E4B-B5FF-2B9AD6E9293E}"/>
+              </a:ext>
+            </a:extLst>
+          </p:cNvPr>
+          <p:cNvSpPr txBox="1"/>
+          <p:nvPr/>
+        </p:nvSpPr>
+        <p:spPr>
+          <a:xfrm>
+            <a:off x="3654372" y="1959862"/>
+            <a:ext cx="664403" cy="400110"/>
+          </a:xfrm>
+          <a:prstGeom prst="rect">
+            <a:avLst/>
+          </a:prstGeom>
+          <a:noFill/>
+          <a:effectLst>
+            <a:glow rad="63500">
+              <a:schemeClr val="accent2">
+                <a:satMod val="175000"/>
+                <a:alpha val="0"/>
+              </a:schemeClr>
+            </a:glow>
+          </a:effectLst>
+        </p:spPr>
+        <p:txBody>
+          <a:bodyPr wrap="square" rtlCol="0">
+            <a:spAutoFit/>
+          </a:bodyPr>
+          <a:lstStyle>
+            <a:defPPr>
+              <a:defRPr lang="en-US"/>
+            </a:defPPr>
+            <a:lvl1pPr>
+              <a:defRPr sz="2000">
+                <a:solidFill>
+                  <a:schemeClr val="bg2"/>
+                </a:solidFill>
+              </a:defRPr>
+            </a:lvl1pPr>
+          </a:lstStyle>
+          <a:p>
+            <a:r>
+              <a:rPr lang="en-US" dirty="0">
+                <a:solidFill>
+                  <a:schemeClr val="tx1"/>
+                </a:solidFill>
+              </a:rPr>
+              <a:t>high</a:t>
+            </a:r>
+          </a:p>
+        </p:txBody>
+      </p:sp>
+      <p:graphicFrame>
+        <p:nvGraphicFramePr>
+          <p:cNvPr id="11" name="Table 2">
+            <a:extLst>
+              <a:ext uri="{FF2B5EF4-FFF2-40B4-BE49-F238E27FC236}">
+                <a16:creationId xmlns:a16="http://schemas.microsoft.com/office/drawing/2014/main" id="{063545AC-A281-68BA-B2C0-7C626DB8B301}"/>
+              </a:ext>
+            </a:extLst>
+          </p:cNvPr>
+          <p:cNvGraphicFramePr>
+            <a:graphicFrameLocks noGrp="1"/>
+          </p:cNvGraphicFramePr>
+          <p:nvPr>
+            <p:extLst>
+              <p:ext uri="{D42A27DB-BD31-4B8C-83A1-F6EECF244321}">
+                <p14:modId xmlns:p14="http://schemas.microsoft.com/office/powerpoint/2010/main" val="2351398346"/>
+              </p:ext>
+            </p:extLst>
+          </p:nvPr>
+        </p:nvGraphicFramePr>
+        <p:xfrm>
+          <a:off x="535356" y="2550111"/>
+          <a:ext cx="3802252" cy="936729"/>
+        </p:xfrm>
+        <a:graphic>
+          <a:graphicData uri="http://schemas.openxmlformats.org/drawingml/2006/table">
+            <a:tbl>
+              <a:tblPr>
+                <a:effectLst/>
+                <a:tableStyleId>{5C22544A-7EE6-4342-B048-85BDC9FD1C3A}</a:tableStyleId>
+              </a:tblPr>
+              <a:tblGrid>
+                <a:gridCol w="896624">
+                  <a:extLst>
+                    <a:ext uri="{9D8B030D-6E8A-4147-A177-3AD203B41FA5}">
+                      <a16:colId xmlns:a16="http://schemas.microsoft.com/office/drawing/2014/main" val="903445238"/>
+                    </a:ext>
+                  </a:extLst>
+                </a:gridCol>
+                <a:gridCol w="924466">
+                  <a:extLst>
+                    <a:ext uri="{9D8B030D-6E8A-4147-A177-3AD203B41FA5}">
+                      <a16:colId xmlns:a16="http://schemas.microsoft.com/office/drawing/2014/main" val="1986698563"/>
+                    </a:ext>
+                  </a:extLst>
+                </a:gridCol>
+                <a:gridCol w="982530">
+                  <a:extLst>
+                    <a:ext uri="{9D8B030D-6E8A-4147-A177-3AD203B41FA5}">
+                      <a16:colId xmlns:a16="http://schemas.microsoft.com/office/drawing/2014/main" val="621528173"/>
+                    </a:ext>
+                  </a:extLst>
+                </a:gridCol>
+                <a:gridCol w="998632">
+                  <a:extLst>
+                    <a:ext uri="{9D8B030D-6E8A-4147-A177-3AD203B41FA5}">
+                      <a16:colId xmlns:a16="http://schemas.microsoft.com/office/drawing/2014/main" val="3612687831"/>
+                    </a:ext>
+                  </a:extLst>
+                </a:gridCol>
+              </a:tblGrid>
+              <a:tr h="501787">
+                <a:tc>
+                  <a:txBody>
+                    <a:bodyPr/>
+                    <a:lstStyle/>
+                    <a:p>
+                      <a:pPr algn="ctr"/>
+                      <a:r>
+                        <a:rPr lang="en-US" sz="2000" b="1" cap="none" spc="0" dirty="0">
+                          <a:ln>
+                            <a:noFill/>
+                          </a:ln>
+                          <a:solidFill>
+                            <a:schemeClr val="tx1"/>
+                          </a:solidFill>
+                          <a:effectLst/>
+                        </a:rPr>
+                        <a:t>20</a:t>
+                      </a:r>
+                    </a:p>
+                  </a:txBody>
+                  <a:tcPr anchor="ctr">
+                    <a:noFill/>
+                  </a:tcPr>
+                </a:tc>
+                <a:tc>
+                  <a:txBody>
+                    <a:bodyPr/>
+                    <a:lstStyle/>
+                    <a:p>
+                      <a:pPr algn="ctr"/>
+                      <a:r>
+                        <a:rPr lang="en-US" sz="2000" b="1" cap="none" spc="0" dirty="0">
+                          <a:ln>
+                            <a:noFill/>
+                          </a:ln>
+                          <a:solidFill>
+                            <a:schemeClr val="tx1"/>
+                          </a:solidFill>
+                          <a:effectLst/>
+                        </a:rPr>
+                        <a:t>30</a:t>
+                      </a:r>
+                    </a:p>
+                  </a:txBody>
+                  <a:tcPr anchor="ctr">
+                    <a:noFill/>
+                  </a:tcPr>
+                </a:tc>
+                <a:tc>
+                  <a:txBody>
+                    <a:bodyPr/>
+                    <a:lstStyle/>
+                    <a:p>
+                      <a:pPr algn="ctr"/>
+                      <a:r>
+                        <a:rPr lang="en-US" sz="2000" b="1" cap="none" spc="0" dirty="0">
+                          <a:ln>
+                            <a:noFill/>
+                          </a:ln>
+                          <a:solidFill>
+                            <a:schemeClr val="tx1"/>
+                          </a:solidFill>
+                          <a:effectLst/>
+                        </a:rPr>
+                        <a:t>40</a:t>
+                      </a:r>
+                    </a:p>
+                  </a:txBody>
+                  <a:tcPr anchor="ctr">
+                    <a:noFill/>
+                  </a:tcPr>
+                </a:tc>
+                <a:tc>
+                  <a:txBody>
+                    <a:bodyPr/>
+                    <a:lstStyle/>
+                    <a:p>
+                      <a:pPr algn="ctr"/>
+                      <a:r>
+                        <a:rPr lang="en-US" sz="2000" b="1" cap="none" spc="0" dirty="0">
+                          <a:ln>
+                            <a:noFill/>
+                          </a:ln>
+                          <a:solidFill>
+                            <a:schemeClr val="tx1"/>
+                          </a:solidFill>
+                          <a:effectLst/>
+                        </a:rPr>
+                        <a:t>10</a:t>
+                      </a:r>
+                    </a:p>
+                  </a:txBody>
+                  <a:tcPr anchor="ctr">
+                    <a:noFill/>
+                  </a:tcPr>
+                </a:tc>
+                <a:extLst>
+                  <a:ext uri="{0D108BD9-81ED-4DB2-BD59-A6C34878D82A}">
+                    <a16:rowId xmlns:a16="http://schemas.microsoft.com/office/drawing/2014/main" val="3319565494"/>
+                  </a:ext>
+                </a:extLst>
+              </a:tr>
+              <a:tr h="434942">
+                <a:tc>
+                  <a:txBody>
+                    <a:bodyPr/>
+                    <a:lstStyle/>
+                    <a:p>
+                      <a:pPr algn="ctr"/>
+                      <a:r>
+                        <a:rPr lang="en-US" sz="2000" b="0" cap="none" spc="0" dirty="0">
+                          <a:ln>
+                            <a:noFill/>
+                          </a:ln>
+                          <a:solidFill>
+                            <a:schemeClr val="tx1"/>
+                          </a:solidFill>
+                          <a:effectLst/>
+                        </a:rPr>
+                        <a:t>0</a:t>
+                      </a:r>
+                    </a:p>
+                  </a:txBody>
+                  <a:tcPr anchor="ctr">
+                    <a:noFill/>
+                  </a:tcPr>
+                </a:tc>
+                <a:tc>
+                  <a:txBody>
+                    <a:bodyPr/>
+                    <a:lstStyle/>
+                    <a:p>
+                      <a:pPr algn="ctr"/>
+                      <a:r>
+                        <a:rPr lang="en-US" sz="2000" b="0" cap="none" spc="0" dirty="0">
+                          <a:ln>
+                            <a:noFill/>
+                          </a:ln>
+                          <a:solidFill>
+                            <a:schemeClr val="tx1"/>
+                          </a:solidFill>
+                          <a:effectLst/>
+                        </a:rPr>
+                        <a:t>1</a:t>
+                      </a:r>
+                    </a:p>
+                  </a:txBody>
+                  <a:tcPr anchor="ctr">
+                    <a:noFill/>
+                  </a:tcPr>
+                </a:tc>
+                <a:tc>
+                  <a:txBody>
+                    <a:bodyPr/>
+                    <a:lstStyle/>
+                    <a:p>
+                      <a:pPr algn="ctr"/>
+                      <a:r>
+                        <a:rPr lang="en-US" sz="2000" b="0" cap="none" spc="0" dirty="0">
+                          <a:ln>
+                            <a:noFill/>
+                          </a:ln>
+                          <a:solidFill>
+                            <a:schemeClr val="tx1"/>
+                          </a:solidFill>
+                          <a:effectLst/>
+                        </a:rPr>
+                        <a:t>2</a:t>
+                      </a:r>
+                    </a:p>
+                  </a:txBody>
+                  <a:tcPr anchor="ctr">
+                    <a:noFill/>
+                  </a:tcPr>
+                </a:tc>
+                <a:tc>
+                  <a:txBody>
+                    <a:bodyPr/>
+                    <a:lstStyle/>
+                    <a:p>
+                      <a:pPr algn="ctr"/>
+                      <a:r>
+                        <a:rPr lang="en-US" sz="2000" b="0" cap="none" spc="0" dirty="0">
+                          <a:ln>
+                            <a:noFill/>
+                          </a:ln>
+                          <a:solidFill>
+                            <a:schemeClr val="tx1"/>
+                          </a:solidFill>
+                          <a:effectLst/>
+                        </a:rPr>
+                        <a:t>3</a:t>
+                      </a:r>
+                    </a:p>
+                  </a:txBody>
+                  <a:tcPr anchor="ctr">
+                    <a:noFill/>
+                  </a:tcPr>
+                </a:tc>
+                <a:extLst>
+                  <a:ext uri="{0D108BD9-81ED-4DB2-BD59-A6C34878D82A}">
+                    <a16:rowId xmlns:a16="http://schemas.microsoft.com/office/drawing/2014/main" val="1211151737"/>
+                  </a:ext>
+                </a:extLst>
+              </a:tr>
+            </a:tbl>
+          </a:graphicData>
+        </a:graphic>
+      </p:graphicFrame>
+      <p:sp>
+        <p:nvSpPr>
+          <p:cNvPr id="12" name="TextBox 11">
+            <a:extLst>
+              <a:ext uri="{FF2B5EF4-FFF2-40B4-BE49-F238E27FC236}">
+                <a16:creationId xmlns:a16="http://schemas.microsoft.com/office/drawing/2014/main" id="{D9C2BF23-1E78-C6CA-1923-654EE99580C4}"/>
+              </a:ext>
+            </a:extLst>
+          </p:cNvPr>
+          <p:cNvSpPr txBox="1"/>
+          <p:nvPr/>
+        </p:nvSpPr>
+        <p:spPr>
+          <a:xfrm>
+            <a:off x="787418" y="3550651"/>
+            <a:ext cx="566164" cy="707886"/>
+          </a:xfrm>
+          <a:prstGeom prst="rect">
+            <a:avLst/>
+          </a:prstGeom>
+          <a:noFill/>
+          <a:effectLst>
+            <a:glow rad="63500">
+              <a:schemeClr val="accent2">
+                <a:satMod val="175000"/>
+                <a:alpha val="0"/>
+              </a:schemeClr>
+            </a:glow>
+          </a:effectLst>
+        </p:spPr>
+        <p:txBody>
+          <a:bodyPr wrap="square" rtlCol="0">
+            <a:spAutoFit/>
+          </a:bodyPr>
+          <a:lstStyle>
+            <a:defPPr>
+              <a:defRPr lang="en-US"/>
+            </a:defPPr>
+            <a:lvl1pPr>
+              <a:defRPr sz="2000">
+                <a:solidFill>
+                  <a:schemeClr val="bg2"/>
+                </a:solidFill>
+              </a:defRPr>
+            </a:lvl1pPr>
+          </a:lstStyle>
+          <a:p>
+            <a:r>
+              <a:rPr lang="en-US" dirty="0">
+                <a:solidFill>
+                  <a:schemeClr val="tx1"/>
+                </a:solidFill>
+              </a:rPr>
+              <a:t>p</a:t>
+            </a:r>
+          </a:p>
+          <a:p>
+            <a:r>
+              <a:rPr lang="en-US" dirty="0">
+                <a:solidFill>
+                  <a:schemeClr val="tx1"/>
+                </a:solidFill>
+              </a:rPr>
+              <a:t>low</a:t>
+            </a:r>
+          </a:p>
+        </p:txBody>
+      </p:sp>
+      <p:sp>
+        <p:nvSpPr>
+          <p:cNvPr id="14" name="TextBox 13">
+            <a:extLst>
+              <a:ext uri="{FF2B5EF4-FFF2-40B4-BE49-F238E27FC236}">
+                <a16:creationId xmlns:a16="http://schemas.microsoft.com/office/drawing/2014/main" id="{D33B5B1A-4DCA-7DC3-B3B1-833BB05FB1FC}"/>
+              </a:ext>
+            </a:extLst>
+          </p:cNvPr>
+          <p:cNvSpPr txBox="1"/>
+          <p:nvPr/>
+        </p:nvSpPr>
+        <p:spPr>
+          <a:xfrm>
+            <a:off x="1755606" y="3610081"/>
+            <a:ext cx="566164" cy="400110"/>
+          </a:xfrm>
+          <a:prstGeom prst="rect">
+            <a:avLst/>
+          </a:prstGeom>
+          <a:noFill/>
+          <a:effectLst>
+            <a:glow rad="63500">
+              <a:schemeClr val="accent2">
+                <a:satMod val="175000"/>
+                <a:alpha val="0"/>
+              </a:schemeClr>
+            </a:glow>
+          </a:effectLst>
+        </p:spPr>
+        <p:txBody>
+          <a:bodyPr wrap="square" rtlCol="0">
+            <a:spAutoFit/>
+          </a:bodyPr>
+          <a:lstStyle>
+            <a:defPPr>
+              <a:defRPr lang="en-US"/>
+            </a:defPPr>
+            <a:lvl1pPr>
+              <a:defRPr sz="2000">
+                <a:solidFill>
+                  <a:schemeClr val="bg2"/>
+                </a:solidFill>
+              </a:defRPr>
+            </a:lvl1pPr>
+          </a:lstStyle>
+          <a:p>
+            <a:r>
+              <a:rPr lang="en-US" dirty="0">
+                <a:solidFill>
+                  <a:schemeClr val="tx1"/>
+                </a:solidFill>
+              </a:rPr>
+              <a:t>i</a:t>
+            </a:r>
+          </a:p>
+        </p:txBody>
+      </p:sp>
+      <p:sp>
+        <p:nvSpPr>
+          <p:cNvPr id="15" name="TextBox 14">
+            <a:extLst>
+              <a:ext uri="{FF2B5EF4-FFF2-40B4-BE49-F238E27FC236}">
+                <a16:creationId xmlns:a16="http://schemas.microsoft.com/office/drawing/2014/main" id="{7A4B5F5B-FFEA-EB1B-5EFF-39C66BC157AE}"/>
+              </a:ext>
+            </a:extLst>
+          </p:cNvPr>
+          <p:cNvSpPr txBox="1"/>
+          <p:nvPr/>
+        </p:nvSpPr>
+        <p:spPr>
+          <a:xfrm>
+            <a:off x="3703492" y="3616037"/>
+            <a:ext cx="566164" cy="400110"/>
+          </a:xfrm>
+          <a:prstGeom prst="rect">
+            <a:avLst/>
+          </a:prstGeom>
+          <a:noFill/>
+          <a:effectLst>
+            <a:glow rad="63500">
+              <a:schemeClr val="accent2">
+                <a:satMod val="175000"/>
+                <a:alpha val="0"/>
+              </a:schemeClr>
+            </a:glow>
+          </a:effectLst>
+        </p:spPr>
+        <p:txBody>
+          <a:bodyPr wrap="square" rtlCol="0">
+            <a:spAutoFit/>
+          </a:bodyPr>
+          <a:lstStyle>
+            <a:defPPr>
+              <a:defRPr lang="en-US"/>
+            </a:defPPr>
+            <a:lvl1pPr>
+              <a:defRPr sz="2000">
+                <a:solidFill>
+                  <a:schemeClr val="bg2"/>
+                </a:solidFill>
+              </a:defRPr>
+            </a:lvl1pPr>
+          </a:lstStyle>
+          <a:p>
+            <a:r>
+              <a:rPr lang="en-US" dirty="0">
+                <a:solidFill>
+                  <a:schemeClr val="tx1"/>
+                </a:solidFill>
+              </a:rPr>
+              <a:t>j</a:t>
+            </a:r>
+          </a:p>
+        </p:txBody>
+      </p:sp>
+      <p:sp>
+        <p:nvSpPr>
+          <p:cNvPr id="16" name="TextBox 15">
+            <a:extLst>
+              <a:ext uri="{FF2B5EF4-FFF2-40B4-BE49-F238E27FC236}">
+                <a16:creationId xmlns:a16="http://schemas.microsoft.com/office/drawing/2014/main" id="{645B5A11-204C-9CFB-1138-30AC6AEF2491}"/>
+              </a:ext>
+            </a:extLst>
+          </p:cNvPr>
+          <p:cNvSpPr txBox="1"/>
+          <p:nvPr/>
+        </p:nvSpPr>
+        <p:spPr>
+          <a:xfrm>
+            <a:off x="3654372" y="4145344"/>
+            <a:ext cx="664403" cy="400110"/>
+          </a:xfrm>
+          <a:prstGeom prst="rect">
+            <a:avLst/>
+          </a:prstGeom>
+          <a:noFill/>
+          <a:effectLst>
+            <a:glow rad="63500">
+              <a:schemeClr val="accent2">
+                <a:satMod val="175000"/>
+                <a:alpha val="0"/>
+              </a:schemeClr>
+            </a:glow>
+          </a:effectLst>
+        </p:spPr>
+        <p:txBody>
+          <a:bodyPr wrap="square" rtlCol="0">
+            <a:spAutoFit/>
+          </a:bodyPr>
+          <a:lstStyle>
+            <a:defPPr>
+              <a:defRPr lang="en-US"/>
+            </a:defPPr>
+            <a:lvl1pPr>
+              <a:defRPr sz="2000">
+                <a:solidFill>
+                  <a:schemeClr val="bg2"/>
+                </a:solidFill>
+              </a:defRPr>
+            </a:lvl1pPr>
+          </a:lstStyle>
+          <a:p>
+            <a:r>
+              <a:rPr lang="en-US" dirty="0">
+                <a:solidFill>
+                  <a:schemeClr val="tx1"/>
+                </a:solidFill>
+              </a:rPr>
+              <a:t>high</a:t>
+            </a:r>
+          </a:p>
+        </p:txBody>
+      </p:sp>
+      <p:graphicFrame>
+        <p:nvGraphicFramePr>
+          <p:cNvPr id="17" name="Table 2">
+            <a:extLst>
+              <a:ext uri="{FF2B5EF4-FFF2-40B4-BE49-F238E27FC236}">
+                <a16:creationId xmlns:a16="http://schemas.microsoft.com/office/drawing/2014/main" id="{2BAAB569-764D-C570-3A66-CD2873EF03C3}"/>
+              </a:ext>
+            </a:extLst>
+          </p:cNvPr>
+          <p:cNvGraphicFramePr>
+            <a:graphicFrameLocks noGrp="1"/>
+          </p:cNvGraphicFramePr>
+          <p:nvPr>
+            <p:extLst>
+              <p:ext uri="{D42A27DB-BD31-4B8C-83A1-F6EECF244321}">
+                <p14:modId xmlns:p14="http://schemas.microsoft.com/office/powerpoint/2010/main" val="770909507"/>
+              </p:ext>
+            </p:extLst>
+          </p:nvPr>
+        </p:nvGraphicFramePr>
+        <p:xfrm>
+          <a:off x="535356" y="4668695"/>
+          <a:ext cx="3802252" cy="936729"/>
+        </p:xfrm>
+        <a:graphic>
+          <a:graphicData uri="http://schemas.openxmlformats.org/drawingml/2006/table">
+            <a:tbl>
+              <a:tblPr>
+                <a:effectLst/>
+                <a:tableStyleId>{5C22544A-7EE6-4342-B048-85BDC9FD1C3A}</a:tableStyleId>
+              </a:tblPr>
+              <a:tblGrid>
+                <a:gridCol w="896624">
+                  <a:extLst>
+                    <a:ext uri="{9D8B030D-6E8A-4147-A177-3AD203B41FA5}">
+                      <a16:colId xmlns:a16="http://schemas.microsoft.com/office/drawing/2014/main" val="903445238"/>
+                    </a:ext>
+                  </a:extLst>
+                </a:gridCol>
+                <a:gridCol w="924466">
+                  <a:extLst>
+                    <a:ext uri="{9D8B030D-6E8A-4147-A177-3AD203B41FA5}">
+                      <a16:colId xmlns:a16="http://schemas.microsoft.com/office/drawing/2014/main" val="1986698563"/>
+                    </a:ext>
+                  </a:extLst>
+                </a:gridCol>
+                <a:gridCol w="982530">
+                  <a:extLst>
+                    <a:ext uri="{9D8B030D-6E8A-4147-A177-3AD203B41FA5}">
+                      <a16:colId xmlns:a16="http://schemas.microsoft.com/office/drawing/2014/main" val="621528173"/>
+                    </a:ext>
+                  </a:extLst>
+                </a:gridCol>
+                <a:gridCol w="998632">
+                  <a:extLst>
+                    <a:ext uri="{9D8B030D-6E8A-4147-A177-3AD203B41FA5}">
+                      <a16:colId xmlns:a16="http://schemas.microsoft.com/office/drawing/2014/main" val="3612687831"/>
+                    </a:ext>
+                  </a:extLst>
+                </a:gridCol>
+              </a:tblGrid>
+              <a:tr h="501787">
+                <a:tc>
+                  <a:txBody>
+                    <a:bodyPr/>
+                    <a:lstStyle/>
+                    <a:p>
+                      <a:pPr algn="ctr"/>
+                      <a:r>
+                        <a:rPr lang="en-US" sz="2000" b="1" cap="none" spc="0" dirty="0">
+                          <a:ln>
+                            <a:noFill/>
+                          </a:ln>
+                          <a:solidFill>
+                            <a:schemeClr val="tx1"/>
+                          </a:solidFill>
+                          <a:effectLst/>
+                        </a:rPr>
+                        <a:t>20</a:t>
+                      </a:r>
+                    </a:p>
+                  </a:txBody>
+                  <a:tcPr anchor="ctr">
+                    <a:noFill/>
+                  </a:tcPr>
+                </a:tc>
+                <a:tc>
+                  <a:txBody>
+                    <a:bodyPr/>
+                    <a:lstStyle/>
+                    <a:p>
+                      <a:pPr algn="ctr"/>
+                      <a:r>
+                        <a:rPr lang="en-US" sz="2000" b="1" cap="none" spc="0" dirty="0">
+                          <a:ln>
+                            <a:noFill/>
+                          </a:ln>
+                          <a:solidFill>
+                            <a:schemeClr val="tx1"/>
+                          </a:solidFill>
+                          <a:effectLst/>
+                        </a:rPr>
+                        <a:t>10</a:t>
+                      </a:r>
+                    </a:p>
+                  </a:txBody>
+                  <a:tcPr anchor="ctr">
+                    <a:noFill/>
+                  </a:tcPr>
+                </a:tc>
+                <a:tc>
+                  <a:txBody>
+                    <a:bodyPr/>
+                    <a:lstStyle/>
+                    <a:p>
+                      <a:pPr algn="ctr"/>
+                      <a:r>
+                        <a:rPr lang="en-US" sz="2000" b="1" cap="none" spc="0" dirty="0">
+                          <a:ln>
+                            <a:noFill/>
+                          </a:ln>
+                          <a:solidFill>
+                            <a:schemeClr val="tx1"/>
+                          </a:solidFill>
+                          <a:effectLst/>
+                        </a:rPr>
+                        <a:t>40</a:t>
+                      </a:r>
+                    </a:p>
+                  </a:txBody>
+                  <a:tcPr anchor="ctr">
+                    <a:noFill/>
+                  </a:tcPr>
+                </a:tc>
+                <a:tc>
+                  <a:txBody>
+                    <a:bodyPr/>
+                    <a:lstStyle/>
+                    <a:p>
+                      <a:pPr algn="ctr"/>
+                      <a:r>
+                        <a:rPr lang="en-US" sz="2000" b="1" cap="none" spc="0" dirty="0">
+                          <a:ln>
+                            <a:noFill/>
+                          </a:ln>
+                          <a:solidFill>
+                            <a:schemeClr val="tx1"/>
+                          </a:solidFill>
+                          <a:effectLst/>
+                        </a:rPr>
+                        <a:t>30</a:t>
+                      </a:r>
+                    </a:p>
+                  </a:txBody>
+                  <a:tcPr anchor="ctr">
+                    <a:noFill/>
+                  </a:tcPr>
+                </a:tc>
+                <a:extLst>
+                  <a:ext uri="{0D108BD9-81ED-4DB2-BD59-A6C34878D82A}">
+                    <a16:rowId xmlns:a16="http://schemas.microsoft.com/office/drawing/2014/main" val="3319565494"/>
+                  </a:ext>
+                </a:extLst>
+              </a:tr>
+              <a:tr h="434942">
+                <a:tc>
+                  <a:txBody>
+                    <a:bodyPr/>
+                    <a:lstStyle/>
+                    <a:p>
+                      <a:pPr algn="ctr"/>
+                      <a:r>
+                        <a:rPr lang="en-US" sz="2000" b="0" cap="none" spc="0" dirty="0">
+                          <a:ln>
+                            <a:noFill/>
+                          </a:ln>
+                          <a:solidFill>
+                            <a:schemeClr val="tx1"/>
+                          </a:solidFill>
+                          <a:effectLst/>
+                        </a:rPr>
+                        <a:t>0</a:t>
+                      </a:r>
+                    </a:p>
+                  </a:txBody>
+                  <a:tcPr anchor="ctr">
+                    <a:noFill/>
+                  </a:tcPr>
+                </a:tc>
+                <a:tc>
+                  <a:txBody>
+                    <a:bodyPr/>
+                    <a:lstStyle/>
+                    <a:p>
+                      <a:pPr algn="ctr"/>
+                      <a:r>
+                        <a:rPr lang="en-US" sz="2000" b="0" cap="none" spc="0" dirty="0">
+                          <a:ln>
+                            <a:noFill/>
+                          </a:ln>
+                          <a:solidFill>
+                            <a:schemeClr val="tx1"/>
+                          </a:solidFill>
+                          <a:effectLst/>
+                        </a:rPr>
+                        <a:t>1</a:t>
+                      </a:r>
+                    </a:p>
+                  </a:txBody>
+                  <a:tcPr anchor="ctr">
+                    <a:noFill/>
+                  </a:tcPr>
+                </a:tc>
+                <a:tc>
+                  <a:txBody>
+                    <a:bodyPr/>
+                    <a:lstStyle/>
+                    <a:p>
+                      <a:pPr algn="ctr"/>
+                      <a:r>
+                        <a:rPr lang="en-US" sz="2000" b="0" cap="none" spc="0" dirty="0">
+                          <a:ln>
+                            <a:noFill/>
+                          </a:ln>
+                          <a:solidFill>
+                            <a:schemeClr val="tx1"/>
+                          </a:solidFill>
+                          <a:effectLst/>
+                        </a:rPr>
+                        <a:t>2</a:t>
+                      </a:r>
+                    </a:p>
+                  </a:txBody>
+                  <a:tcPr anchor="ctr">
+                    <a:noFill/>
+                  </a:tcPr>
+                </a:tc>
+                <a:tc>
+                  <a:txBody>
+                    <a:bodyPr/>
+                    <a:lstStyle/>
+                    <a:p>
+                      <a:pPr algn="ctr"/>
+                      <a:r>
+                        <a:rPr lang="en-US" sz="2000" b="0" cap="none" spc="0" dirty="0">
+                          <a:ln>
+                            <a:noFill/>
+                          </a:ln>
+                          <a:solidFill>
+                            <a:schemeClr val="tx1"/>
+                          </a:solidFill>
+                          <a:effectLst/>
+                        </a:rPr>
+                        <a:t>3</a:t>
+                      </a:r>
+                    </a:p>
+                  </a:txBody>
+                  <a:tcPr anchor="ctr">
+                    <a:noFill/>
+                  </a:tcPr>
+                </a:tc>
+                <a:extLst>
+                  <a:ext uri="{0D108BD9-81ED-4DB2-BD59-A6C34878D82A}">
+                    <a16:rowId xmlns:a16="http://schemas.microsoft.com/office/drawing/2014/main" val="1211151737"/>
+                  </a:ext>
+                </a:extLst>
+              </a:tr>
+            </a:tbl>
+          </a:graphicData>
+        </a:graphic>
+      </p:graphicFrame>
+      <p:sp>
+        <p:nvSpPr>
+          <p:cNvPr id="18" name="TextBox 17">
+            <a:extLst>
+              <a:ext uri="{FF2B5EF4-FFF2-40B4-BE49-F238E27FC236}">
+                <a16:creationId xmlns:a16="http://schemas.microsoft.com/office/drawing/2014/main" id="{521B5EE7-27DD-CB93-7D5F-D513D46AB55F}"/>
+              </a:ext>
+            </a:extLst>
+          </p:cNvPr>
+          <p:cNvSpPr txBox="1"/>
+          <p:nvPr/>
+        </p:nvSpPr>
+        <p:spPr>
+          <a:xfrm>
+            <a:off x="787418" y="5669235"/>
+            <a:ext cx="566164" cy="707886"/>
+          </a:xfrm>
+          <a:prstGeom prst="rect">
+            <a:avLst/>
+          </a:prstGeom>
+          <a:noFill/>
+          <a:effectLst>
+            <a:glow rad="63500">
+              <a:schemeClr val="accent2">
+                <a:satMod val="175000"/>
+                <a:alpha val="0"/>
+              </a:schemeClr>
+            </a:glow>
+          </a:effectLst>
+        </p:spPr>
+        <p:txBody>
+          <a:bodyPr wrap="square" rtlCol="0">
+            <a:spAutoFit/>
+          </a:bodyPr>
+          <a:lstStyle>
+            <a:defPPr>
+              <a:defRPr lang="en-US"/>
+            </a:defPPr>
+            <a:lvl1pPr>
+              <a:defRPr sz="2000">
+                <a:solidFill>
+                  <a:schemeClr val="bg2"/>
+                </a:solidFill>
+              </a:defRPr>
+            </a:lvl1pPr>
+          </a:lstStyle>
+          <a:p>
+            <a:r>
+              <a:rPr lang="en-US" dirty="0">
+                <a:solidFill>
+                  <a:schemeClr val="tx1"/>
+                </a:solidFill>
+              </a:rPr>
+              <a:t>p</a:t>
+            </a:r>
+          </a:p>
+          <a:p>
+            <a:r>
+              <a:rPr lang="en-US" dirty="0">
+                <a:solidFill>
+                  <a:schemeClr val="tx1"/>
+                </a:solidFill>
+              </a:rPr>
+              <a:t>low</a:t>
+            </a:r>
+          </a:p>
+        </p:txBody>
+      </p:sp>
+      <p:sp>
+        <p:nvSpPr>
+          <p:cNvPr id="19" name="TextBox 18">
+            <a:extLst>
+              <a:ext uri="{FF2B5EF4-FFF2-40B4-BE49-F238E27FC236}">
+                <a16:creationId xmlns:a16="http://schemas.microsoft.com/office/drawing/2014/main" id="{85AA0CC5-5C65-2983-DA63-838C8A1A9538}"/>
+              </a:ext>
+            </a:extLst>
+          </p:cNvPr>
+          <p:cNvSpPr txBox="1"/>
+          <p:nvPr/>
+        </p:nvSpPr>
+        <p:spPr>
+          <a:xfrm>
+            <a:off x="1755606" y="5728665"/>
+            <a:ext cx="566164" cy="400110"/>
+          </a:xfrm>
+          <a:prstGeom prst="rect">
+            <a:avLst/>
+          </a:prstGeom>
+          <a:noFill/>
+          <a:effectLst>
+            <a:glow rad="63500">
+              <a:schemeClr val="accent2">
+                <a:satMod val="175000"/>
+                <a:alpha val="0"/>
+              </a:schemeClr>
+            </a:glow>
+          </a:effectLst>
+        </p:spPr>
+        <p:txBody>
+          <a:bodyPr wrap="square" rtlCol="0">
+            <a:spAutoFit/>
+          </a:bodyPr>
+          <a:lstStyle>
+            <a:defPPr>
+              <a:defRPr lang="en-US"/>
+            </a:defPPr>
+            <a:lvl1pPr>
+              <a:defRPr sz="2000">
+                <a:solidFill>
+                  <a:schemeClr val="bg2"/>
+                </a:solidFill>
+              </a:defRPr>
+            </a:lvl1pPr>
+          </a:lstStyle>
+          <a:p>
+            <a:r>
+              <a:rPr lang="en-US" dirty="0">
+                <a:solidFill>
+                  <a:schemeClr val="tx1"/>
+                </a:solidFill>
+              </a:rPr>
+              <a:t>i</a:t>
+            </a:r>
+          </a:p>
+        </p:txBody>
+      </p:sp>
+      <p:sp>
+        <p:nvSpPr>
+          <p:cNvPr id="20" name="TextBox 19">
+            <a:extLst>
+              <a:ext uri="{FF2B5EF4-FFF2-40B4-BE49-F238E27FC236}">
+                <a16:creationId xmlns:a16="http://schemas.microsoft.com/office/drawing/2014/main" id="{00DA7AE7-D752-6FD9-B73B-D1CAB2DB26D6}"/>
+              </a:ext>
+            </a:extLst>
+          </p:cNvPr>
+          <p:cNvSpPr txBox="1"/>
+          <p:nvPr/>
+        </p:nvSpPr>
+        <p:spPr>
+          <a:xfrm>
+            <a:off x="3703492" y="5734621"/>
+            <a:ext cx="566164" cy="400110"/>
+          </a:xfrm>
+          <a:prstGeom prst="rect">
+            <a:avLst/>
+          </a:prstGeom>
+          <a:noFill/>
+          <a:effectLst>
+            <a:glow rad="63500">
+              <a:schemeClr val="accent2">
+                <a:satMod val="175000"/>
+                <a:alpha val="0"/>
+              </a:schemeClr>
+            </a:glow>
+          </a:effectLst>
+        </p:spPr>
+        <p:txBody>
+          <a:bodyPr wrap="square" rtlCol="0">
+            <a:spAutoFit/>
+          </a:bodyPr>
+          <a:lstStyle>
+            <a:defPPr>
+              <a:defRPr lang="en-US"/>
+            </a:defPPr>
+            <a:lvl1pPr>
+              <a:defRPr sz="2000">
+                <a:solidFill>
+                  <a:schemeClr val="bg2"/>
+                </a:solidFill>
+              </a:defRPr>
+            </a:lvl1pPr>
+          </a:lstStyle>
+          <a:p>
+            <a:r>
+              <a:rPr lang="en-US" dirty="0">
+                <a:solidFill>
+                  <a:schemeClr val="tx1"/>
+                </a:solidFill>
+              </a:rPr>
+              <a:t>j</a:t>
+            </a:r>
+          </a:p>
+        </p:txBody>
+      </p:sp>
+      <p:sp>
+        <p:nvSpPr>
+          <p:cNvPr id="21" name="TextBox 20">
+            <a:extLst>
+              <a:ext uri="{FF2B5EF4-FFF2-40B4-BE49-F238E27FC236}">
+                <a16:creationId xmlns:a16="http://schemas.microsoft.com/office/drawing/2014/main" id="{C0BC95DD-13DB-8B88-BA88-49E5B4822CC2}"/>
+              </a:ext>
+            </a:extLst>
+          </p:cNvPr>
+          <p:cNvSpPr txBox="1"/>
+          <p:nvPr/>
+        </p:nvSpPr>
+        <p:spPr>
+          <a:xfrm>
+            <a:off x="3654372" y="6263928"/>
+            <a:ext cx="664403" cy="400110"/>
+          </a:xfrm>
+          <a:prstGeom prst="rect">
+            <a:avLst/>
+          </a:prstGeom>
+          <a:noFill/>
+          <a:effectLst>
+            <a:glow rad="63500">
+              <a:schemeClr val="accent2">
+                <a:satMod val="175000"/>
+                <a:alpha val="0"/>
+              </a:schemeClr>
+            </a:glow>
+          </a:effectLst>
+        </p:spPr>
+        <p:txBody>
+          <a:bodyPr wrap="square" rtlCol="0">
+            <a:spAutoFit/>
+          </a:bodyPr>
+          <a:lstStyle>
+            <a:defPPr>
+              <a:defRPr lang="en-US"/>
+            </a:defPPr>
+            <a:lvl1pPr>
+              <a:defRPr sz="2000">
+                <a:solidFill>
+                  <a:schemeClr val="bg2"/>
+                </a:solidFill>
+              </a:defRPr>
+            </a:lvl1pPr>
+          </a:lstStyle>
+          <a:p>
+            <a:r>
+              <a:rPr lang="en-US" dirty="0">
+                <a:solidFill>
+                  <a:schemeClr val="tx1"/>
+                </a:solidFill>
+              </a:rPr>
+              <a:t>high</a:t>
+            </a:r>
+          </a:p>
+        </p:txBody>
+      </p:sp>
+      <p:graphicFrame>
+        <p:nvGraphicFramePr>
+          <p:cNvPr id="22" name="Table 2">
+            <a:extLst>
+              <a:ext uri="{FF2B5EF4-FFF2-40B4-BE49-F238E27FC236}">
+                <a16:creationId xmlns:a16="http://schemas.microsoft.com/office/drawing/2014/main" id="{3A2ED8A1-B930-EAE7-4988-3B8752B167D1}"/>
+              </a:ext>
+            </a:extLst>
+          </p:cNvPr>
+          <p:cNvGraphicFramePr>
+            <a:graphicFrameLocks noGrp="1"/>
+          </p:cNvGraphicFramePr>
+          <p:nvPr>
+            <p:extLst>
+              <p:ext uri="{D42A27DB-BD31-4B8C-83A1-F6EECF244321}">
+                <p14:modId xmlns:p14="http://schemas.microsoft.com/office/powerpoint/2010/main" val="3819379258"/>
+              </p:ext>
+            </p:extLst>
+          </p:nvPr>
+        </p:nvGraphicFramePr>
+        <p:xfrm>
+          <a:off x="6514815" y="364629"/>
+          <a:ext cx="3802252" cy="936729"/>
+        </p:xfrm>
+        <a:graphic>
+          <a:graphicData uri="http://schemas.openxmlformats.org/drawingml/2006/table">
+            <a:tbl>
+              <a:tblPr>
+                <a:effectLst/>
+                <a:tableStyleId>{5C22544A-7EE6-4342-B048-85BDC9FD1C3A}</a:tableStyleId>
+              </a:tblPr>
+              <a:tblGrid>
+                <a:gridCol w="896624">
+                  <a:extLst>
+                    <a:ext uri="{9D8B030D-6E8A-4147-A177-3AD203B41FA5}">
+                      <a16:colId xmlns:a16="http://schemas.microsoft.com/office/drawing/2014/main" val="903445238"/>
+                    </a:ext>
+                  </a:extLst>
+                </a:gridCol>
+                <a:gridCol w="924466">
+                  <a:extLst>
+                    <a:ext uri="{9D8B030D-6E8A-4147-A177-3AD203B41FA5}">
+                      <a16:colId xmlns:a16="http://schemas.microsoft.com/office/drawing/2014/main" val="1986698563"/>
+                    </a:ext>
+                  </a:extLst>
+                </a:gridCol>
+                <a:gridCol w="982530">
+                  <a:extLst>
+                    <a:ext uri="{9D8B030D-6E8A-4147-A177-3AD203B41FA5}">
+                      <a16:colId xmlns:a16="http://schemas.microsoft.com/office/drawing/2014/main" val="621528173"/>
+                    </a:ext>
+                  </a:extLst>
+                </a:gridCol>
+                <a:gridCol w="998632">
+                  <a:extLst>
+                    <a:ext uri="{9D8B030D-6E8A-4147-A177-3AD203B41FA5}">
+                      <a16:colId xmlns:a16="http://schemas.microsoft.com/office/drawing/2014/main" val="3612687831"/>
+                    </a:ext>
+                  </a:extLst>
+                </a:gridCol>
+              </a:tblGrid>
+              <a:tr h="501787">
+                <a:tc>
+                  <a:txBody>
+                    <a:bodyPr/>
+                    <a:lstStyle/>
+                    <a:p>
+                      <a:pPr algn="ctr"/>
+                      <a:r>
+                        <a:rPr lang="en-US" sz="2000" b="1" cap="none" spc="0" dirty="0">
+                          <a:ln>
+                            <a:noFill/>
+                          </a:ln>
+                          <a:solidFill>
+                            <a:schemeClr val="tx1"/>
+                          </a:solidFill>
+                          <a:effectLst/>
+                        </a:rPr>
+                        <a:t>20</a:t>
+                      </a:r>
+                    </a:p>
+                  </a:txBody>
+                  <a:tcPr anchor="ctr">
+                    <a:noFill/>
+                  </a:tcPr>
+                </a:tc>
+                <a:tc>
+                  <a:txBody>
+                    <a:bodyPr/>
+                    <a:lstStyle/>
+                    <a:p>
+                      <a:pPr algn="ctr"/>
+                      <a:r>
+                        <a:rPr lang="en-US" sz="2000" b="1" cap="none" spc="0" dirty="0">
+                          <a:ln>
+                            <a:noFill/>
+                          </a:ln>
+                          <a:solidFill>
+                            <a:schemeClr val="tx1"/>
+                          </a:solidFill>
+                          <a:effectLst/>
+                        </a:rPr>
+                        <a:t>10</a:t>
+                      </a:r>
+                    </a:p>
+                  </a:txBody>
+                  <a:tcPr anchor="ctr">
+                    <a:noFill/>
+                  </a:tcPr>
+                </a:tc>
+                <a:tc>
+                  <a:txBody>
+                    <a:bodyPr/>
+                    <a:lstStyle/>
+                    <a:p>
+                      <a:pPr algn="ctr"/>
+                      <a:r>
+                        <a:rPr lang="en-US" sz="2000" b="1" cap="none" spc="0" dirty="0">
+                          <a:ln>
+                            <a:noFill/>
+                          </a:ln>
+                          <a:solidFill>
+                            <a:schemeClr val="tx1"/>
+                          </a:solidFill>
+                          <a:effectLst/>
+                        </a:rPr>
+                        <a:t>40</a:t>
+                      </a:r>
+                    </a:p>
+                  </a:txBody>
+                  <a:tcPr anchor="ctr">
+                    <a:noFill/>
+                  </a:tcPr>
+                </a:tc>
+                <a:tc>
+                  <a:txBody>
+                    <a:bodyPr/>
+                    <a:lstStyle/>
+                    <a:p>
+                      <a:pPr algn="ctr"/>
+                      <a:r>
+                        <a:rPr lang="en-US" sz="2000" b="1" cap="none" spc="0" dirty="0">
+                          <a:ln>
+                            <a:noFill/>
+                          </a:ln>
+                          <a:solidFill>
+                            <a:schemeClr val="tx1"/>
+                          </a:solidFill>
+                          <a:effectLst/>
+                        </a:rPr>
+                        <a:t>30</a:t>
+                      </a:r>
+                    </a:p>
+                  </a:txBody>
+                  <a:tcPr anchor="ctr">
+                    <a:noFill/>
+                  </a:tcPr>
+                </a:tc>
+                <a:extLst>
+                  <a:ext uri="{0D108BD9-81ED-4DB2-BD59-A6C34878D82A}">
+                    <a16:rowId xmlns:a16="http://schemas.microsoft.com/office/drawing/2014/main" val="3319565494"/>
+                  </a:ext>
+                </a:extLst>
+              </a:tr>
+              <a:tr h="434942">
+                <a:tc>
+                  <a:txBody>
+                    <a:bodyPr/>
+                    <a:lstStyle/>
+                    <a:p>
+                      <a:pPr algn="ctr"/>
+                      <a:r>
+                        <a:rPr lang="en-US" sz="2000" b="0" cap="none" spc="0" dirty="0">
+                          <a:ln>
+                            <a:noFill/>
+                          </a:ln>
+                          <a:solidFill>
+                            <a:schemeClr val="tx1"/>
+                          </a:solidFill>
+                          <a:effectLst/>
+                        </a:rPr>
+                        <a:t>0</a:t>
+                      </a:r>
+                    </a:p>
+                  </a:txBody>
+                  <a:tcPr anchor="ctr">
+                    <a:noFill/>
+                  </a:tcPr>
+                </a:tc>
+                <a:tc>
+                  <a:txBody>
+                    <a:bodyPr/>
+                    <a:lstStyle/>
+                    <a:p>
+                      <a:pPr algn="ctr"/>
+                      <a:r>
+                        <a:rPr lang="en-US" sz="2000" b="0" cap="none" spc="0" dirty="0">
+                          <a:ln>
+                            <a:noFill/>
+                          </a:ln>
+                          <a:solidFill>
+                            <a:schemeClr val="tx1"/>
+                          </a:solidFill>
+                          <a:effectLst/>
+                        </a:rPr>
+                        <a:t>1</a:t>
+                      </a:r>
+                    </a:p>
+                  </a:txBody>
+                  <a:tcPr anchor="ctr">
+                    <a:noFill/>
+                  </a:tcPr>
+                </a:tc>
+                <a:tc>
+                  <a:txBody>
+                    <a:bodyPr/>
+                    <a:lstStyle/>
+                    <a:p>
+                      <a:pPr algn="ctr"/>
+                      <a:r>
+                        <a:rPr lang="en-US" sz="2000" b="0" cap="none" spc="0" dirty="0">
+                          <a:ln>
+                            <a:noFill/>
+                          </a:ln>
+                          <a:solidFill>
+                            <a:schemeClr val="tx1"/>
+                          </a:solidFill>
+                          <a:effectLst/>
+                        </a:rPr>
+                        <a:t>2</a:t>
+                      </a:r>
+                    </a:p>
+                  </a:txBody>
+                  <a:tcPr anchor="ctr">
+                    <a:noFill/>
+                  </a:tcPr>
+                </a:tc>
+                <a:tc>
+                  <a:txBody>
+                    <a:bodyPr/>
+                    <a:lstStyle/>
+                    <a:p>
+                      <a:pPr algn="ctr"/>
+                      <a:r>
+                        <a:rPr lang="en-US" sz="2000" b="0" cap="none" spc="0" dirty="0">
+                          <a:ln>
+                            <a:noFill/>
+                          </a:ln>
+                          <a:solidFill>
+                            <a:schemeClr val="tx1"/>
+                          </a:solidFill>
+                          <a:effectLst/>
+                        </a:rPr>
+                        <a:t>3</a:t>
+                      </a:r>
+                    </a:p>
+                  </a:txBody>
+                  <a:tcPr anchor="ctr">
+                    <a:noFill/>
+                  </a:tcPr>
+                </a:tc>
+                <a:extLst>
+                  <a:ext uri="{0D108BD9-81ED-4DB2-BD59-A6C34878D82A}">
+                    <a16:rowId xmlns:a16="http://schemas.microsoft.com/office/drawing/2014/main" val="1211151737"/>
+                  </a:ext>
+                </a:extLst>
+              </a:tr>
+            </a:tbl>
+          </a:graphicData>
+        </a:graphic>
+      </p:graphicFrame>
+      <p:sp>
+        <p:nvSpPr>
+          <p:cNvPr id="23" name="TextBox 22">
+            <a:extLst>
+              <a:ext uri="{FF2B5EF4-FFF2-40B4-BE49-F238E27FC236}">
+                <a16:creationId xmlns:a16="http://schemas.microsoft.com/office/drawing/2014/main" id="{918FF142-6D32-A3AB-45A5-F23682EE92C9}"/>
+              </a:ext>
+            </a:extLst>
+          </p:cNvPr>
+          <p:cNvSpPr txBox="1"/>
+          <p:nvPr/>
+        </p:nvSpPr>
+        <p:spPr>
+          <a:xfrm>
+            <a:off x="6766877" y="1365169"/>
+            <a:ext cx="566164" cy="707886"/>
+          </a:xfrm>
+          <a:prstGeom prst="rect">
+            <a:avLst/>
+          </a:prstGeom>
+          <a:noFill/>
+          <a:effectLst>
+            <a:glow rad="63500">
+              <a:schemeClr val="accent2">
+                <a:satMod val="175000"/>
+                <a:alpha val="0"/>
+              </a:schemeClr>
+            </a:glow>
+          </a:effectLst>
+        </p:spPr>
+        <p:txBody>
+          <a:bodyPr wrap="square" rtlCol="0">
+            <a:spAutoFit/>
+          </a:bodyPr>
+          <a:lstStyle>
+            <a:defPPr>
+              <a:defRPr lang="en-US"/>
+            </a:defPPr>
+            <a:lvl1pPr>
+              <a:defRPr sz="2000">
+                <a:solidFill>
+                  <a:schemeClr val="bg2"/>
+                </a:solidFill>
+              </a:defRPr>
+            </a:lvl1pPr>
+          </a:lstStyle>
+          <a:p>
+            <a:r>
+              <a:rPr lang="en-US" dirty="0">
+                <a:solidFill>
+                  <a:schemeClr val="tx1"/>
+                </a:solidFill>
+              </a:rPr>
+              <a:t>p</a:t>
+            </a:r>
+          </a:p>
+          <a:p>
+            <a:r>
+              <a:rPr lang="en-US" dirty="0">
+                <a:solidFill>
+                  <a:schemeClr val="tx1"/>
+                </a:solidFill>
+              </a:rPr>
+              <a:t>low</a:t>
+            </a:r>
+          </a:p>
+        </p:txBody>
+      </p:sp>
+      <p:sp>
+        <p:nvSpPr>
+          <p:cNvPr id="24" name="TextBox 23">
+            <a:extLst>
+              <a:ext uri="{FF2B5EF4-FFF2-40B4-BE49-F238E27FC236}">
+                <a16:creationId xmlns:a16="http://schemas.microsoft.com/office/drawing/2014/main" id="{87F41639-3E2D-B096-4A2D-C74E081C6904}"/>
+              </a:ext>
+            </a:extLst>
+          </p:cNvPr>
+          <p:cNvSpPr txBox="1"/>
+          <p:nvPr/>
+        </p:nvSpPr>
+        <p:spPr>
+          <a:xfrm>
+            <a:off x="8772101" y="1430555"/>
+            <a:ext cx="566164" cy="400110"/>
+          </a:xfrm>
+          <a:prstGeom prst="rect">
+            <a:avLst/>
+          </a:prstGeom>
+          <a:noFill/>
+          <a:effectLst>
+            <a:glow rad="63500">
+              <a:schemeClr val="accent2">
+                <a:satMod val="175000"/>
+                <a:alpha val="0"/>
+              </a:schemeClr>
+            </a:glow>
+          </a:effectLst>
+        </p:spPr>
+        <p:txBody>
+          <a:bodyPr wrap="square" rtlCol="0">
+            <a:spAutoFit/>
+          </a:bodyPr>
+          <a:lstStyle>
+            <a:defPPr>
+              <a:defRPr lang="en-US"/>
+            </a:defPPr>
+            <a:lvl1pPr>
+              <a:defRPr sz="2000">
+                <a:solidFill>
+                  <a:schemeClr val="bg2"/>
+                </a:solidFill>
+              </a:defRPr>
+            </a:lvl1pPr>
+          </a:lstStyle>
+          <a:p>
+            <a:r>
+              <a:rPr lang="en-US" dirty="0">
+                <a:solidFill>
+                  <a:schemeClr val="tx1"/>
+                </a:solidFill>
+              </a:rPr>
+              <a:t>i</a:t>
+            </a:r>
+          </a:p>
+        </p:txBody>
+      </p:sp>
+      <p:sp>
+        <p:nvSpPr>
+          <p:cNvPr id="25" name="TextBox 24">
+            <a:extLst>
+              <a:ext uri="{FF2B5EF4-FFF2-40B4-BE49-F238E27FC236}">
+                <a16:creationId xmlns:a16="http://schemas.microsoft.com/office/drawing/2014/main" id="{F5031AF0-8A89-C336-49DF-1DBFDEA6B371}"/>
+              </a:ext>
+            </a:extLst>
+          </p:cNvPr>
+          <p:cNvSpPr txBox="1"/>
+          <p:nvPr/>
+        </p:nvSpPr>
+        <p:spPr>
+          <a:xfrm>
+            <a:off x="9682951" y="1430555"/>
+            <a:ext cx="566164" cy="400110"/>
+          </a:xfrm>
+          <a:prstGeom prst="rect">
+            <a:avLst/>
+          </a:prstGeom>
+          <a:noFill/>
+          <a:effectLst>
+            <a:glow rad="63500">
+              <a:schemeClr val="accent2">
+                <a:satMod val="175000"/>
+                <a:alpha val="0"/>
+              </a:schemeClr>
+            </a:glow>
+          </a:effectLst>
+        </p:spPr>
+        <p:txBody>
+          <a:bodyPr wrap="square" rtlCol="0">
+            <a:spAutoFit/>
+          </a:bodyPr>
+          <a:lstStyle>
+            <a:defPPr>
+              <a:defRPr lang="en-US"/>
+            </a:defPPr>
+            <a:lvl1pPr>
+              <a:defRPr sz="2000">
+                <a:solidFill>
+                  <a:schemeClr val="bg2"/>
+                </a:solidFill>
+              </a:defRPr>
+            </a:lvl1pPr>
+          </a:lstStyle>
+          <a:p>
+            <a:r>
+              <a:rPr lang="en-US" dirty="0">
+                <a:solidFill>
+                  <a:schemeClr val="tx1"/>
+                </a:solidFill>
+              </a:rPr>
+              <a:t>j</a:t>
+            </a:r>
+          </a:p>
+        </p:txBody>
+      </p:sp>
+      <p:sp>
+        <p:nvSpPr>
+          <p:cNvPr id="26" name="TextBox 25">
+            <a:extLst>
+              <a:ext uri="{FF2B5EF4-FFF2-40B4-BE49-F238E27FC236}">
+                <a16:creationId xmlns:a16="http://schemas.microsoft.com/office/drawing/2014/main" id="{7F618405-110E-12D6-CD93-429F122F73F2}"/>
+              </a:ext>
+            </a:extLst>
+          </p:cNvPr>
+          <p:cNvSpPr txBox="1"/>
+          <p:nvPr/>
+        </p:nvSpPr>
+        <p:spPr>
+          <a:xfrm>
+            <a:off x="9633831" y="1959862"/>
+            <a:ext cx="664403" cy="400110"/>
+          </a:xfrm>
+          <a:prstGeom prst="rect">
+            <a:avLst/>
+          </a:prstGeom>
+          <a:noFill/>
+          <a:effectLst>
+            <a:glow rad="63500">
+              <a:schemeClr val="accent2">
+                <a:satMod val="175000"/>
+                <a:alpha val="0"/>
+              </a:schemeClr>
+            </a:glow>
+          </a:effectLst>
+        </p:spPr>
+        <p:txBody>
+          <a:bodyPr wrap="square" rtlCol="0">
+            <a:spAutoFit/>
+          </a:bodyPr>
+          <a:lstStyle>
+            <a:defPPr>
+              <a:defRPr lang="en-US"/>
+            </a:defPPr>
+            <a:lvl1pPr>
+              <a:defRPr sz="2000">
+                <a:solidFill>
+                  <a:schemeClr val="bg2"/>
+                </a:solidFill>
+              </a:defRPr>
+            </a:lvl1pPr>
+          </a:lstStyle>
+          <a:p>
+            <a:r>
+              <a:rPr lang="en-US" dirty="0">
+                <a:solidFill>
+                  <a:schemeClr val="tx1"/>
+                </a:solidFill>
+              </a:rPr>
+              <a:t>high</a:t>
+            </a:r>
+          </a:p>
+        </p:txBody>
+      </p:sp>
+      <p:graphicFrame>
+        <p:nvGraphicFramePr>
+          <p:cNvPr id="28" name="Table 2">
+            <a:extLst>
+              <a:ext uri="{FF2B5EF4-FFF2-40B4-BE49-F238E27FC236}">
+                <a16:creationId xmlns:a16="http://schemas.microsoft.com/office/drawing/2014/main" id="{6BBCBBE7-B7E1-DEA5-AC4C-34CD9E2249A3}"/>
+              </a:ext>
+            </a:extLst>
+          </p:cNvPr>
+          <p:cNvGraphicFramePr>
+            <a:graphicFrameLocks noGrp="1"/>
+          </p:cNvGraphicFramePr>
+          <p:nvPr>
+            <p:extLst>
+              <p:ext uri="{D42A27DB-BD31-4B8C-83A1-F6EECF244321}">
+                <p14:modId xmlns:p14="http://schemas.microsoft.com/office/powerpoint/2010/main" val="1404173613"/>
+              </p:ext>
+            </p:extLst>
+          </p:nvPr>
+        </p:nvGraphicFramePr>
+        <p:xfrm>
+          <a:off x="6514815" y="2550111"/>
+          <a:ext cx="3802252" cy="936729"/>
+        </p:xfrm>
+        <a:graphic>
+          <a:graphicData uri="http://schemas.openxmlformats.org/drawingml/2006/table">
+            <a:tbl>
+              <a:tblPr>
+                <a:effectLst/>
+                <a:tableStyleId>{5C22544A-7EE6-4342-B048-85BDC9FD1C3A}</a:tableStyleId>
+              </a:tblPr>
+              <a:tblGrid>
+                <a:gridCol w="896624">
+                  <a:extLst>
+                    <a:ext uri="{9D8B030D-6E8A-4147-A177-3AD203B41FA5}">
+                      <a16:colId xmlns:a16="http://schemas.microsoft.com/office/drawing/2014/main" val="903445238"/>
+                    </a:ext>
+                  </a:extLst>
+                </a:gridCol>
+                <a:gridCol w="924466">
+                  <a:extLst>
+                    <a:ext uri="{9D8B030D-6E8A-4147-A177-3AD203B41FA5}">
+                      <a16:colId xmlns:a16="http://schemas.microsoft.com/office/drawing/2014/main" val="1986698563"/>
+                    </a:ext>
+                  </a:extLst>
+                </a:gridCol>
+                <a:gridCol w="982530">
+                  <a:extLst>
+                    <a:ext uri="{9D8B030D-6E8A-4147-A177-3AD203B41FA5}">
+                      <a16:colId xmlns:a16="http://schemas.microsoft.com/office/drawing/2014/main" val="621528173"/>
+                    </a:ext>
+                  </a:extLst>
+                </a:gridCol>
+                <a:gridCol w="998632">
+                  <a:extLst>
+                    <a:ext uri="{9D8B030D-6E8A-4147-A177-3AD203B41FA5}">
+                      <a16:colId xmlns:a16="http://schemas.microsoft.com/office/drawing/2014/main" val="3612687831"/>
+                    </a:ext>
+                  </a:extLst>
+                </a:gridCol>
+              </a:tblGrid>
+              <a:tr h="501787">
+                <a:tc>
+                  <a:txBody>
+                    <a:bodyPr/>
+                    <a:lstStyle/>
+                    <a:p>
+                      <a:pPr algn="ctr"/>
+                      <a:r>
+                        <a:rPr lang="en-US" sz="2000" b="1" cap="none" spc="0" dirty="0">
+                          <a:ln>
+                            <a:noFill/>
+                          </a:ln>
+                          <a:solidFill>
+                            <a:schemeClr val="tx1"/>
+                          </a:solidFill>
+                          <a:effectLst/>
+                        </a:rPr>
+                        <a:t>20</a:t>
+                      </a:r>
+                    </a:p>
+                  </a:txBody>
+                  <a:tcPr anchor="ctr">
+                    <a:noFill/>
+                  </a:tcPr>
+                </a:tc>
+                <a:tc>
+                  <a:txBody>
+                    <a:bodyPr/>
+                    <a:lstStyle/>
+                    <a:p>
+                      <a:pPr algn="ctr"/>
+                      <a:r>
+                        <a:rPr lang="en-US" sz="2000" b="1" cap="none" spc="0" dirty="0">
+                          <a:ln>
+                            <a:noFill/>
+                          </a:ln>
+                          <a:solidFill>
+                            <a:schemeClr val="tx1"/>
+                          </a:solidFill>
+                          <a:effectLst/>
+                        </a:rPr>
+                        <a:t>10</a:t>
+                      </a:r>
+                    </a:p>
+                  </a:txBody>
+                  <a:tcPr anchor="ctr">
+                    <a:noFill/>
+                  </a:tcPr>
+                </a:tc>
+                <a:tc>
+                  <a:txBody>
+                    <a:bodyPr/>
+                    <a:lstStyle/>
+                    <a:p>
+                      <a:pPr algn="ctr"/>
+                      <a:r>
+                        <a:rPr lang="en-US" sz="2000" b="1" cap="none" spc="0" dirty="0">
+                          <a:ln>
+                            <a:noFill/>
+                          </a:ln>
+                          <a:solidFill>
+                            <a:schemeClr val="tx1"/>
+                          </a:solidFill>
+                          <a:effectLst/>
+                        </a:rPr>
+                        <a:t>40</a:t>
+                      </a:r>
+                    </a:p>
+                  </a:txBody>
+                  <a:tcPr anchor="ctr">
+                    <a:noFill/>
+                  </a:tcPr>
+                </a:tc>
+                <a:tc>
+                  <a:txBody>
+                    <a:bodyPr/>
+                    <a:lstStyle/>
+                    <a:p>
+                      <a:pPr algn="ctr"/>
+                      <a:r>
+                        <a:rPr lang="en-US" sz="2000" b="1" cap="none" spc="0" dirty="0">
+                          <a:ln>
+                            <a:noFill/>
+                          </a:ln>
+                          <a:solidFill>
+                            <a:schemeClr val="tx1"/>
+                          </a:solidFill>
+                          <a:effectLst/>
+                        </a:rPr>
+                        <a:t>30</a:t>
+                      </a:r>
+                    </a:p>
+                  </a:txBody>
+                  <a:tcPr anchor="ctr">
+                    <a:noFill/>
+                  </a:tcPr>
+                </a:tc>
+                <a:extLst>
+                  <a:ext uri="{0D108BD9-81ED-4DB2-BD59-A6C34878D82A}">
+                    <a16:rowId xmlns:a16="http://schemas.microsoft.com/office/drawing/2014/main" val="3319565494"/>
+                  </a:ext>
+                </a:extLst>
+              </a:tr>
+              <a:tr h="434942">
+                <a:tc>
+                  <a:txBody>
+                    <a:bodyPr/>
+                    <a:lstStyle/>
+                    <a:p>
+                      <a:pPr algn="ctr"/>
+                      <a:r>
+                        <a:rPr lang="en-US" sz="2000" b="0" cap="none" spc="0" dirty="0">
+                          <a:ln>
+                            <a:noFill/>
+                          </a:ln>
+                          <a:solidFill>
+                            <a:schemeClr val="tx1"/>
+                          </a:solidFill>
+                          <a:effectLst/>
+                        </a:rPr>
+                        <a:t>0</a:t>
+                      </a:r>
+                    </a:p>
+                  </a:txBody>
+                  <a:tcPr anchor="ctr">
+                    <a:noFill/>
+                  </a:tcPr>
+                </a:tc>
+                <a:tc>
+                  <a:txBody>
+                    <a:bodyPr/>
+                    <a:lstStyle/>
+                    <a:p>
+                      <a:pPr algn="ctr"/>
+                      <a:r>
+                        <a:rPr lang="en-US" sz="2000" b="0" cap="none" spc="0" dirty="0">
+                          <a:ln>
+                            <a:noFill/>
+                          </a:ln>
+                          <a:solidFill>
+                            <a:schemeClr val="tx1"/>
+                          </a:solidFill>
+                          <a:effectLst/>
+                        </a:rPr>
+                        <a:t>1</a:t>
+                      </a:r>
+                    </a:p>
+                  </a:txBody>
+                  <a:tcPr anchor="ctr">
+                    <a:noFill/>
+                  </a:tcPr>
+                </a:tc>
+                <a:tc>
+                  <a:txBody>
+                    <a:bodyPr/>
+                    <a:lstStyle/>
+                    <a:p>
+                      <a:pPr algn="ctr"/>
+                      <a:r>
+                        <a:rPr lang="en-US" sz="2000" b="0" cap="none" spc="0" dirty="0">
+                          <a:ln>
+                            <a:noFill/>
+                          </a:ln>
+                          <a:solidFill>
+                            <a:schemeClr val="tx1"/>
+                          </a:solidFill>
+                          <a:effectLst/>
+                        </a:rPr>
+                        <a:t>2</a:t>
+                      </a:r>
+                    </a:p>
+                  </a:txBody>
+                  <a:tcPr anchor="ctr">
+                    <a:noFill/>
+                  </a:tcPr>
+                </a:tc>
+                <a:tc>
+                  <a:txBody>
+                    <a:bodyPr/>
+                    <a:lstStyle/>
+                    <a:p>
+                      <a:pPr algn="ctr"/>
+                      <a:r>
+                        <a:rPr lang="en-US" sz="2000" b="0" cap="none" spc="0" dirty="0">
+                          <a:ln>
+                            <a:noFill/>
+                          </a:ln>
+                          <a:solidFill>
+                            <a:schemeClr val="tx1"/>
+                          </a:solidFill>
+                          <a:effectLst/>
+                        </a:rPr>
+                        <a:t>3</a:t>
+                      </a:r>
+                    </a:p>
+                  </a:txBody>
+                  <a:tcPr anchor="ctr">
+                    <a:noFill/>
+                  </a:tcPr>
+                </a:tc>
+                <a:extLst>
+                  <a:ext uri="{0D108BD9-81ED-4DB2-BD59-A6C34878D82A}">
+                    <a16:rowId xmlns:a16="http://schemas.microsoft.com/office/drawing/2014/main" val="1211151737"/>
+                  </a:ext>
+                </a:extLst>
+              </a:tr>
+            </a:tbl>
+          </a:graphicData>
+        </a:graphic>
+      </p:graphicFrame>
+      <p:sp>
+        <p:nvSpPr>
+          <p:cNvPr id="29" name="TextBox 28">
+            <a:extLst>
+              <a:ext uri="{FF2B5EF4-FFF2-40B4-BE49-F238E27FC236}">
+                <a16:creationId xmlns:a16="http://schemas.microsoft.com/office/drawing/2014/main" id="{78B9606F-F060-BB9B-0603-8AE0BFA4455F}"/>
+              </a:ext>
+            </a:extLst>
+          </p:cNvPr>
+          <p:cNvSpPr txBox="1"/>
+          <p:nvPr/>
+        </p:nvSpPr>
+        <p:spPr>
+          <a:xfrm>
+            <a:off x="6766877" y="3550651"/>
+            <a:ext cx="566164" cy="707886"/>
+          </a:xfrm>
+          <a:prstGeom prst="rect">
+            <a:avLst/>
+          </a:prstGeom>
+          <a:noFill/>
+          <a:effectLst>
+            <a:glow rad="63500">
+              <a:schemeClr val="accent2">
+                <a:satMod val="175000"/>
+                <a:alpha val="0"/>
+              </a:schemeClr>
+            </a:glow>
+          </a:effectLst>
+        </p:spPr>
+        <p:txBody>
+          <a:bodyPr wrap="square" rtlCol="0">
+            <a:spAutoFit/>
+          </a:bodyPr>
+          <a:lstStyle>
+            <a:defPPr>
+              <a:defRPr lang="en-US"/>
+            </a:defPPr>
+            <a:lvl1pPr>
+              <a:defRPr sz="2000">
+                <a:solidFill>
+                  <a:schemeClr val="bg2"/>
+                </a:solidFill>
+              </a:defRPr>
+            </a:lvl1pPr>
+          </a:lstStyle>
+          <a:p>
+            <a:r>
+              <a:rPr lang="en-US" dirty="0">
+                <a:solidFill>
+                  <a:schemeClr val="tx1"/>
+                </a:solidFill>
+              </a:rPr>
+              <a:t>p</a:t>
+            </a:r>
+          </a:p>
+          <a:p>
+            <a:r>
+              <a:rPr lang="en-US" dirty="0">
+                <a:solidFill>
+                  <a:schemeClr val="tx1"/>
+                </a:solidFill>
+              </a:rPr>
+              <a:t>low</a:t>
+            </a:r>
+          </a:p>
+        </p:txBody>
+      </p:sp>
+      <p:sp>
+        <p:nvSpPr>
+          <p:cNvPr id="30" name="TextBox 29">
+            <a:extLst>
+              <a:ext uri="{FF2B5EF4-FFF2-40B4-BE49-F238E27FC236}">
+                <a16:creationId xmlns:a16="http://schemas.microsoft.com/office/drawing/2014/main" id="{F52EEAAC-94C7-4F8D-9E02-CCFCDBE0D641}"/>
+              </a:ext>
+            </a:extLst>
+          </p:cNvPr>
+          <p:cNvSpPr txBox="1"/>
+          <p:nvPr/>
+        </p:nvSpPr>
+        <p:spPr>
+          <a:xfrm>
+            <a:off x="8772101" y="3616037"/>
+            <a:ext cx="566164" cy="400110"/>
+          </a:xfrm>
+          <a:prstGeom prst="rect">
+            <a:avLst/>
+          </a:prstGeom>
+          <a:noFill/>
+          <a:effectLst>
+            <a:glow rad="63500">
+              <a:schemeClr val="accent2">
+                <a:satMod val="175000"/>
+                <a:alpha val="0"/>
+              </a:schemeClr>
+            </a:glow>
+          </a:effectLst>
+        </p:spPr>
+        <p:txBody>
+          <a:bodyPr wrap="square" rtlCol="0">
+            <a:spAutoFit/>
+          </a:bodyPr>
+          <a:lstStyle>
+            <a:defPPr>
+              <a:defRPr lang="en-US"/>
+            </a:defPPr>
+            <a:lvl1pPr>
+              <a:defRPr sz="2000">
+                <a:solidFill>
+                  <a:schemeClr val="bg2"/>
+                </a:solidFill>
+              </a:defRPr>
+            </a:lvl1pPr>
+          </a:lstStyle>
+          <a:p>
+            <a:r>
+              <a:rPr lang="en-US" dirty="0">
+                <a:solidFill>
+                  <a:schemeClr val="tx1"/>
+                </a:solidFill>
+              </a:rPr>
+              <a:t>i</a:t>
+            </a:r>
+          </a:p>
+        </p:txBody>
+      </p:sp>
+      <p:sp>
+        <p:nvSpPr>
+          <p:cNvPr id="31" name="TextBox 30">
+            <a:extLst>
+              <a:ext uri="{FF2B5EF4-FFF2-40B4-BE49-F238E27FC236}">
+                <a16:creationId xmlns:a16="http://schemas.microsoft.com/office/drawing/2014/main" id="{3934B6D2-9EAA-A1C2-F4C8-088C5C3F43AB}"/>
+              </a:ext>
+            </a:extLst>
+          </p:cNvPr>
+          <p:cNvSpPr txBox="1"/>
+          <p:nvPr/>
+        </p:nvSpPr>
+        <p:spPr>
+          <a:xfrm>
+            <a:off x="8772101" y="4058482"/>
+            <a:ext cx="566164" cy="400110"/>
+          </a:xfrm>
+          <a:prstGeom prst="rect">
+            <a:avLst/>
+          </a:prstGeom>
+          <a:noFill/>
+          <a:effectLst>
+            <a:glow rad="63500">
+              <a:schemeClr val="accent2">
+                <a:satMod val="175000"/>
+                <a:alpha val="0"/>
+              </a:schemeClr>
+            </a:glow>
+          </a:effectLst>
+        </p:spPr>
+        <p:txBody>
+          <a:bodyPr wrap="square" rtlCol="0">
+            <a:spAutoFit/>
+          </a:bodyPr>
+          <a:lstStyle>
+            <a:defPPr>
+              <a:defRPr lang="en-US"/>
+            </a:defPPr>
+            <a:lvl1pPr>
+              <a:defRPr sz="2000">
+                <a:solidFill>
+                  <a:schemeClr val="bg2"/>
+                </a:solidFill>
+              </a:defRPr>
+            </a:lvl1pPr>
+          </a:lstStyle>
+          <a:p>
+            <a:r>
+              <a:rPr lang="en-US" dirty="0">
+                <a:solidFill>
+                  <a:schemeClr val="tx1"/>
+                </a:solidFill>
+              </a:rPr>
+              <a:t>j</a:t>
+            </a:r>
+          </a:p>
+        </p:txBody>
+      </p:sp>
+      <p:sp>
+        <p:nvSpPr>
+          <p:cNvPr id="32" name="TextBox 31">
+            <a:extLst>
+              <a:ext uri="{FF2B5EF4-FFF2-40B4-BE49-F238E27FC236}">
+                <a16:creationId xmlns:a16="http://schemas.microsoft.com/office/drawing/2014/main" id="{375C9966-D25F-ECC9-71D9-EA211E92E578}"/>
+              </a:ext>
+            </a:extLst>
+          </p:cNvPr>
+          <p:cNvSpPr txBox="1"/>
+          <p:nvPr/>
+        </p:nvSpPr>
+        <p:spPr>
+          <a:xfrm>
+            <a:off x="9584712" y="3704539"/>
+            <a:ext cx="664403" cy="400110"/>
+          </a:xfrm>
+          <a:prstGeom prst="rect">
+            <a:avLst/>
+          </a:prstGeom>
+          <a:noFill/>
+          <a:effectLst>
+            <a:glow rad="63500">
+              <a:schemeClr val="accent2">
+                <a:satMod val="175000"/>
+                <a:alpha val="0"/>
+              </a:schemeClr>
+            </a:glow>
+          </a:effectLst>
+        </p:spPr>
+        <p:txBody>
+          <a:bodyPr wrap="square" rtlCol="0">
+            <a:spAutoFit/>
+          </a:bodyPr>
+          <a:lstStyle>
+            <a:defPPr>
+              <a:defRPr lang="en-US"/>
+            </a:defPPr>
+            <a:lvl1pPr>
+              <a:defRPr sz="2000">
+                <a:solidFill>
+                  <a:schemeClr val="bg2"/>
+                </a:solidFill>
+              </a:defRPr>
+            </a:lvl1pPr>
+          </a:lstStyle>
+          <a:p>
+            <a:r>
+              <a:rPr lang="en-US" dirty="0">
+                <a:solidFill>
+                  <a:schemeClr val="tx1"/>
+                </a:solidFill>
+              </a:rPr>
+              <a:t>high</a:t>
+            </a:r>
+          </a:p>
+        </p:txBody>
+      </p:sp>
+      <p:graphicFrame>
+        <p:nvGraphicFramePr>
+          <p:cNvPr id="33" name="Table 2">
+            <a:extLst>
+              <a:ext uri="{FF2B5EF4-FFF2-40B4-BE49-F238E27FC236}">
+                <a16:creationId xmlns:a16="http://schemas.microsoft.com/office/drawing/2014/main" id="{1767469E-7BCF-2B69-E509-13F0D38172E8}"/>
+              </a:ext>
+            </a:extLst>
+          </p:cNvPr>
+          <p:cNvGraphicFramePr>
+            <a:graphicFrameLocks noGrp="1"/>
+          </p:cNvGraphicFramePr>
+          <p:nvPr>
+            <p:extLst>
+              <p:ext uri="{D42A27DB-BD31-4B8C-83A1-F6EECF244321}">
+                <p14:modId xmlns:p14="http://schemas.microsoft.com/office/powerpoint/2010/main" val="3355684396"/>
+              </p:ext>
+            </p:extLst>
+          </p:nvPr>
+        </p:nvGraphicFramePr>
+        <p:xfrm>
+          <a:off x="6619565" y="4669323"/>
+          <a:ext cx="3802252" cy="936729"/>
+        </p:xfrm>
+        <a:graphic>
+          <a:graphicData uri="http://schemas.openxmlformats.org/drawingml/2006/table">
+            <a:tbl>
+              <a:tblPr>
+                <a:effectLst/>
+                <a:tableStyleId>{5C22544A-7EE6-4342-B048-85BDC9FD1C3A}</a:tableStyleId>
+              </a:tblPr>
+              <a:tblGrid>
+                <a:gridCol w="896624">
+                  <a:extLst>
+                    <a:ext uri="{9D8B030D-6E8A-4147-A177-3AD203B41FA5}">
+                      <a16:colId xmlns:a16="http://schemas.microsoft.com/office/drawing/2014/main" val="903445238"/>
+                    </a:ext>
+                  </a:extLst>
+                </a:gridCol>
+                <a:gridCol w="924466">
+                  <a:extLst>
+                    <a:ext uri="{9D8B030D-6E8A-4147-A177-3AD203B41FA5}">
+                      <a16:colId xmlns:a16="http://schemas.microsoft.com/office/drawing/2014/main" val="1986698563"/>
+                    </a:ext>
+                  </a:extLst>
+                </a:gridCol>
+                <a:gridCol w="982530">
+                  <a:extLst>
+                    <a:ext uri="{9D8B030D-6E8A-4147-A177-3AD203B41FA5}">
+                      <a16:colId xmlns:a16="http://schemas.microsoft.com/office/drawing/2014/main" val="621528173"/>
+                    </a:ext>
+                  </a:extLst>
+                </a:gridCol>
+                <a:gridCol w="998632">
+                  <a:extLst>
+                    <a:ext uri="{9D8B030D-6E8A-4147-A177-3AD203B41FA5}">
+                      <a16:colId xmlns:a16="http://schemas.microsoft.com/office/drawing/2014/main" val="3612687831"/>
+                    </a:ext>
+                  </a:extLst>
+                </a:gridCol>
+              </a:tblGrid>
+              <a:tr h="501787">
+                <a:tc>
+                  <a:txBody>
+                    <a:bodyPr/>
+                    <a:lstStyle/>
+                    <a:p>
+                      <a:pPr algn="ctr"/>
+                      <a:r>
+                        <a:rPr lang="en-US" sz="2000" b="1" cap="none" spc="0" dirty="0">
+                          <a:ln>
+                            <a:noFill/>
+                          </a:ln>
+                          <a:solidFill>
+                            <a:schemeClr val="tx1"/>
+                          </a:solidFill>
+                          <a:effectLst/>
+                        </a:rPr>
+                        <a:t>20</a:t>
+                      </a:r>
+                    </a:p>
+                  </a:txBody>
+                  <a:tcPr anchor="ctr">
+                    <a:noFill/>
+                  </a:tcPr>
+                </a:tc>
+                <a:tc>
+                  <a:txBody>
+                    <a:bodyPr/>
+                    <a:lstStyle/>
+                    <a:p>
+                      <a:pPr algn="ctr"/>
+                      <a:r>
+                        <a:rPr lang="en-US" sz="2000" b="1" cap="none" spc="0" dirty="0">
+                          <a:ln>
+                            <a:noFill/>
+                          </a:ln>
+                          <a:solidFill>
+                            <a:schemeClr val="tx1"/>
+                          </a:solidFill>
+                          <a:effectLst/>
+                        </a:rPr>
+                        <a:t>10</a:t>
+                      </a:r>
+                    </a:p>
+                  </a:txBody>
+                  <a:tcPr anchor="ctr">
+                    <a:noFill/>
+                  </a:tcPr>
+                </a:tc>
+                <a:tc>
+                  <a:txBody>
+                    <a:bodyPr/>
+                    <a:lstStyle/>
+                    <a:p>
+                      <a:pPr algn="ctr"/>
+                      <a:r>
+                        <a:rPr lang="en-US" sz="2000" b="1" cap="none" spc="0" dirty="0">
+                          <a:ln>
+                            <a:noFill/>
+                          </a:ln>
+                          <a:solidFill>
+                            <a:schemeClr val="tx1"/>
+                          </a:solidFill>
+                          <a:effectLst/>
+                        </a:rPr>
+                        <a:t>40</a:t>
+                      </a:r>
+                    </a:p>
+                  </a:txBody>
+                  <a:tcPr anchor="ctr">
+                    <a:noFill/>
+                  </a:tcPr>
+                </a:tc>
+                <a:tc>
+                  <a:txBody>
+                    <a:bodyPr/>
+                    <a:lstStyle/>
+                    <a:p>
+                      <a:pPr algn="ctr"/>
+                      <a:r>
+                        <a:rPr lang="en-US" sz="2000" b="1" cap="none" spc="0" dirty="0">
+                          <a:ln>
+                            <a:noFill/>
+                          </a:ln>
+                          <a:solidFill>
+                            <a:schemeClr val="tx1"/>
+                          </a:solidFill>
+                          <a:effectLst/>
+                        </a:rPr>
+                        <a:t>30</a:t>
+                      </a:r>
+                    </a:p>
+                  </a:txBody>
+                  <a:tcPr anchor="ctr">
+                    <a:noFill/>
+                  </a:tcPr>
+                </a:tc>
+                <a:extLst>
+                  <a:ext uri="{0D108BD9-81ED-4DB2-BD59-A6C34878D82A}">
+                    <a16:rowId xmlns:a16="http://schemas.microsoft.com/office/drawing/2014/main" val="3319565494"/>
+                  </a:ext>
+                </a:extLst>
+              </a:tr>
+              <a:tr h="434942">
+                <a:tc>
+                  <a:txBody>
+                    <a:bodyPr/>
+                    <a:lstStyle/>
+                    <a:p>
+                      <a:pPr algn="ctr"/>
+                      <a:r>
+                        <a:rPr lang="en-US" sz="2000" b="0" cap="none" spc="0" dirty="0">
+                          <a:ln>
+                            <a:noFill/>
+                          </a:ln>
+                          <a:solidFill>
+                            <a:schemeClr val="tx1"/>
+                          </a:solidFill>
+                          <a:effectLst/>
+                        </a:rPr>
+                        <a:t>0</a:t>
+                      </a:r>
+                    </a:p>
+                  </a:txBody>
+                  <a:tcPr anchor="ctr">
+                    <a:noFill/>
+                  </a:tcPr>
+                </a:tc>
+                <a:tc>
+                  <a:txBody>
+                    <a:bodyPr/>
+                    <a:lstStyle/>
+                    <a:p>
+                      <a:pPr algn="ctr"/>
+                      <a:r>
+                        <a:rPr lang="en-US" sz="2000" b="0" cap="none" spc="0" dirty="0">
+                          <a:ln>
+                            <a:noFill/>
+                          </a:ln>
+                          <a:solidFill>
+                            <a:schemeClr val="tx1"/>
+                          </a:solidFill>
+                          <a:effectLst/>
+                        </a:rPr>
+                        <a:t>1</a:t>
+                      </a:r>
+                    </a:p>
+                  </a:txBody>
+                  <a:tcPr anchor="ctr">
+                    <a:noFill/>
+                  </a:tcPr>
+                </a:tc>
+                <a:tc>
+                  <a:txBody>
+                    <a:bodyPr/>
+                    <a:lstStyle/>
+                    <a:p>
+                      <a:pPr algn="ctr"/>
+                      <a:r>
+                        <a:rPr lang="en-US" sz="2000" b="0" cap="none" spc="0" dirty="0">
+                          <a:ln>
+                            <a:noFill/>
+                          </a:ln>
+                          <a:solidFill>
+                            <a:schemeClr val="tx1"/>
+                          </a:solidFill>
+                          <a:effectLst/>
+                        </a:rPr>
+                        <a:t>2</a:t>
+                      </a:r>
+                    </a:p>
+                  </a:txBody>
+                  <a:tcPr anchor="ctr">
+                    <a:noFill/>
+                  </a:tcPr>
+                </a:tc>
+                <a:tc>
+                  <a:txBody>
+                    <a:bodyPr/>
+                    <a:lstStyle/>
+                    <a:p>
+                      <a:pPr algn="ctr"/>
+                      <a:r>
+                        <a:rPr lang="en-US" sz="2000" b="0" cap="none" spc="0" dirty="0">
+                          <a:ln>
+                            <a:noFill/>
+                          </a:ln>
+                          <a:solidFill>
+                            <a:schemeClr val="tx1"/>
+                          </a:solidFill>
+                          <a:effectLst/>
+                        </a:rPr>
+                        <a:t>3</a:t>
+                      </a:r>
+                    </a:p>
+                  </a:txBody>
+                  <a:tcPr anchor="ctr">
+                    <a:noFill/>
+                  </a:tcPr>
+                </a:tc>
+                <a:extLst>
+                  <a:ext uri="{0D108BD9-81ED-4DB2-BD59-A6C34878D82A}">
+                    <a16:rowId xmlns:a16="http://schemas.microsoft.com/office/drawing/2014/main" val="1211151737"/>
+                  </a:ext>
+                </a:extLst>
+              </a:tr>
+            </a:tbl>
+          </a:graphicData>
+        </a:graphic>
+      </p:graphicFrame>
+      <p:sp>
+        <p:nvSpPr>
+          <p:cNvPr id="34" name="TextBox 33">
+            <a:extLst>
+              <a:ext uri="{FF2B5EF4-FFF2-40B4-BE49-F238E27FC236}">
+                <a16:creationId xmlns:a16="http://schemas.microsoft.com/office/drawing/2014/main" id="{3184863D-AA08-7E83-C24C-A8FF2E224346}"/>
+              </a:ext>
+            </a:extLst>
+          </p:cNvPr>
+          <p:cNvSpPr txBox="1"/>
+          <p:nvPr/>
+        </p:nvSpPr>
+        <p:spPr>
+          <a:xfrm>
+            <a:off x="6871627" y="5669863"/>
+            <a:ext cx="566164" cy="707886"/>
+          </a:xfrm>
+          <a:prstGeom prst="rect">
+            <a:avLst/>
+          </a:prstGeom>
+          <a:noFill/>
+          <a:effectLst>
+            <a:glow rad="63500">
+              <a:schemeClr val="accent2">
+                <a:satMod val="175000"/>
+                <a:alpha val="0"/>
+              </a:schemeClr>
+            </a:glow>
+          </a:effectLst>
+        </p:spPr>
+        <p:txBody>
+          <a:bodyPr wrap="square" rtlCol="0">
+            <a:spAutoFit/>
+          </a:bodyPr>
+          <a:lstStyle>
+            <a:defPPr>
+              <a:defRPr lang="en-US"/>
+            </a:defPPr>
+            <a:lvl1pPr>
+              <a:defRPr sz="2000">
+                <a:solidFill>
+                  <a:schemeClr val="bg2"/>
+                </a:solidFill>
+              </a:defRPr>
+            </a:lvl1pPr>
+          </a:lstStyle>
+          <a:p>
+            <a:r>
+              <a:rPr lang="en-US" dirty="0">
+                <a:solidFill>
+                  <a:schemeClr val="tx1"/>
+                </a:solidFill>
+              </a:rPr>
+              <a:t>p</a:t>
+            </a:r>
+          </a:p>
+          <a:p>
+            <a:r>
+              <a:rPr lang="en-US" dirty="0">
+                <a:solidFill>
+                  <a:schemeClr val="tx1"/>
+                </a:solidFill>
+              </a:rPr>
+              <a:t>low</a:t>
+            </a:r>
+          </a:p>
+        </p:txBody>
+      </p:sp>
+      <p:sp>
+        <p:nvSpPr>
+          <p:cNvPr id="35" name="TextBox 34">
+            <a:extLst>
+              <a:ext uri="{FF2B5EF4-FFF2-40B4-BE49-F238E27FC236}">
+                <a16:creationId xmlns:a16="http://schemas.microsoft.com/office/drawing/2014/main" id="{3E21F68B-76B2-9D05-64E6-55F34626C411}"/>
+              </a:ext>
+            </a:extLst>
+          </p:cNvPr>
+          <p:cNvSpPr txBox="1"/>
+          <p:nvPr/>
+        </p:nvSpPr>
+        <p:spPr>
+          <a:xfrm>
+            <a:off x="8876851" y="5735249"/>
+            <a:ext cx="566164" cy="400110"/>
+          </a:xfrm>
+          <a:prstGeom prst="rect">
+            <a:avLst/>
+          </a:prstGeom>
+          <a:noFill/>
+          <a:effectLst>
+            <a:glow rad="63500">
+              <a:schemeClr val="accent2">
+                <a:satMod val="175000"/>
+                <a:alpha val="0"/>
+              </a:schemeClr>
+            </a:glow>
+          </a:effectLst>
+        </p:spPr>
+        <p:txBody>
+          <a:bodyPr wrap="square" rtlCol="0">
+            <a:spAutoFit/>
+          </a:bodyPr>
+          <a:lstStyle>
+            <a:defPPr>
+              <a:defRPr lang="en-US"/>
+            </a:defPPr>
+            <a:lvl1pPr>
+              <a:defRPr sz="2000">
+                <a:solidFill>
+                  <a:schemeClr val="bg2"/>
+                </a:solidFill>
+              </a:defRPr>
+            </a:lvl1pPr>
+          </a:lstStyle>
+          <a:p>
+            <a:r>
+              <a:rPr lang="en-US" dirty="0">
+                <a:solidFill>
+                  <a:schemeClr val="tx1"/>
+                </a:solidFill>
+              </a:rPr>
+              <a:t>i</a:t>
+            </a:r>
+          </a:p>
+        </p:txBody>
+      </p:sp>
+      <p:sp>
+        <p:nvSpPr>
+          <p:cNvPr id="36" name="TextBox 35">
+            <a:extLst>
+              <a:ext uri="{FF2B5EF4-FFF2-40B4-BE49-F238E27FC236}">
+                <a16:creationId xmlns:a16="http://schemas.microsoft.com/office/drawing/2014/main" id="{4D4BEC72-C0DF-9BDB-91A3-F417CD583E69}"/>
+              </a:ext>
+            </a:extLst>
+          </p:cNvPr>
+          <p:cNvSpPr txBox="1"/>
+          <p:nvPr/>
+        </p:nvSpPr>
+        <p:spPr>
+          <a:xfrm>
+            <a:off x="7874239" y="5728665"/>
+            <a:ext cx="566164" cy="400110"/>
+          </a:xfrm>
+          <a:prstGeom prst="rect">
+            <a:avLst/>
+          </a:prstGeom>
+          <a:noFill/>
+          <a:effectLst>
+            <a:glow rad="63500">
+              <a:schemeClr val="accent2">
+                <a:satMod val="175000"/>
+                <a:alpha val="0"/>
+              </a:schemeClr>
+            </a:glow>
+          </a:effectLst>
+        </p:spPr>
+        <p:txBody>
+          <a:bodyPr wrap="square" rtlCol="0">
+            <a:spAutoFit/>
+          </a:bodyPr>
+          <a:lstStyle>
+            <a:defPPr>
+              <a:defRPr lang="en-US"/>
+            </a:defPPr>
+            <a:lvl1pPr>
+              <a:defRPr sz="2000">
+                <a:solidFill>
+                  <a:schemeClr val="bg2"/>
+                </a:solidFill>
+              </a:defRPr>
+            </a:lvl1pPr>
+          </a:lstStyle>
+          <a:p>
+            <a:r>
+              <a:rPr lang="en-US" dirty="0">
+                <a:solidFill>
+                  <a:schemeClr val="tx1"/>
+                </a:solidFill>
+              </a:rPr>
+              <a:t>j</a:t>
+            </a:r>
+          </a:p>
+        </p:txBody>
+      </p:sp>
+      <p:sp>
+        <p:nvSpPr>
+          <p:cNvPr id="37" name="TextBox 36">
+            <a:extLst>
+              <a:ext uri="{FF2B5EF4-FFF2-40B4-BE49-F238E27FC236}">
+                <a16:creationId xmlns:a16="http://schemas.microsoft.com/office/drawing/2014/main" id="{8CB129DF-C833-686F-8EDB-0670E2DFD49A}"/>
+              </a:ext>
+            </a:extLst>
+          </p:cNvPr>
+          <p:cNvSpPr txBox="1"/>
+          <p:nvPr/>
+        </p:nvSpPr>
+        <p:spPr>
+          <a:xfrm>
+            <a:off x="9689462" y="5823751"/>
+            <a:ext cx="664403" cy="400110"/>
+          </a:xfrm>
+          <a:prstGeom prst="rect">
+            <a:avLst/>
+          </a:prstGeom>
+          <a:noFill/>
+          <a:effectLst>
+            <a:glow rad="63500">
+              <a:schemeClr val="accent2">
+                <a:satMod val="175000"/>
+                <a:alpha val="0"/>
+              </a:schemeClr>
+            </a:glow>
+          </a:effectLst>
+        </p:spPr>
+        <p:txBody>
+          <a:bodyPr wrap="square" rtlCol="0">
+            <a:spAutoFit/>
+          </a:bodyPr>
+          <a:lstStyle>
+            <a:defPPr>
+              <a:defRPr lang="en-US"/>
+            </a:defPPr>
+            <a:lvl1pPr>
+              <a:defRPr sz="2000">
+                <a:solidFill>
+                  <a:schemeClr val="bg2"/>
+                </a:solidFill>
+              </a:defRPr>
+            </a:lvl1pPr>
+          </a:lstStyle>
+          <a:p>
+            <a:r>
+              <a:rPr lang="en-US" dirty="0">
+                <a:solidFill>
+                  <a:schemeClr val="tx1"/>
+                </a:solidFill>
+              </a:rPr>
+              <a:t>high</a:t>
+            </a:r>
+          </a:p>
+        </p:txBody>
+      </p:sp>
+    </p:spTree>
+    <p:extLst>
+      <p:ext uri="{BB962C8B-B14F-4D97-AF65-F5344CB8AC3E}">
+        <p14:creationId xmlns:p14="http://schemas.microsoft.com/office/powerpoint/2010/main" val="3743670680"/>
+      </p:ext>
+    </p:extLst>
+  </p:cSld>
+  <p:clrMapOvr>
+    <a:masterClrMapping/>
+  </p:clrMapOvr>
+  <p:timing>
+    <p:tnLst>
+      <p:par>
+        <p:cTn id="1" dur="indefinite" restart="never" nodeType="tmRoot">
+          <p:childTnLst>
+            <p:seq concurrent="1" nextAc="seek">
+              <p:cTn id="2" dur="indefinite" nodeType="mainSeq">
+                <p:childTnLst>
+                  <p:par>
+                    <p:cTn id="3" fill="hold">
+                      <p:stCondLst>
+                        <p:cond delay="indefinite"/>
+                      </p:stCondLst>
+                      <p:childTnLst>
+                        <p:par>
+                          <p:cTn id="4" fill="hold">
+                            <p:stCondLst>
+                              <p:cond delay="0"/>
+                            </p:stCondLst>
+                            <p:childTnLst>
+                              <p:par>
+                                <p:cTn id="5" presetID="6" presetClass="entr" presetSubtype="16" fill="hold" grpId="0" nodeType="clickEffect">
+                                  <p:stCondLst>
+                                    <p:cond delay="0"/>
+                                  </p:stCondLst>
+                                  <p:childTnLst>
+                                    <p:set>
+                                      <p:cBhvr>
+                                        <p:cTn id="6" dur="1" fill="hold">
+                                          <p:stCondLst>
+                                            <p:cond delay="0"/>
+                                          </p:stCondLst>
+                                        </p:cTn>
+                                        <p:tgtEl>
+                                          <p:spTgt spid="6"/>
+                                        </p:tgtEl>
+                                        <p:attrNameLst>
+                                          <p:attrName>style.visibility</p:attrName>
+                                        </p:attrNameLst>
+                                      </p:cBhvr>
+                                      <p:to>
+                                        <p:strVal val="visible"/>
+                                      </p:to>
+                                    </p:set>
+                                    <p:animEffect transition="in" filter="circle(in)">
+                                      <p:cBhvr>
+                                        <p:cTn id="7" dur="2000"/>
+                                        <p:tgtEl>
+                                          <p:spTgt spid="6"/>
+                                        </p:tgtEl>
+                                      </p:cBhvr>
+                                    </p:animEffect>
+                                  </p:childTnLst>
+                                </p:cTn>
+                              </p:par>
+                            </p:childTnLst>
+                          </p:cTn>
+                        </p:par>
+                      </p:childTnLst>
+                    </p:cTn>
+                  </p:par>
+                </p:childTnLst>
+              </p:cTn>
+              <p:prevCondLst>
+                <p:cond evt="onPrev" delay="0">
+                  <p:tgtEl>
+                    <p:sldTgt/>
+                  </p:tgtEl>
+                </p:cond>
+              </p:prevCondLst>
+              <p:nextCondLst>
+                <p:cond evt="onNext" delay="0">
+                  <p:tgtEl>
+                    <p:sldTgt/>
+                  </p:tgtEl>
+                </p:cond>
+              </p:nextCondLst>
+            </p:seq>
+          </p:childTnLst>
+        </p:cTn>
+      </p:par>
+    </p:tnLst>
+    <p:bldLst>
+      <p:bldP spid="6" grpId="0" animBg="1"/>
+    </p:bldLst>
+  </p:timing>
+</p:sld>
+</file>
+
+<file path=ppt/slides/slide11.xml><?xml version="1.0" encoding="utf-8"?>
+<p:sld xmlns:a="http://schemas.openxmlformats.org/drawingml/2006/main" xmlns:r="http://schemas.openxmlformats.org/officeDocument/2006/relationships" xmlns:p="http://schemas.openxmlformats.org/presentationml/2006/main">
+  <p:cSld>
+    <p:spTree>
+      <p:nvGrpSpPr>
+        <p:cNvPr id="1" name=""/>
+        <p:cNvGrpSpPr/>
+        <p:nvPr/>
+      </p:nvGrpSpPr>
+      <p:grpSpPr>
+        <a:xfrm>
+          <a:off x="0" y="0"/>
+          <a:ext cx="0" cy="0"/>
+          <a:chOff x="0" y="0"/>
+          <a:chExt cx="0" cy="0"/>
+        </a:xfrm>
+      </p:grpSpPr>
+      <p:sp>
+        <p:nvSpPr>
+          <p:cNvPr id="6" name="Rectangle 5">
+            <a:extLst>
+              <a:ext uri="{FF2B5EF4-FFF2-40B4-BE49-F238E27FC236}">
+                <a16:creationId xmlns:a16="http://schemas.microsoft.com/office/drawing/2014/main" id="{6099DF02-D76D-BF47-A246-D5D13BF51E65}"/>
+              </a:ext>
+            </a:extLst>
+          </p:cNvPr>
+          <p:cNvSpPr/>
+          <p:nvPr/>
+        </p:nvSpPr>
+        <p:spPr>
+          <a:xfrm>
+            <a:off x="-1" y="7521"/>
+            <a:ext cx="12191997" cy="6858000"/>
+          </a:xfrm>
+          <a:prstGeom prst="rect">
+            <a:avLst/>
+          </a:prstGeom>
+          <a:blipFill>
+            <a:blip r:embed="rId3"/>
+            <a:tile tx="0" ty="0" sx="100000" sy="100000" flip="none" algn="tl"/>
+          </a:blipFill>
+          <a:ln>
+            <a:noFill/>
+          </a:ln>
+          <a:effectLst>
+            <a:outerShdw blurRad="63500" dist="152400" dir="3000000" algn="tl" rotWithShape="0">
+              <a:prstClr val="black">
+                <a:alpha val="40000"/>
+              </a:prstClr>
+            </a:outerShdw>
+            <a:softEdge rad="25400"/>
+          </a:effectLst>
+        </p:spPr>
+        <p:style>
+          <a:lnRef idx="2">
+            <a:schemeClr val="accent1">
+              <a:shade val="50000"/>
+            </a:schemeClr>
+          </a:lnRef>
+          <a:fillRef idx="1">
+            <a:schemeClr val="accent1"/>
+          </a:fillRef>
+          <a:effectRef idx="0">
+            <a:schemeClr val="accent1"/>
+          </a:effectRef>
+          <a:fontRef idx="minor">
+            <a:schemeClr val="lt1"/>
+          </a:fontRef>
+        </p:style>
+        <p:txBody>
+          <a:bodyPr rtlCol="0" anchor="ctr"/>
+          <a:lstStyle/>
+          <a:p>
+            <a:pPr algn="ctr"/>
+            <a:endParaRPr lang="en-US" dirty="0"/>
+          </a:p>
+        </p:txBody>
+      </p:sp>
+      <p:cxnSp>
+        <p:nvCxnSpPr>
+          <p:cNvPr id="9" name="Straight Connector 8">
+            <a:extLst>
+              <a:ext uri="{FF2B5EF4-FFF2-40B4-BE49-F238E27FC236}">
+                <a16:creationId xmlns:a16="http://schemas.microsoft.com/office/drawing/2014/main" id="{AA4D4064-94AA-5E4D-AB14-C932D2779787}"/>
+              </a:ext>
+            </a:extLst>
+          </p:cNvPr>
+          <p:cNvCxnSpPr>
+            <a:cxnSpLocks/>
+          </p:cNvCxnSpPr>
+          <p:nvPr/>
+        </p:nvCxnSpPr>
+        <p:spPr>
+          <a:xfrm>
+            <a:off x="11656643" y="7521"/>
+            <a:ext cx="1" cy="6858000"/>
+          </a:xfrm>
+          <a:prstGeom prst="line">
+            <a:avLst/>
+          </a:prstGeom>
+          <a:ln w="38100">
+            <a:solidFill>
+              <a:schemeClr val="accent4">
+                <a:lumMod val="50000"/>
+              </a:schemeClr>
+            </a:solidFill>
+            <a:prstDash val="lgDash"/>
+          </a:ln>
+        </p:spPr>
+        <p:style>
+          <a:lnRef idx="1">
+            <a:schemeClr val="accent1"/>
+          </a:lnRef>
+          <a:fillRef idx="0">
+            <a:schemeClr val="accent1"/>
+          </a:fillRef>
+          <a:effectRef idx="0">
+            <a:schemeClr val="accent1"/>
+          </a:effectRef>
+          <a:fontRef idx="minor">
+            <a:schemeClr val="tx1"/>
+          </a:fontRef>
+        </p:style>
+      </p:cxnSp>
+      <p:graphicFrame>
+        <p:nvGraphicFramePr>
+          <p:cNvPr id="33" name="Table 2">
+            <a:extLst>
+              <a:ext uri="{FF2B5EF4-FFF2-40B4-BE49-F238E27FC236}">
+                <a16:creationId xmlns:a16="http://schemas.microsoft.com/office/drawing/2014/main" id="{1767469E-7BCF-2B69-E509-13F0D38172E8}"/>
+              </a:ext>
+            </a:extLst>
+          </p:cNvPr>
+          <p:cNvGraphicFramePr>
+            <a:graphicFrameLocks noGrp="1"/>
+          </p:cNvGraphicFramePr>
+          <p:nvPr>
+            <p:extLst>
+              <p:ext uri="{D42A27DB-BD31-4B8C-83A1-F6EECF244321}">
+                <p14:modId xmlns:p14="http://schemas.microsoft.com/office/powerpoint/2010/main" val="3851654741"/>
+              </p:ext>
+            </p:extLst>
+          </p:nvPr>
+        </p:nvGraphicFramePr>
+        <p:xfrm>
+          <a:off x="535356" y="563488"/>
+          <a:ext cx="3802252" cy="936729"/>
+        </p:xfrm>
+        <a:graphic>
+          <a:graphicData uri="http://schemas.openxmlformats.org/drawingml/2006/table">
+            <a:tbl>
+              <a:tblPr>
+                <a:effectLst/>
+                <a:tableStyleId>{5C22544A-7EE6-4342-B048-85BDC9FD1C3A}</a:tableStyleId>
+              </a:tblPr>
+              <a:tblGrid>
+                <a:gridCol w="896624">
+                  <a:extLst>
+                    <a:ext uri="{9D8B030D-6E8A-4147-A177-3AD203B41FA5}">
+                      <a16:colId xmlns:a16="http://schemas.microsoft.com/office/drawing/2014/main" val="903445238"/>
+                    </a:ext>
+                  </a:extLst>
+                </a:gridCol>
+                <a:gridCol w="924466">
+                  <a:extLst>
+                    <a:ext uri="{9D8B030D-6E8A-4147-A177-3AD203B41FA5}">
+                      <a16:colId xmlns:a16="http://schemas.microsoft.com/office/drawing/2014/main" val="1986698563"/>
+                    </a:ext>
+                  </a:extLst>
+                </a:gridCol>
+                <a:gridCol w="982530">
+                  <a:extLst>
+                    <a:ext uri="{9D8B030D-6E8A-4147-A177-3AD203B41FA5}">
+                      <a16:colId xmlns:a16="http://schemas.microsoft.com/office/drawing/2014/main" val="621528173"/>
+                    </a:ext>
+                  </a:extLst>
+                </a:gridCol>
+                <a:gridCol w="998632">
+                  <a:extLst>
+                    <a:ext uri="{9D8B030D-6E8A-4147-A177-3AD203B41FA5}">
+                      <a16:colId xmlns:a16="http://schemas.microsoft.com/office/drawing/2014/main" val="3612687831"/>
+                    </a:ext>
+                  </a:extLst>
+                </a:gridCol>
+              </a:tblGrid>
+              <a:tr h="501787">
+                <a:tc>
+                  <a:txBody>
+                    <a:bodyPr/>
+                    <a:lstStyle/>
+                    <a:p>
+                      <a:pPr algn="ctr"/>
+                      <a:r>
+                        <a:rPr lang="en-US" sz="2000" b="1" cap="none" spc="0" dirty="0">
+                          <a:ln>
+                            <a:noFill/>
+                          </a:ln>
+                          <a:solidFill>
+                            <a:schemeClr val="tx1"/>
+                          </a:solidFill>
+                          <a:effectLst/>
+                        </a:rPr>
+                        <a:t>20</a:t>
+                      </a:r>
+                    </a:p>
+                  </a:txBody>
+                  <a:tcPr anchor="ctr">
+                    <a:noFill/>
+                  </a:tcPr>
+                </a:tc>
+                <a:tc>
+                  <a:txBody>
+                    <a:bodyPr/>
+                    <a:lstStyle/>
+                    <a:p>
+                      <a:pPr algn="ctr"/>
+                      <a:r>
+                        <a:rPr lang="en-US" sz="2000" b="1" cap="none" spc="0" dirty="0">
+                          <a:ln>
+                            <a:noFill/>
+                          </a:ln>
+                          <a:solidFill>
+                            <a:schemeClr val="tx1"/>
+                          </a:solidFill>
+                          <a:effectLst/>
+                        </a:rPr>
+                        <a:t>10</a:t>
+                      </a:r>
+                    </a:p>
+                  </a:txBody>
+                  <a:tcPr anchor="ctr">
+                    <a:noFill/>
+                  </a:tcPr>
+                </a:tc>
+                <a:tc>
+                  <a:txBody>
+                    <a:bodyPr/>
+                    <a:lstStyle/>
+                    <a:p>
+                      <a:pPr algn="ctr"/>
+                      <a:r>
+                        <a:rPr lang="en-US" sz="2000" b="1" cap="none" spc="0" dirty="0">
+                          <a:ln>
+                            <a:noFill/>
+                          </a:ln>
+                          <a:solidFill>
+                            <a:schemeClr val="tx1"/>
+                          </a:solidFill>
+                          <a:effectLst/>
+                        </a:rPr>
+                        <a:t>40</a:t>
+                      </a:r>
+                    </a:p>
+                  </a:txBody>
+                  <a:tcPr anchor="ctr">
+                    <a:noFill/>
+                  </a:tcPr>
+                </a:tc>
+                <a:tc>
+                  <a:txBody>
+                    <a:bodyPr/>
+                    <a:lstStyle/>
+                    <a:p>
+                      <a:pPr algn="ctr"/>
+                      <a:r>
+                        <a:rPr lang="en-US" sz="2000" b="1" cap="none" spc="0" dirty="0">
+                          <a:ln>
+                            <a:noFill/>
+                          </a:ln>
+                          <a:solidFill>
+                            <a:schemeClr val="tx1"/>
+                          </a:solidFill>
+                          <a:effectLst/>
+                        </a:rPr>
+                        <a:t>30</a:t>
+                      </a:r>
+                    </a:p>
+                  </a:txBody>
+                  <a:tcPr anchor="ctr">
+                    <a:noFill/>
+                  </a:tcPr>
+                </a:tc>
+                <a:extLst>
+                  <a:ext uri="{0D108BD9-81ED-4DB2-BD59-A6C34878D82A}">
+                    <a16:rowId xmlns:a16="http://schemas.microsoft.com/office/drawing/2014/main" val="3319565494"/>
+                  </a:ext>
+                </a:extLst>
+              </a:tr>
+              <a:tr h="434942">
+                <a:tc>
+                  <a:txBody>
+                    <a:bodyPr/>
+                    <a:lstStyle/>
+                    <a:p>
+                      <a:pPr algn="ctr"/>
+                      <a:r>
+                        <a:rPr lang="en-US" sz="2000" b="0" cap="none" spc="0" dirty="0">
+                          <a:ln>
+                            <a:noFill/>
+                          </a:ln>
+                          <a:solidFill>
+                            <a:schemeClr val="tx1"/>
+                          </a:solidFill>
+                          <a:effectLst/>
+                        </a:rPr>
+                        <a:t>0</a:t>
+                      </a:r>
+                    </a:p>
+                  </a:txBody>
+                  <a:tcPr anchor="ctr">
+                    <a:noFill/>
+                  </a:tcPr>
+                </a:tc>
+                <a:tc>
+                  <a:txBody>
+                    <a:bodyPr/>
+                    <a:lstStyle/>
+                    <a:p>
+                      <a:pPr algn="ctr"/>
+                      <a:r>
+                        <a:rPr lang="en-US" sz="2000" b="0" cap="none" spc="0" dirty="0">
+                          <a:ln>
+                            <a:noFill/>
+                          </a:ln>
+                          <a:solidFill>
+                            <a:schemeClr val="tx1"/>
+                          </a:solidFill>
+                          <a:effectLst/>
+                        </a:rPr>
+                        <a:t>1</a:t>
+                      </a:r>
+                    </a:p>
+                  </a:txBody>
+                  <a:tcPr anchor="ctr">
+                    <a:noFill/>
+                  </a:tcPr>
+                </a:tc>
+                <a:tc>
+                  <a:txBody>
+                    <a:bodyPr/>
+                    <a:lstStyle/>
+                    <a:p>
+                      <a:pPr algn="ctr"/>
+                      <a:r>
+                        <a:rPr lang="en-US" sz="2000" b="0" cap="none" spc="0" dirty="0">
+                          <a:ln>
+                            <a:noFill/>
+                          </a:ln>
+                          <a:solidFill>
+                            <a:schemeClr val="tx1"/>
+                          </a:solidFill>
+                          <a:effectLst/>
+                        </a:rPr>
+                        <a:t>2</a:t>
+                      </a:r>
+                    </a:p>
+                  </a:txBody>
+                  <a:tcPr anchor="ctr">
+                    <a:noFill/>
+                  </a:tcPr>
+                </a:tc>
+                <a:tc>
+                  <a:txBody>
+                    <a:bodyPr/>
+                    <a:lstStyle/>
+                    <a:p>
+                      <a:pPr algn="ctr"/>
+                      <a:r>
+                        <a:rPr lang="en-US" sz="2000" b="0" cap="none" spc="0" dirty="0">
+                          <a:ln>
+                            <a:noFill/>
+                          </a:ln>
+                          <a:solidFill>
+                            <a:schemeClr val="tx1"/>
+                          </a:solidFill>
+                          <a:effectLst/>
+                        </a:rPr>
+                        <a:t>3</a:t>
+                      </a:r>
+                    </a:p>
+                  </a:txBody>
+                  <a:tcPr anchor="ctr">
+                    <a:noFill/>
+                  </a:tcPr>
+                </a:tc>
+                <a:extLst>
+                  <a:ext uri="{0D108BD9-81ED-4DB2-BD59-A6C34878D82A}">
+                    <a16:rowId xmlns:a16="http://schemas.microsoft.com/office/drawing/2014/main" val="1211151737"/>
+                  </a:ext>
+                </a:extLst>
+              </a:tr>
+            </a:tbl>
+          </a:graphicData>
+        </a:graphic>
+      </p:graphicFrame>
+      <p:sp>
+        <p:nvSpPr>
+          <p:cNvPr id="34" name="TextBox 33">
+            <a:extLst>
+              <a:ext uri="{FF2B5EF4-FFF2-40B4-BE49-F238E27FC236}">
+                <a16:creationId xmlns:a16="http://schemas.microsoft.com/office/drawing/2014/main" id="{3184863D-AA08-7E83-C24C-A8FF2E224346}"/>
+              </a:ext>
+            </a:extLst>
+          </p:cNvPr>
+          <p:cNvSpPr txBox="1"/>
+          <p:nvPr/>
+        </p:nvSpPr>
+        <p:spPr>
+          <a:xfrm>
+            <a:off x="787418" y="1564028"/>
+            <a:ext cx="566164" cy="707886"/>
+          </a:xfrm>
+          <a:prstGeom prst="rect">
+            <a:avLst/>
+          </a:prstGeom>
+          <a:noFill/>
+          <a:effectLst>
+            <a:glow rad="63500">
+              <a:schemeClr val="accent2">
+                <a:satMod val="175000"/>
+                <a:alpha val="0"/>
+              </a:schemeClr>
+            </a:glow>
+          </a:effectLst>
+        </p:spPr>
+        <p:txBody>
+          <a:bodyPr wrap="square" rtlCol="0">
+            <a:spAutoFit/>
+          </a:bodyPr>
+          <a:lstStyle>
+            <a:defPPr>
+              <a:defRPr lang="en-US"/>
+            </a:defPPr>
+            <a:lvl1pPr>
+              <a:defRPr sz="2000">
+                <a:solidFill>
+                  <a:schemeClr val="bg2"/>
+                </a:solidFill>
+              </a:defRPr>
+            </a:lvl1pPr>
+          </a:lstStyle>
+          <a:p>
+            <a:r>
+              <a:rPr lang="en-US" dirty="0">
+                <a:solidFill>
+                  <a:schemeClr val="tx1"/>
+                </a:solidFill>
+              </a:rPr>
+              <a:t>p</a:t>
+            </a:r>
+          </a:p>
+          <a:p>
+            <a:r>
+              <a:rPr lang="en-US" dirty="0">
+                <a:solidFill>
+                  <a:schemeClr val="tx1"/>
+                </a:solidFill>
+              </a:rPr>
+              <a:t>low</a:t>
+            </a:r>
+          </a:p>
+        </p:txBody>
+      </p:sp>
+      <p:sp>
+        <p:nvSpPr>
+          <p:cNvPr id="35" name="TextBox 34">
+            <a:extLst>
+              <a:ext uri="{FF2B5EF4-FFF2-40B4-BE49-F238E27FC236}">
+                <a16:creationId xmlns:a16="http://schemas.microsoft.com/office/drawing/2014/main" id="{3E21F68B-76B2-9D05-64E6-55F34626C411}"/>
+              </a:ext>
+            </a:extLst>
+          </p:cNvPr>
+          <p:cNvSpPr txBox="1"/>
+          <p:nvPr/>
+        </p:nvSpPr>
+        <p:spPr>
+          <a:xfrm>
+            <a:off x="2792642" y="1629414"/>
+            <a:ext cx="566164" cy="400110"/>
+          </a:xfrm>
+          <a:prstGeom prst="rect">
+            <a:avLst/>
+          </a:prstGeom>
+          <a:noFill/>
+          <a:effectLst>
+            <a:glow rad="63500">
+              <a:schemeClr val="accent2">
+                <a:satMod val="175000"/>
+                <a:alpha val="0"/>
+              </a:schemeClr>
+            </a:glow>
+          </a:effectLst>
+        </p:spPr>
+        <p:txBody>
+          <a:bodyPr wrap="square" rtlCol="0">
+            <a:spAutoFit/>
+          </a:bodyPr>
+          <a:lstStyle>
+            <a:defPPr>
+              <a:defRPr lang="en-US"/>
+            </a:defPPr>
+            <a:lvl1pPr>
+              <a:defRPr sz="2000">
+                <a:solidFill>
+                  <a:schemeClr val="bg2"/>
+                </a:solidFill>
+              </a:defRPr>
+            </a:lvl1pPr>
+          </a:lstStyle>
+          <a:p>
+            <a:r>
+              <a:rPr lang="en-US" dirty="0">
+                <a:solidFill>
+                  <a:schemeClr val="tx1"/>
+                </a:solidFill>
+              </a:rPr>
+              <a:t>i</a:t>
+            </a:r>
+          </a:p>
+        </p:txBody>
+      </p:sp>
+      <p:sp>
+        <p:nvSpPr>
+          <p:cNvPr id="36" name="TextBox 35">
+            <a:extLst>
+              <a:ext uri="{FF2B5EF4-FFF2-40B4-BE49-F238E27FC236}">
+                <a16:creationId xmlns:a16="http://schemas.microsoft.com/office/drawing/2014/main" id="{4D4BEC72-C0DF-9BDB-91A3-F417CD583E69}"/>
+              </a:ext>
+            </a:extLst>
+          </p:cNvPr>
+          <p:cNvSpPr txBox="1"/>
+          <p:nvPr/>
+        </p:nvSpPr>
+        <p:spPr>
+          <a:xfrm>
+            <a:off x="1790030" y="1622830"/>
+            <a:ext cx="566164" cy="400110"/>
+          </a:xfrm>
+          <a:prstGeom prst="rect">
+            <a:avLst/>
+          </a:prstGeom>
+          <a:noFill/>
+          <a:effectLst>
+            <a:glow rad="63500">
+              <a:schemeClr val="accent2">
+                <a:satMod val="175000"/>
+                <a:alpha val="0"/>
+              </a:schemeClr>
+            </a:glow>
+          </a:effectLst>
+        </p:spPr>
+        <p:txBody>
+          <a:bodyPr wrap="square" rtlCol="0">
+            <a:spAutoFit/>
+          </a:bodyPr>
+          <a:lstStyle>
+            <a:defPPr>
+              <a:defRPr lang="en-US"/>
+            </a:defPPr>
+            <a:lvl1pPr>
+              <a:defRPr sz="2000">
+                <a:solidFill>
+                  <a:schemeClr val="bg2"/>
+                </a:solidFill>
+              </a:defRPr>
+            </a:lvl1pPr>
+          </a:lstStyle>
+          <a:p>
+            <a:r>
+              <a:rPr lang="en-US" dirty="0">
+                <a:solidFill>
+                  <a:schemeClr val="tx1"/>
+                </a:solidFill>
+              </a:rPr>
+              <a:t>j</a:t>
+            </a:r>
+          </a:p>
+        </p:txBody>
+      </p:sp>
+      <p:sp>
+        <p:nvSpPr>
+          <p:cNvPr id="37" name="TextBox 36">
+            <a:extLst>
+              <a:ext uri="{FF2B5EF4-FFF2-40B4-BE49-F238E27FC236}">
+                <a16:creationId xmlns:a16="http://schemas.microsoft.com/office/drawing/2014/main" id="{8CB129DF-C833-686F-8EDB-0670E2DFD49A}"/>
+              </a:ext>
+            </a:extLst>
+          </p:cNvPr>
+          <p:cNvSpPr txBox="1"/>
+          <p:nvPr/>
+        </p:nvSpPr>
+        <p:spPr>
+          <a:xfrm>
+            <a:off x="3605253" y="1717916"/>
+            <a:ext cx="664403" cy="400110"/>
+          </a:xfrm>
+          <a:prstGeom prst="rect">
+            <a:avLst/>
+          </a:prstGeom>
+          <a:noFill/>
+          <a:effectLst>
+            <a:glow rad="63500">
+              <a:schemeClr val="accent2">
+                <a:satMod val="175000"/>
+                <a:alpha val="0"/>
+              </a:schemeClr>
+            </a:glow>
+          </a:effectLst>
+        </p:spPr>
+        <p:txBody>
+          <a:bodyPr wrap="square" rtlCol="0">
+            <a:spAutoFit/>
+          </a:bodyPr>
+          <a:lstStyle>
+            <a:defPPr>
+              <a:defRPr lang="en-US"/>
+            </a:defPPr>
+            <a:lvl1pPr>
+              <a:defRPr sz="2000">
+                <a:solidFill>
+                  <a:schemeClr val="bg2"/>
+                </a:solidFill>
+              </a:defRPr>
+            </a:lvl1pPr>
+          </a:lstStyle>
+          <a:p>
+            <a:r>
+              <a:rPr lang="en-US" dirty="0">
+                <a:solidFill>
+                  <a:schemeClr val="tx1"/>
+                </a:solidFill>
+              </a:rPr>
+              <a:t>high</a:t>
+            </a:r>
+          </a:p>
+        </p:txBody>
+      </p:sp>
+      <p:graphicFrame>
+        <p:nvGraphicFramePr>
+          <p:cNvPr id="38" name="Table 2">
+            <a:extLst>
+              <a:ext uri="{FF2B5EF4-FFF2-40B4-BE49-F238E27FC236}">
+                <a16:creationId xmlns:a16="http://schemas.microsoft.com/office/drawing/2014/main" id="{8ECF1C04-F647-A580-A932-1BE9E75C63A7}"/>
+              </a:ext>
+            </a:extLst>
+          </p:cNvPr>
+          <p:cNvGraphicFramePr>
+            <a:graphicFrameLocks noGrp="1"/>
+          </p:cNvGraphicFramePr>
+          <p:nvPr>
+            <p:extLst>
+              <p:ext uri="{D42A27DB-BD31-4B8C-83A1-F6EECF244321}">
+                <p14:modId xmlns:p14="http://schemas.microsoft.com/office/powerpoint/2010/main" val="1713821491"/>
+              </p:ext>
+            </p:extLst>
+          </p:nvPr>
+        </p:nvGraphicFramePr>
+        <p:xfrm>
+          <a:off x="535356" y="2854719"/>
+          <a:ext cx="3802252" cy="936729"/>
+        </p:xfrm>
+        <a:graphic>
+          <a:graphicData uri="http://schemas.openxmlformats.org/drawingml/2006/table">
+            <a:tbl>
+              <a:tblPr>
+                <a:effectLst/>
+                <a:tableStyleId>{5C22544A-7EE6-4342-B048-85BDC9FD1C3A}</a:tableStyleId>
+              </a:tblPr>
+              <a:tblGrid>
+                <a:gridCol w="896624">
+                  <a:extLst>
+                    <a:ext uri="{9D8B030D-6E8A-4147-A177-3AD203B41FA5}">
+                      <a16:colId xmlns:a16="http://schemas.microsoft.com/office/drawing/2014/main" val="903445238"/>
+                    </a:ext>
+                  </a:extLst>
+                </a:gridCol>
+                <a:gridCol w="924466">
+                  <a:extLst>
+                    <a:ext uri="{9D8B030D-6E8A-4147-A177-3AD203B41FA5}">
+                      <a16:colId xmlns:a16="http://schemas.microsoft.com/office/drawing/2014/main" val="1986698563"/>
+                    </a:ext>
+                  </a:extLst>
+                </a:gridCol>
+                <a:gridCol w="982530">
+                  <a:extLst>
+                    <a:ext uri="{9D8B030D-6E8A-4147-A177-3AD203B41FA5}">
+                      <a16:colId xmlns:a16="http://schemas.microsoft.com/office/drawing/2014/main" val="621528173"/>
+                    </a:ext>
+                  </a:extLst>
+                </a:gridCol>
+                <a:gridCol w="998632">
+                  <a:extLst>
+                    <a:ext uri="{9D8B030D-6E8A-4147-A177-3AD203B41FA5}">
+                      <a16:colId xmlns:a16="http://schemas.microsoft.com/office/drawing/2014/main" val="3612687831"/>
+                    </a:ext>
+                  </a:extLst>
+                </a:gridCol>
+              </a:tblGrid>
+              <a:tr h="501787">
+                <a:tc>
+                  <a:txBody>
+                    <a:bodyPr/>
+                    <a:lstStyle/>
+                    <a:p>
+                      <a:pPr algn="ctr"/>
+                      <a:r>
+                        <a:rPr lang="en-US" sz="2000" b="1" cap="none" spc="0" dirty="0">
+                          <a:ln>
+                            <a:noFill/>
+                          </a:ln>
+                          <a:solidFill>
+                            <a:schemeClr val="tx1"/>
+                          </a:solidFill>
+                          <a:effectLst/>
+                        </a:rPr>
+                        <a:t>10</a:t>
+                      </a:r>
+                    </a:p>
+                  </a:txBody>
+                  <a:tcPr anchor="ctr">
+                    <a:noFill/>
+                  </a:tcPr>
+                </a:tc>
+                <a:tc>
+                  <a:txBody>
+                    <a:bodyPr/>
+                    <a:lstStyle/>
+                    <a:p>
+                      <a:pPr algn="ctr"/>
+                      <a:r>
+                        <a:rPr lang="en-US" sz="2000" b="1" cap="none" spc="0" dirty="0">
+                          <a:ln>
+                            <a:noFill/>
+                          </a:ln>
+                          <a:solidFill>
+                            <a:schemeClr val="tx1"/>
+                          </a:solidFill>
+                          <a:effectLst/>
+                        </a:rPr>
+                        <a:t>20</a:t>
+                      </a:r>
+                    </a:p>
+                  </a:txBody>
+                  <a:tcPr anchor="ctr">
+                    <a:solidFill>
+                      <a:srgbClr val="00B050"/>
+                    </a:solidFill>
+                  </a:tcPr>
+                </a:tc>
+                <a:tc>
+                  <a:txBody>
+                    <a:bodyPr/>
+                    <a:lstStyle/>
+                    <a:p>
+                      <a:pPr algn="ctr"/>
+                      <a:r>
+                        <a:rPr lang="en-US" sz="2000" b="1" cap="none" spc="0" dirty="0">
+                          <a:ln>
+                            <a:noFill/>
+                          </a:ln>
+                          <a:solidFill>
+                            <a:schemeClr val="tx1"/>
+                          </a:solidFill>
+                          <a:effectLst/>
+                        </a:rPr>
+                        <a:t>40</a:t>
+                      </a:r>
+                    </a:p>
+                  </a:txBody>
+                  <a:tcPr anchor="ctr">
+                    <a:noFill/>
+                  </a:tcPr>
+                </a:tc>
+                <a:tc>
+                  <a:txBody>
+                    <a:bodyPr/>
+                    <a:lstStyle/>
+                    <a:p>
+                      <a:pPr algn="ctr"/>
+                      <a:r>
+                        <a:rPr lang="en-US" sz="2000" b="1" cap="none" spc="0" dirty="0">
+                          <a:ln>
+                            <a:noFill/>
+                          </a:ln>
+                          <a:solidFill>
+                            <a:schemeClr val="tx1"/>
+                          </a:solidFill>
+                          <a:effectLst/>
+                        </a:rPr>
+                        <a:t>30</a:t>
+                      </a:r>
+                    </a:p>
+                  </a:txBody>
+                  <a:tcPr anchor="ctr">
+                    <a:noFill/>
+                  </a:tcPr>
+                </a:tc>
+                <a:extLst>
+                  <a:ext uri="{0D108BD9-81ED-4DB2-BD59-A6C34878D82A}">
+                    <a16:rowId xmlns:a16="http://schemas.microsoft.com/office/drawing/2014/main" val="3319565494"/>
+                  </a:ext>
+                </a:extLst>
+              </a:tr>
+              <a:tr h="434942">
+                <a:tc>
+                  <a:txBody>
+                    <a:bodyPr/>
+                    <a:lstStyle/>
+                    <a:p>
+                      <a:pPr algn="ctr"/>
+                      <a:r>
+                        <a:rPr lang="en-US" sz="2000" b="0" cap="none" spc="0" dirty="0">
+                          <a:ln>
+                            <a:noFill/>
+                          </a:ln>
+                          <a:solidFill>
+                            <a:schemeClr val="tx1"/>
+                          </a:solidFill>
+                          <a:effectLst/>
+                        </a:rPr>
+                        <a:t>0</a:t>
+                      </a:r>
+                    </a:p>
+                  </a:txBody>
+                  <a:tcPr anchor="ctr">
+                    <a:noFill/>
+                  </a:tcPr>
+                </a:tc>
+                <a:tc>
+                  <a:txBody>
+                    <a:bodyPr/>
+                    <a:lstStyle/>
+                    <a:p>
+                      <a:pPr algn="ctr"/>
+                      <a:r>
+                        <a:rPr lang="en-US" sz="2000" b="0" cap="none" spc="0" dirty="0">
+                          <a:ln>
+                            <a:noFill/>
+                          </a:ln>
+                          <a:solidFill>
+                            <a:schemeClr val="tx1"/>
+                          </a:solidFill>
+                          <a:effectLst/>
+                        </a:rPr>
+                        <a:t>1</a:t>
+                      </a:r>
+                    </a:p>
+                  </a:txBody>
+                  <a:tcPr anchor="ctr">
+                    <a:noFill/>
+                  </a:tcPr>
+                </a:tc>
+                <a:tc>
+                  <a:txBody>
+                    <a:bodyPr/>
+                    <a:lstStyle/>
+                    <a:p>
+                      <a:pPr algn="ctr"/>
+                      <a:r>
+                        <a:rPr lang="en-US" sz="2000" b="0" cap="none" spc="0" dirty="0">
+                          <a:ln>
+                            <a:noFill/>
+                          </a:ln>
+                          <a:solidFill>
+                            <a:schemeClr val="tx1"/>
+                          </a:solidFill>
+                          <a:effectLst/>
+                        </a:rPr>
+                        <a:t>2</a:t>
+                      </a:r>
+                    </a:p>
+                  </a:txBody>
+                  <a:tcPr anchor="ctr">
+                    <a:noFill/>
+                  </a:tcPr>
+                </a:tc>
+                <a:tc>
+                  <a:txBody>
+                    <a:bodyPr/>
+                    <a:lstStyle/>
+                    <a:p>
+                      <a:pPr algn="ctr"/>
+                      <a:r>
+                        <a:rPr lang="en-US" sz="2000" b="0" cap="none" spc="0" dirty="0">
+                          <a:ln>
+                            <a:noFill/>
+                          </a:ln>
+                          <a:solidFill>
+                            <a:schemeClr val="tx1"/>
+                          </a:solidFill>
+                          <a:effectLst/>
+                        </a:rPr>
+                        <a:t>3</a:t>
+                      </a:r>
+                    </a:p>
+                  </a:txBody>
+                  <a:tcPr anchor="ctr">
+                    <a:noFill/>
+                  </a:tcPr>
+                </a:tc>
+                <a:extLst>
+                  <a:ext uri="{0D108BD9-81ED-4DB2-BD59-A6C34878D82A}">
+                    <a16:rowId xmlns:a16="http://schemas.microsoft.com/office/drawing/2014/main" val="1211151737"/>
+                  </a:ext>
+                </a:extLst>
+              </a:tr>
+            </a:tbl>
+          </a:graphicData>
+        </a:graphic>
+      </p:graphicFrame>
+      <p:sp>
+        <p:nvSpPr>
+          <p:cNvPr id="39" name="TextBox 38">
+            <a:extLst>
+              <a:ext uri="{FF2B5EF4-FFF2-40B4-BE49-F238E27FC236}">
+                <a16:creationId xmlns:a16="http://schemas.microsoft.com/office/drawing/2014/main" id="{4EFFF351-4BF7-564A-1E8B-73EB17BA38D4}"/>
+              </a:ext>
+            </a:extLst>
+          </p:cNvPr>
+          <p:cNvSpPr txBox="1"/>
+          <p:nvPr/>
+        </p:nvSpPr>
+        <p:spPr>
+          <a:xfrm>
+            <a:off x="787418" y="3855259"/>
+            <a:ext cx="566164" cy="707886"/>
+          </a:xfrm>
+          <a:prstGeom prst="rect">
+            <a:avLst/>
+          </a:prstGeom>
+          <a:noFill/>
+          <a:effectLst>
+            <a:glow rad="63500">
+              <a:schemeClr val="accent2">
+                <a:satMod val="175000"/>
+                <a:alpha val="0"/>
+              </a:schemeClr>
+            </a:glow>
+          </a:effectLst>
+        </p:spPr>
+        <p:txBody>
+          <a:bodyPr wrap="square" rtlCol="0">
+            <a:spAutoFit/>
+          </a:bodyPr>
+          <a:lstStyle>
+            <a:defPPr>
+              <a:defRPr lang="en-US"/>
+            </a:defPPr>
+            <a:lvl1pPr>
+              <a:defRPr sz="2000">
+                <a:solidFill>
+                  <a:schemeClr val="bg2"/>
+                </a:solidFill>
+              </a:defRPr>
+            </a:lvl1pPr>
+          </a:lstStyle>
+          <a:p>
+            <a:r>
+              <a:rPr lang="en-US" dirty="0">
+                <a:solidFill>
+                  <a:schemeClr val="tx1"/>
+                </a:solidFill>
+              </a:rPr>
+              <a:t>p</a:t>
+            </a:r>
+          </a:p>
+          <a:p>
+            <a:r>
+              <a:rPr lang="en-US" dirty="0">
+                <a:solidFill>
+                  <a:schemeClr val="tx1"/>
+                </a:solidFill>
+              </a:rPr>
+              <a:t>low</a:t>
+            </a:r>
+          </a:p>
+        </p:txBody>
+      </p:sp>
+      <p:sp>
+        <p:nvSpPr>
+          <p:cNvPr id="40" name="TextBox 39">
+            <a:extLst>
+              <a:ext uri="{FF2B5EF4-FFF2-40B4-BE49-F238E27FC236}">
+                <a16:creationId xmlns:a16="http://schemas.microsoft.com/office/drawing/2014/main" id="{56C55628-2893-FA2F-9650-0A7A904D34AE}"/>
+              </a:ext>
+            </a:extLst>
+          </p:cNvPr>
+          <p:cNvSpPr txBox="1"/>
+          <p:nvPr/>
+        </p:nvSpPr>
+        <p:spPr>
+          <a:xfrm>
+            <a:off x="2792642" y="3920645"/>
+            <a:ext cx="566164" cy="400110"/>
+          </a:xfrm>
+          <a:prstGeom prst="rect">
+            <a:avLst/>
+          </a:prstGeom>
+          <a:noFill/>
+          <a:effectLst>
+            <a:glow rad="63500">
+              <a:schemeClr val="accent2">
+                <a:satMod val="175000"/>
+                <a:alpha val="0"/>
+              </a:schemeClr>
+            </a:glow>
+          </a:effectLst>
+        </p:spPr>
+        <p:txBody>
+          <a:bodyPr wrap="square" rtlCol="0">
+            <a:spAutoFit/>
+          </a:bodyPr>
+          <a:lstStyle>
+            <a:defPPr>
+              <a:defRPr lang="en-US"/>
+            </a:defPPr>
+            <a:lvl1pPr>
+              <a:defRPr sz="2000">
+                <a:solidFill>
+                  <a:schemeClr val="bg2"/>
+                </a:solidFill>
+              </a:defRPr>
+            </a:lvl1pPr>
+          </a:lstStyle>
+          <a:p>
+            <a:r>
+              <a:rPr lang="en-US" dirty="0">
+                <a:solidFill>
+                  <a:schemeClr val="tx1"/>
+                </a:solidFill>
+              </a:rPr>
+              <a:t>i</a:t>
+            </a:r>
+          </a:p>
+        </p:txBody>
+      </p:sp>
+      <p:sp>
+        <p:nvSpPr>
+          <p:cNvPr id="41" name="TextBox 40">
+            <a:extLst>
+              <a:ext uri="{FF2B5EF4-FFF2-40B4-BE49-F238E27FC236}">
+                <a16:creationId xmlns:a16="http://schemas.microsoft.com/office/drawing/2014/main" id="{EF36B1C2-D57B-38F8-556F-D7547D1C2CD3}"/>
+              </a:ext>
+            </a:extLst>
+          </p:cNvPr>
+          <p:cNvSpPr txBox="1"/>
+          <p:nvPr/>
+        </p:nvSpPr>
+        <p:spPr>
+          <a:xfrm>
+            <a:off x="1790030" y="3914061"/>
+            <a:ext cx="566164" cy="400110"/>
+          </a:xfrm>
+          <a:prstGeom prst="rect">
+            <a:avLst/>
+          </a:prstGeom>
+          <a:noFill/>
+          <a:effectLst>
+            <a:glow rad="63500">
+              <a:schemeClr val="accent2">
+                <a:satMod val="175000"/>
+                <a:alpha val="0"/>
+              </a:schemeClr>
+            </a:glow>
+          </a:effectLst>
+        </p:spPr>
+        <p:txBody>
+          <a:bodyPr wrap="square" rtlCol="0">
+            <a:spAutoFit/>
+          </a:bodyPr>
+          <a:lstStyle>
+            <a:defPPr>
+              <a:defRPr lang="en-US"/>
+            </a:defPPr>
+            <a:lvl1pPr>
+              <a:defRPr sz="2000">
+                <a:solidFill>
+                  <a:schemeClr val="bg2"/>
+                </a:solidFill>
+              </a:defRPr>
+            </a:lvl1pPr>
+          </a:lstStyle>
+          <a:p>
+            <a:r>
+              <a:rPr lang="en-US" dirty="0">
+                <a:solidFill>
+                  <a:schemeClr val="tx1"/>
+                </a:solidFill>
+              </a:rPr>
+              <a:t>j</a:t>
+            </a:r>
+          </a:p>
+        </p:txBody>
+      </p:sp>
+      <p:sp>
+        <p:nvSpPr>
+          <p:cNvPr id="42" name="TextBox 41">
+            <a:extLst>
+              <a:ext uri="{FF2B5EF4-FFF2-40B4-BE49-F238E27FC236}">
+                <a16:creationId xmlns:a16="http://schemas.microsoft.com/office/drawing/2014/main" id="{F607ED97-1E71-EAAB-E800-85DF6359D7E2}"/>
+              </a:ext>
+            </a:extLst>
+          </p:cNvPr>
+          <p:cNvSpPr txBox="1"/>
+          <p:nvPr/>
+        </p:nvSpPr>
+        <p:spPr>
+          <a:xfrm>
+            <a:off x="3605253" y="4009147"/>
+            <a:ext cx="664403" cy="400110"/>
+          </a:xfrm>
+          <a:prstGeom prst="rect">
+            <a:avLst/>
+          </a:prstGeom>
+          <a:noFill/>
+          <a:effectLst>
+            <a:glow rad="63500">
+              <a:schemeClr val="accent2">
+                <a:satMod val="175000"/>
+                <a:alpha val="0"/>
+              </a:schemeClr>
+            </a:glow>
+          </a:effectLst>
+        </p:spPr>
+        <p:txBody>
+          <a:bodyPr wrap="square" rtlCol="0">
+            <a:spAutoFit/>
+          </a:bodyPr>
+          <a:lstStyle>
+            <a:defPPr>
+              <a:defRPr lang="en-US"/>
+            </a:defPPr>
+            <a:lvl1pPr>
+              <a:defRPr sz="2000">
+                <a:solidFill>
+                  <a:schemeClr val="bg2"/>
+                </a:solidFill>
+              </a:defRPr>
+            </a:lvl1pPr>
+          </a:lstStyle>
+          <a:p>
+            <a:r>
+              <a:rPr lang="en-US" dirty="0">
+                <a:solidFill>
+                  <a:schemeClr val="tx1"/>
+                </a:solidFill>
+              </a:rPr>
+              <a:t>high</a:t>
+            </a:r>
+          </a:p>
+        </p:txBody>
+      </p:sp>
+    </p:spTree>
+    <p:extLst>
+      <p:ext uri="{BB962C8B-B14F-4D97-AF65-F5344CB8AC3E}">
+        <p14:creationId xmlns:p14="http://schemas.microsoft.com/office/powerpoint/2010/main" val="3388272737"/>
+      </p:ext>
+    </p:extLst>
+  </p:cSld>
+  <p:clrMapOvr>
+    <a:masterClrMapping/>
+  </p:clrMapOvr>
+  <p:timing>
+    <p:tnLst>
+      <p:par>
+        <p:cTn id="1" dur="indefinite" restart="never" nodeType="tmRoot">
+          <p:childTnLst>
+            <p:seq concurrent="1" nextAc="seek">
+              <p:cTn id="2" dur="indefinite" nodeType="mainSeq">
+                <p:childTnLst>
+                  <p:par>
+                    <p:cTn id="3" fill="hold">
+                      <p:stCondLst>
+                        <p:cond delay="indefinite"/>
+                      </p:stCondLst>
+                      <p:childTnLst>
+                        <p:par>
+                          <p:cTn id="4" fill="hold">
+                            <p:stCondLst>
+                              <p:cond delay="0"/>
+                            </p:stCondLst>
+                            <p:childTnLst>
+                              <p:par>
+                                <p:cTn id="5" presetID="6" presetClass="entr" presetSubtype="16" fill="hold" grpId="0" nodeType="clickEffect">
+                                  <p:stCondLst>
+                                    <p:cond delay="0"/>
+                                  </p:stCondLst>
+                                  <p:childTnLst>
+                                    <p:set>
+                                      <p:cBhvr>
+                                        <p:cTn id="6" dur="1" fill="hold">
+                                          <p:stCondLst>
+                                            <p:cond delay="0"/>
+                                          </p:stCondLst>
+                                        </p:cTn>
+                                        <p:tgtEl>
+                                          <p:spTgt spid="6"/>
+                                        </p:tgtEl>
+                                        <p:attrNameLst>
+                                          <p:attrName>style.visibility</p:attrName>
+                                        </p:attrNameLst>
+                                      </p:cBhvr>
+                                      <p:to>
+                                        <p:strVal val="visible"/>
+                                      </p:to>
+                                    </p:set>
+                                    <p:animEffect transition="in" filter="circle(in)">
+                                      <p:cBhvr>
+                                        <p:cTn id="7" dur="2000"/>
+                                        <p:tgtEl>
+                                          <p:spTgt spid="6"/>
+                                        </p:tgtEl>
+                                      </p:cBhvr>
+                                    </p:animEffect>
+                                  </p:childTnLst>
+                                </p:cTn>
+                              </p:par>
+                            </p:childTnLst>
+                          </p:cTn>
+                        </p:par>
+                      </p:childTnLst>
+                    </p:cTn>
+                  </p:par>
+                </p:childTnLst>
+              </p:cTn>
+              <p:prevCondLst>
+                <p:cond evt="onPrev" delay="0">
+                  <p:tgtEl>
+                    <p:sldTgt/>
+                  </p:tgtEl>
+                </p:cond>
+              </p:prevCondLst>
+              <p:nextCondLst>
+                <p:cond evt="onNext" delay="0">
+                  <p:tgtEl>
+                    <p:sldTgt/>
+                  </p:tgtEl>
+                </p:cond>
+              </p:nextCondLst>
+            </p:seq>
+          </p:childTnLst>
+        </p:cTn>
+      </p:par>
+    </p:tnLst>
+    <p:bldLst>
+      <p:bldP spid="6" grpId="0" animBg="1"/>
+    </p:bldLst>
+  </p:timing>
+</p:sld>
+</file>
+
+<file path=ppt/slides/slide12.xml><?xml version="1.0" encoding="utf-8"?>
+<p:sld xmlns:a="http://schemas.openxmlformats.org/drawingml/2006/main" xmlns:r="http://schemas.openxmlformats.org/officeDocument/2006/relationships" xmlns:p="http://schemas.openxmlformats.org/presentationml/2006/main">
+  <p:cSld>
+    <p:bg>
+      <p:bgPr>
+        <a:solidFill>
+          <a:schemeClr val="bg2">
+            <a:lumMod val="50000"/>
+          </a:schemeClr>
+        </a:solidFill>
+        <a:effectLst/>
+      </p:bgPr>
+    </p:bg>
+    <p:spTree>
+      <p:nvGrpSpPr>
+        <p:cNvPr id="1" name=""/>
+        <p:cNvGrpSpPr/>
+        <p:nvPr/>
+      </p:nvGrpSpPr>
+      <p:grpSpPr>
+        <a:xfrm>
+          <a:off x="0" y="0"/>
+          <a:ext cx="0" cy="0"/>
+          <a:chOff x="0" y="0"/>
+          <a:chExt cx="0" cy="0"/>
+        </a:xfrm>
+      </p:grpSpPr>
+      <p:sp>
+        <p:nvSpPr>
+          <p:cNvPr id="6" name="Rectangle 5">
+            <a:extLst>
+              <a:ext uri="{FF2B5EF4-FFF2-40B4-BE49-F238E27FC236}">
+                <a16:creationId xmlns:a16="http://schemas.microsoft.com/office/drawing/2014/main" id="{6099DF02-D76D-BF47-A246-D5D13BF51E65}"/>
+              </a:ext>
+            </a:extLst>
+          </p:cNvPr>
+          <p:cNvSpPr/>
+          <p:nvPr/>
+        </p:nvSpPr>
+        <p:spPr>
+          <a:xfrm>
+            <a:off x="0" y="0"/>
+            <a:ext cx="12192000" cy="6858000"/>
+          </a:xfrm>
+          <a:prstGeom prst="rect">
+            <a:avLst/>
+          </a:prstGeom>
+          <a:blipFill>
+            <a:blip r:embed="rId3"/>
+            <a:tile tx="0" ty="0" sx="100000" sy="100000" flip="none" algn="tl"/>
+          </a:blipFill>
+          <a:ln>
+            <a:noFill/>
+          </a:ln>
+          <a:effectLst>
+            <a:outerShdw blurRad="63500" dist="152400" dir="3000000" algn="tl" rotWithShape="0">
+              <a:prstClr val="black">
+                <a:alpha val="40000"/>
+              </a:prstClr>
+            </a:outerShdw>
+            <a:softEdge rad="25400"/>
+          </a:effectLst>
+        </p:spPr>
+        <p:style>
+          <a:lnRef idx="2">
+            <a:schemeClr val="accent1">
+              <a:shade val="50000"/>
+            </a:schemeClr>
+          </a:lnRef>
+          <a:fillRef idx="1">
+            <a:schemeClr val="accent1"/>
+          </a:fillRef>
+          <a:effectRef idx="0">
+            <a:schemeClr val="accent1"/>
+          </a:effectRef>
+          <a:fontRef idx="minor">
+            <a:schemeClr val="lt1"/>
+          </a:fontRef>
+        </p:style>
+        <p:txBody>
+          <a:bodyPr rtlCol="0" anchor="ctr"/>
+          <a:lstStyle/>
+          <a:p>
+            <a:pPr algn="ctr"/>
+            <a:endParaRPr lang="en-US" sz="2800" dirty="0"/>
+          </a:p>
+        </p:txBody>
+      </p:sp>
+      <p:cxnSp>
+        <p:nvCxnSpPr>
+          <p:cNvPr id="9" name="Straight Connector 8">
+            <a:extLst>
+              <a:ext uri="{FF2B5EF4-FFF2-40B4-BE49-F238E27FC236}">
+                <a16:creationId xmlns:a16="http://schemas.microsoft.com/office/drawing/2014/main" id="{AA4D4064-94AA-5E4D-AB14-C932D2779787}"/>
+              </a:ext>
+            </a:extLst>
+          </p:cNvPr>
+          <p:cNvCxnSpPr>
+            <a:cxnSpLocks/>
+          </p:cNvCxnSpPr>
+          <p:nvPr/>
+        </p:nvCxnSpPr>
+        <p:spPr>
+          <a:xfrm>
+            <a:off x="11637148" y="-871671"/>
+            <a:ext cx="1" cy="6858000"/>
+          </a:xfrm>
+          <a:prstGeom prst="line">
+            <a:avLst/>
+          </a:prstGeom>
+          <a:ln w="38100">
+            <a:solidFill>
+              <a:schemeClr val="accent4">
+                <a:lumMod val="50000"/>
+              </a:schemeClr>
+            </a:solidFill>
+            <a:prstDash val="lgDash"/>
+          </a:ln>
+        </p:spPr>
+        <p:style>
+          <a:lnRef idx="1">
+            <a:schemeClr val="accent1"/>
+          </a:lnRef>
+          <a:fillRef idx="0">
+            <a:schemeClr val="accent1"/>
+          </a:fillRef>
+          <a:effectRef idx="0">
+            <a:schemeClr val="accent1"/>
+          </a:effectRef>
+          <a:fontRef idx="minor">
+            <a:schemeClr val="tx1"/>
+          </a:fontRef>
+        </p:style>
+      </p:cxnSp>
+      <p:sp>
+        <p:nvSpPr>
+          <p:cNvPr id="19" name="TextBox 18">
+            <a:extLst>
+              <a:ext uri="{FF2B5EF4-FFF2-40B4-BE49-F238E27FC236}">
+                <a16:creationId xmlns:a16="http://schemas.microsoft.com/office/drawing/2014/main" id="{1321EB9C-73B2-2F46-B64F-FD140F3B7D01}"/>
+              </a:ext>
+            </a:extLst>
+          </p:cNvPr>
+          <p:cNvSpPr txBox="1"/>
+          <p:nvPr/>
+        </p:nvSpPr>
+        <p:spPr>
+          <a:xfrm>
+            <a:off x="383934" y="348334"/>
+            <a:ext cx="11086016" cy="2308324"/>
+          </a:xfrm>
+          <a:prstGeom prst="rect">
+            <a:avLst/>
+          </a:prstGeom>
+          <a:noFill/>
+          <a:effectLst>
+            <a:glow rad="63500">
+              <a:schemeClr val="accent2">
+                <a:satMod val="175000"/>
+                <a:alpha val="0"/>
+              </a:schemeClr>
+            </a:glow>
+          </a:effectLst>
+        </p:spPr>
+        <p:txBody>
+          <a:bodyPr wrap="square" rtlCol="0">
+            <a:spAutoFit/>
+          </a:bodyPr>
+          <a:lstStyle/>
+          <a:p>
+            <a:r>
+              <a:rPr lang="en-US" dirty="0"/>
+              <a:t>Go to desired folder</a:t>
+            </a:r>
+          </a:p>
+          <a:p>
+            <a:r>
+              <a:rPr lang="en-US" dirty="0"/>
+              <a:t>dotnet new console --name </a:t>
+            </a:r>
+            <a:r>
+              <a:rPr lang="en-US" dirty="0" err="1"/>
+              <a:t>DataStructures.QuickSortProj</a:t>
+            </a:r>
+            <a:endParaRPr lang="en-US" dirty="0"/>
+          </a:p>
+          <a:p>
+            <a:r>
+              <a:rPr lang="en-US" dirty="0"/>
+              <a:t>dotnet new </a:t>
+            </a:r>
+            <a:r>
+              <a:rPr lang="en-US" dirty="0" err="1"/>
+              <a:t>xunit</a:t>
+            </a:r>
+            <a:r>
+              <a:rPr lang="en-US" dirty="0"/>
+              <a:t> --name </a:t>
+            </a:r>
+            <a:r>
+              <a:rPr lang="en-US" dirty="0" err="1"/>
+              <a:t>DataStructures.QuickSortProj.Tests</a:t>
+            </a:r>
+            <a:endParaRPr lang="en-US" dirty="0"/>
+          </a:p>
+          <a:p>
+            <a:r>
+              <a:rPr lang="en-US" dirty="0"/>
+              <a:t>dotnet add ./</a:t>
+            </a:r>
+            <a:r>
+              <a:rPr lang="en-US" dirty="0" err="1"/>
+              <a:t>DataStructures.QuickSortProj.Tests</a:t>
+            </a:r>
+            <a:r>
+              <a:rPr lang="en-US" dirty="0"/>
+              <a:t>/</a:t>
+            </a:r>
+            <a:r>
+              <a:rPr lang="en-US" dirty="0" err="1"/>
+              <a:t>DataStructures.QuickSortProj.Tests.csproj</a:t>
+            </a:r>
+            <a:r>
+              <a:rPr lang="en-US" dirty="0"/>
+              <a:t> reference ./</a:t>
+            </a:r>
+            <a:r>
+              <a:rPr lang="en-US" dirty="0" err="1"/>
+              <a:t>DataStructures.QuickSortProj</a:t>
+            </a:r>
+            <a:r>
+              <a:rPr lang="en-US" dirty="0"/>
+              <a:t>/</a:t>
+            </a:r>
+            <a:r>
+              <a:rPr lang="en-US" dirty="0" err="1"/>
+              <a:t>DataStructures.QuickSortProj.csproj</a:t>
+            </a:r>
+            <a:endParaRPr lang="en-US" dirty="0"/>
+          </a:p>
+          <a:p>
+            <a:endParaRPr lang="en-US" dirty="0"/>
+          </a:p>
+          <a:p>
+            <a:r>
+              <a:rPr lang="en-US" dirty="0"/>
+              <a:t>dotnet add app/</a:t>
+            </a:r>
+            <a:r>
+              <a:rPr lang="en-US" dirty="0" err="1"/>
+              <a:t>app.csproj</a:t>
+            </a:r>
+            <a:r>
+              <a:rPr lang="en-US" dirty="0"/>
+              <a:t> reference lib/</a:t>
+            </a:r>
+            <a:r>
+              <a:rPr lang="en-US" dirty="0" err="1"/>
+              <a:t>lib.csproj</a:t>
+            </a:r>
+            <a:endParaRPr lang="en-US" sz="2000" dirty="0"/>
+          </a:p>
+          <a:p>
+            <a:endParaRPr lang="en-US" dirty="0"/>
+          </a:p>
+        </p:txBody>
+      </p:sp>
+    </p:spTree>
+    <p:extLst>
+      <p:ext uri="{BB962C8B-B14F-4D97-AF65-F5344CB8AC3E}">
+        <p14:creationId xmlns:p14="http://schemas.microsoft.com/office/powerpoint/2010/main" val="3617288145"/>
       </p:ext>
     </p:extLst>
   </p:cSld>
@@ -7276,7 +12534,13 @@
           <p:cNvGraphicFramePr>
             <a:graphicFrameLocks noGrp="1"/>
           </p:cNvGraphicFramePr>
-          <p:nvPr/>
+          <p:nvPr>
+            <p:extLst>
+              <p:ext uri="{D42A27DB-BD31-4B8C-83A1-F6EECF244321}">
+                <p14:modId xmlns:p14="http://schemas.microsoft.com/office/powerpoint/2010/main" val="648140342"/>
+              </p:ext>
+            </p:extLst>
+          </p:nvPr>
         </p:nvGraphicFramePr>
         <p:xfrm>
           <a:off x="957536" y="345838"/>
@@ -8070,7 +13334,7 @@
           <p:nvPr>
             <p:extLst>
               <p:ext uri="{D42A27DB-BD31-4B8C-83A1-F6EECF244321}">
-                <p14:modId xmlns:p14="http://schemas.microsoft.com/office/powerpoint/2010/main" val="1372758171"/>
+                <p14:modId xmlns:p14="http://schemas.microsoft.com/office/powerpoint/2010/main" val="214851872"/>
               </p:ext>
             </p:extLst>
           </p:nvPr>
@@ -10918,7 +16182,7 @@
                   <a:schemeClr val="tx1"/>
                 </a:solidFill>
               </a:rPr>
-              <a:t>If “i” and “j” don’t cross each other, swap a[j] , a[j]</a:t>
+              <a:t>If “i” and “j” don’t cross each other, swap a[i] , a[j]</a:t>
             </a:r>
           </a:p>
         </p:txBody>
@@ -15586,7 +20850,7 @@
                   <a:schemeClr val="tx1"/>
                 </a:solidFill>
               </a:rPr>
-              <a:t>If “i” and “j” don’t cross each other, swap a[j] , a[j]</a:t>
+              <a:t>If “i” and “j” don’t cross each other, swap a[i] , a[j]</a:t>
             </a:r>
           </a:p>
         </p:txBody>
@@ -22773,16 +28037,6 @@
 <file path=ppt/slides/slide8.xml><?xml version="1.0" encoding="utf-8"?>
 <p:sld xmlns:a="http://schemas.openxmlformats.org/drawingml/2006/main" xmlns:r="http://schemas.openxmlformats.org/officeDocument/2006/relationships" xmlns:p="http://schemas.openxmlformats.org/presentationml/2006/main">
   <p:cSld>
-    <p:bg>
-      <p:bgPr>
-        <a:solidFill>
-          <a:schemeClr val="bg2">
-            <a:lumMod val="50000"/>
-          </a:schemeClr>
-        </a:solidFill>
-        <a:effectLst/>
-      </p:bgPr>
-    </p:bg>
     <p:spTree>
       <p:nvGrpSpPr>
         <p:cNvPr id="1" name=""/>
@@ -22811,8 +28065,8 @@
         </p:nvSpPr>
         <p:spPr>
           <a:xfrm>
-            <a:off x="0" y="0"/>
-            <a:ext cx="12192000" cy="6858000"/>
+            <a:off x="-1" y="7521"/>
+            <a:ext cx="12191997" cy="6858000"/>
           </a:xfrm>
           <a:prstGeom prst="rect">
             <a:avLst/>
@@ -22854,7 +28108,7 @@
           <a:lstStyle/>
           <a:p>
             <a:pPr algn="ctr"/>
-            <a:endParaRPr lang="en-US" sz="2800" dirty="0"/>
+            <a:endParaRPr lang="en-US" dirty="0"/>
           </a:p>
         </p:txBody>
       </p:sp>
@@ -22874,7 +28128,7 @@
         </p:nvCxnSpPr>
         <p:spPr>
           <a:xfrm>
-            <a:off x="11637148" y="-871671"/>
+            <a:off x="11656643" y="7521"/>
             <a:ext cx="1" cy="6858000"/>
           </a:xfrm>
           <a:prstGeom prst="line">
@@ -22904,12 +28158,609 @@
           </a:fontRef>
         </p:style>
       </p:cxnSp>
+      <p:graphicFrame>
+        <p:nvGraphicFramePr>
+          <p:cNvPr id="45" name="Table 2">
+            <a:extLst>
+              <a:ext uri="{FF2B5EF4-FFF2-40B4-BE49-F238E27FC236}">
+                <a16:creationId xmlns:a16="http://schemas.microsoft.com/office/drawing/2014/main" id="{6828A262-BD53-3643-9F2F-5F72ABA89EC3}"/>
+              </a:ext>
+            </a:extLst>
+          </p:cNvPr>
+          <p:cNvGraphicFramePr>
+            <a:graphicFrameLocks noGrp="1"/>
+          </p:cNvGraphicFramePr>
+          <p:nvPr/>
+        </p:nvGraphicFramePr>
+        <p:xfrm>
+          <a:off x="777845" y="382559"/>
+          <a:ext cx="9897574" cy="936729"/>
+        </p:xfrm>
+        <a:graphic>
+          <a:graphicData uri="http://schemas.openxmlformats.org/drawingml/2006/table">
+            <a:tbl>
+              <a:tblPr>
+                <a:effectLst/>
+                <a:tableStyleId>{5C22544A-7EE6-4342-B048-85BDC9FD1C3A}</a:tableStyleId>
+              </a:tblPr>
+              <a:tblGrid>
+                <a:gridCol w="896624">
+                  <a:extLst>
+                    <a:ext uri="{9D8B030D-6E8A-4147-A177-3AD203B41FA5}">
+                      <a16:colId xmlns:a16="http://schemas.microsoft.com/office/drawing/2014/main" val="903445238"/>
+                    </a:ext>
+                  </a:extLst>
+                </a:gridCol>
+                <a:gridCol w="924466">
+                  <a:extLst>
+                    <a:ext uri="{9D8B030D-6E8A-4147-A177-3AD203B41FA5}">
+                      <a16:colId xmlns:a16="http://schemas.microsoft.com/office/drawing/2014/main" val="1986698563"/>
+                    </a:ext>
+                  </a:extLst>
+                </a:gridCol>
+                <a:gridCol w="982530">
+                  <a:extLst>
+                    <a:ext uri="{9D8B030D-6E8A-4147-A177-3AD203B41FA5}">
+                      <a16:colId xmlns:a16="http://schemas.microsoft.com/office/drawing/2014/main" val="621528173"/>
+                    </a:ext>
+                  </a:extLst>
+                </a:gridCol>
+                <a:gridCol w="998632">
+                  <a:extLst>
+                    <a:ext uri="{9D8B030D-6E8A-4147-A177-3AD203B41FA5}">
+                      <a16:colId xmlns:a16="http://schemas.microsoft.com/office/drawing/2014/main" val="3612687831"/>
+                    </a:ext>
+                  </a:extLst>
+                </a:gridCol>
+                <a:gridCol w="1015887">
+                  <a:extLst>
+                    <a:ext uri="{9D8B030D-6E8A-4147-A177-3AD203B41FA5}">
+                      <a16:colId xmlns:a16="http://schemas.microsoft.com/office/drawing/2014/main" val="3748818096"/>
+                    </a:ext>
+                  </a:extLst>
+                </a:gridCol>
+                <a:gridCol w="1015887">
+                  <a:extLst>
+                    <a:ext uri="{9D8B030D-6E8A-4147-A177-3AD203B41FA5}">
+                      <a16:colId xmlns:a16="http://schemas.microsoft.com/office/drawing/2014/main" val="3650268364"/>
+                    </a:ext>
+                  </a:extLst>
+                </a:gridCol>
+                <a:gridCol w="1015887">
+                  <a:extLst>
+                    <a:ext uri="{9D8B030D-6E8A-4147-A177-3AD203B41FA5}">
+                      <a16:colId xmlns:a16="http://schemas.microsoft.com/office/drawing/2014/main" val="2418022822"/>
+                    </a:ext>
+                  </a:extLst>
+                </a:gridCol>
+                <a:gridCol w="1015887">
+                  <a:extLst>
+                    <a:ext uri="{9D8B030D-6E8A-4147-A177-3AD203B41FA5}">
+                      <a16:colId xmlns:a16="http://schemas.microsoft.com/office/drawing/2014/main" val="2980166291"/>
+                    </a:ext>
+                  </a:extLst>
+                </a:gridCol>
+                <a:gridCol w="1015887">
+                  <a:extLst>
+                    <a:ext uri="{9D8B030D-6E8A-4147-A177-3AD203B41FA5}">
+                      <a16:colId xmlns:a16="http://schemas.microsoft.com/office/drawing/2014/main" val="1005056644"/>
+                    </a:ext>
+                  </a:extLst>
+                </a:gridCol>
+                <a:gridCol w="1015887">
+                  <a:extLst>
+                    <a:ext uri="{9D8B030D-6E8A-4147-A177-3AD203B41FA5}">
+                      <a16:colId xmlns:a16="http://schemas.microsoft.com/office/drawing/2014/main" val="3976546269"/>
+                    </a:ext>
+                  </a:extLst>
+                </a:gridCol>
+              </a:tblGrid>
+              <a:tr h="501787">
+                <a:tc>
+                  <a:txBody>
+                    <a:bodyPr/>
+                    <a:lstStyle/>
+                    <a:p>
+                      <a:pPr algn="ctr"/>
+                      <a:r>
+                        <a:rPr lang="en-US" sz="2000" b="1" cap="none" spc="0" dirty="0">
+                          <a:ln>
+                            <a:noFill/>
+                          </a:ln>
+                          <a:solidFill>
+                            <a:schemeClr val="tx1"/>
+                          </a:solidFill>
+                          <a:effectLst/>
+                        </a:rPr>
+                        <a:t>20</a:t>
+                      </a:r>
+                    </a:p>
+                  </a:txBody>
+                  <a:tcPr anchor="ctr">
+                    <a:noFill/>
+                  </a:tcPr>
+                </a:tc>
+                <a:tc>
+                  <a:txBody>
+                    <a:bodyPr/>
+                    <a:lstStyle/>
+                    <a:p>
+                      <a:pPr algn="ctr"/>
+                      <a:r>
+                        <a:rPr lang="en-US" sz="2000" b="1" cap="none" spc="0" dirty="0">
+                          <a:ln>
+                            <a:noFill/>
+                          </a:ln>
+                          <a:solidFill>
+                            <a:schemeClr val="tx1"/>
+                          </a:solidFill>
+                          <a:effectLst/>
+                        </a:rPr>
+                        <a:t>30</a:t>
+                      </a:r>
+                    </a:p>
+                  </a:txBody>
+                  <a:tcPr anchor="ctr">
+                    <a:noFill/>
+                  </a:tcPr>
+                </a:tc>
+                <a:tc>
+                  <a:txBody>
+                    <a:bodyPr/>
+                    <a:lstStyle/>
+                    <a:p>
+                      <a:pPr algn="ctr"/>
+                      <a:r>
+                        <a:rPr lang="en-US" sz="2000" b="1" cap="none" spc="0" dirty="0">
+                          <a:ln>
+                            <a:noFill/>
+                          </a:ln>
+                          <a:solidFill>
+                            <a:schemeClr val="tx1"/>
+                          </a:solidFill>
+                          <a:effectLst/>
+                        </a:rPr>
+                        <a:t>40</a:t>
+                      </a:r>
+                    </a:p>
+                  </a:txBody>
+                  <a:tcPr anchor="ctr">
+                    <a:noFill/>
+                  </a:tcPr>
+                </a:tc>
+                <a:tc>
+                  <a:txBody>
+                    <a:bodyPr/>
+                    <a:lstStyle/>
+                    <a:p>
+                      <a:pPr algn="ctr"/>
+                      <a:r>
+                        <a:rPr lang="en-US" sz="2000" b="1" cap="none" spc="0" dirty="0">
+                          <a:ln>
+                            <a:noFill/>
+                          </a:ln>
+                          <a:solidFill>
+                            <a:schemeClr val="tx1"/>
+                          </a:solidFill>
+                          <a:effectLst/>
+                        </a:rPr>
+                        <a:t>10</a:t>
+                      </a:r>
+                    </a:p>
+                  </a:txBody>
+                  <a:tcPr anchor="ctr">
+                    <a:noFill/>
+                  </a:tcPr>
+                </a:tc>
+                <a:tc>
+                  <a:txBody>
+                    <a:bodyPr/>
+                    <a:lstStyle/>
+                    <a:p>
+                      <a:pPr algn="ctr"/>
+                      <a:r>
+                        <a:rPr lang="en-US" sz="2000" b="1" cap="none" spc="0" dirty="0">
+                          <a:ln>
+                            <a:noFill/>
+                          </a:ln>
+                          <a:solidFill>
+                            <a:schemeClr val="tx1"/>
+                          </a:solidFill>
+                          <a:effectLst/>
+                        </a:rPr>
+                        <a:t>50</a:t>
+                      </a:r>
+                    </a:p>
+                  </a:txBody>
+                  <a:tcPr anchor="ctr">
+                    <a:solidFill>
+                      <a:srgbClr val="00B050"/>
+                    </a:solidFill>
+                  </a:tcPr>
+                </a:tc>
+                <a:tc>
+                  <a:txBody>
+                    <a:bodyPr/>
+                    <a:lstStyle/>
+                    <a:p>
+                      <a:pPr algn="ctr"/>
+                      <a:r>
+                        <a:rPr lang="en-US" sz="2000" b="1" cap="none" spc="0" dirty="0">
+                          <a:ln>
+                            <a:noFill/>
+                          </a:ln>
+                          <a:solidFill>
+                            <a:schemeClr val="tx1"/>
+                          </a:solidFill>
+                          <a:effectLst/>
+                        </a:rPr>
+                        <a:t>100</a:t>
+                      </a:r>
+                    </a:p>
+                  </a:txBody>
+                  <a:tcPr anchor="ctr">
+                    <a:noFill/>
+                  </a:tcPr>
+                </a:tc>
+                <a:tc>
+                  <a:txBody>
+                    <a:bodyPr/>
+                    <a:lstStyle/>
+                    <a:p>
+                      <a:pPr algn="ctr"/>
+                      <a:r>
+                        <a:rPr lang="en-US" sz="2000" b="1" cap="none" spc="0" dirty="0">
+                          <a:ln>
+                            <a:noFill/>
+                          </a:ln>
+                          <a:solidFill>
+                            <a:schemeClr val="tx1"/>
+                          </a:solidFill>
+                          <a:effectLst/>
+                        </a:rPr>
+                        <a:t>90</a:t>
+                      </a:r>
+                    </a:p>
+                  </a:txBody>
+                  <a:tcPr anchor="ctr">
+                    <a:noFill/>
+                  </a:tcPr>
+                </a:tc>
+                <a:tc>
+                  <a:txBody>
+                    <a:bodyPr/>
+                    <a:lstStyle/>
+                    <a:p>
+                      <a:pPr algn="ctr"/>
+                      <a:r>
+                        <a:rPr lang="en-US" sz="2000" b="1" cap="none" spc="0" dirty="0">
+                          <a:ln>
+                            <a:noFill/>
+                          </a:ln>
+                          <a:solidFill>
+                            <a:schemeClr val="tx1"/>
+                          </a:solidFill>
+                          <a:effectLst/>
+                        </a:rPr>
+                        <a:t>60</a:t>
+                      </a:r>
+                    </a:p>
+                  </a:txBody>
+                  <a:tcPr anchor="ctr">
+                    <a:noFill/>
+                  </a:tcPr>
+                </a:tc>
+                <a:tc>
+                  <a:txBody>
+                    <a:bodyPr/>
+                    <a:lstStyle/>
+                    <a:p>
+                      <a:pPr algn="ctr"/>
+                      <a:r>
+                        <a:rPr lang="en-US" sz="2000" b="1" cap="none" spc="0" dirty="0">
+                          <a:ln>
+                            <a:noFill/>
+                          </a:ln>
+                          <a:solidFill>
+                            <a:schemeClr val="tx1"/>
+                          </a:solidFill>
+                          <a:effectLst/>
+                        </a:rPr>
+                        <a:t>70</a:t>
+                      </a:r>
+                    </a:p>
+                  </a:txBody>
+                  <a:tcPr anchor="ctr">
+                    <a:noFill/>
+                  </a:tcPr>
+                </a:tc>
+                <a:tc>
+                  <a:txBody>
+                    <a:bodyPr/>
+                    <a:lstStyle/>
+                    <a:p>
+                      <a:pPr algn="ctr"/>
+                      <a:r>
+                        <a:rPr lang="en-US" sz="2000" b="1" cap="none" spc="0" dirty="0">
+                          <a:ln>
+                            <a:noFill/>
+                          </a:ln>
+                          <a:solidFill>
+                            <a:schemeClr val="tx1"/>
+                          </a:solidFill>
+                          <a:effectLst/>
+                        </a:rPr>
+                        <a:t>80</a:t>
+                      </a:r>
+                    </a:p>
+                  </a:txBody>
+                  <a:tcPr anchor="ctr">
+                    <a:noFill/>
+                  </a:tcPr>
+                </a:tc>
+                <a:extLst>
+                  <a:ext uri="{0D108BD9-81ED-4DB2-BD59-A6C34878D82A}">
+                    <a16:rowId xmlns:a16="http://schemas.microsoft.com/office/drawing/2014/main" val="3319565494"/>
+                  </a:ext>
+                </a:extLst>
+              </a:tr>
+              <a:tr h="434942">
+                <a:tc>
+                  <a:txBody>
+                    <a:bodyPr/>
+                    <a:lstStyle/>
+                    <a:p>
+                      <a:pPr algn="ctr"/>
+                      <a:r>
+                        <a:rPr lang="en-US" sz="2000" b="0" cap="none" spc="0" dirty="0">
+                          <a:ln>
+                            <a:noFill/>
+                          </a:ln>
+                          <a:solidFill>
+                            <a:schemeClr val="tx1"/>
+                          </a:solidFill>
+                          <a:effectLst/>
+                        </a:rPr>
+                        <a:t>0</a:t>
+                      </a:r>
+                    </a:p>
+                  </a:txBody>
+                  <a:tcPr anchor="ctr">
+                    <a:noFill/>
+                  </a:tcPr>
+                </a:tc>
+                <a:tc>
+                  <a:txBody>
+                    <a:bodyPr/>
+                    <a:lstStyle/>
+                    <a:p>
+                      <a:pPr algn="ctr"/>
+                      <a:r>
+                        <a:rPr lang="en-US" sz="2000" b="0" cap="none" spc="0" dirty="0">
+                          <a:ln>
+                            <a:noFill/>
+                          </a:ln>
+                          <a:solidFill>
+                            <a:schemeClr val="tx1"/>
+                          </a:solidFill>
+                          <a:effectLst/>
+                        </a:rPr>
+                        <a:t>1</a:t>
+                      </a:r>
+                    </a:p>
+                  </a:txBody>
+                  <a:tcPr anchor="ctr">
+                    <a:noFill/>
+                  </a:tcPr>
+                </a:tc>
+                <a:tc>
+                  <a:txBody>
+                    <a:bodyPr/>
+                    <a:lstStyle/>
+                    <a:p>
+                      <a:pPr algn="ctr"/>
+                      <a:r>
+                        <a:rPr lang="en-US" sz="2000" b="0" cap="none" spc="0" dirty="0">
+                          <a:ln>
+                            <a:noFill/>
+                          </a:ln>
+                          <a:solidFill>
+                            <a:schemeClr val="tx1"/>
+                          </a:solidFill>
+                          <a:effectLst/>
+                        </a:rPr>
+                        <a:t>2</a:t>
+                      </a:r>
+                    </a:p>
+                  </a:txBody>
+                  <a:tcPr anchor="ctr">
+                    <a:noFill/>
+                  </a:tcPr>
+                </a:tc>
+                <a:tc>
+                  <a:txBody>
+                    <a:bodyPr/>
+                    <a:lstStyle/>
+                    <a:p>
+                      <a:pPr algn="ctr"/>
+                      <a:r>
+                        <a:rPr lang="en-US" sz="2000" b="0" cap="none" spc="0" dirty="0">
+                          <a:ln>
+                            <a:noFill/>
+                          </a:ln>
+                          <a:solidFill>
+                            <a:schemeClr val="tx1"/>
+                          </a:solidFill>
+                          <a:effectLst/>
+                        </a:rPr>
+                        <a:t>3</a:t>
+                      </a:r>
+                    </a:p>
+                  </a:txBody>
+                  <a:tcPr anchor="ctr">
+                    <a:noFill/>
+                  </a:tcPr>
+                </a:tc>
+                <a:tc>
+                  <a:txBody>
+                    <a:bodyPr/>
+                    <a:lstStyle/>
+                    <a:p>
+                      <a:pPr algn="ctr"/>
+                      <a:r>
+                        <a:rPr lang="en-US" sz="2000" b="0" cap="none" spc="0" dirty="0">
+                          <a:ln>
+                            <a:noFill/>
+                          </a:ln>
+                          <a:solidFill>
+                            <a:schemeClr val="tx1"/>
+                          </a:solidFill>
+                          <a:effectLst/>
+                        </a:rPr>
+                        <a:t>4</a:t>
+                      </a:r>
+                    </a:p>
+                  </a:txBody>
+                  <a:tcPr anchor="ctr">
+                    <a:noFill/>
+                  </a:tcPr>
+                </a:tc>
+                <a:tc>
+                  <a:txBody>
+                    <a:bodyPr/>
+                    <a:lstStyle/>
+                    <a:p>
+                      <a:pPr algn="ctr"/>
+                      <a:r>
+                        <a:rPr lang="en-US" sz="2000" b="0" cap="none" spc="0" dirty="0">
+                          <a:ln>
+                            <a:noFill/>
+                          </a:ln>
+                          <a:solidFill>
+                            <a:schemeClr val="tx1"/>
+                          </a:solidFill>
+                          <a:effectLst/>
+                        </a:rPr>
+                        <a:t>5</a:t>
+                      </a:r>
+                    </a:p>
+                  </a:txBody>
+                  <a:tcPr anchor="ctr">
+                    <a:noFill/>
+                  </a:tcPr>
+                </a:tc>
+                <a:tc>
+                  <a:txBody>
+                    <a:bodyPr/>
+                    <a:lstStyle/>
+                    <a:p>
+                      <a:pPr algn="ctr"/>
+                      <a:r>
+                        <a:rPr lang="en-US" sz="2000" b="0" cap="none" spc="0" dirty="0">
+                          <a:ln>
+                            <a:noFill/>
+                          </a:ln>
+                          <a:solidFill>
+                            <a:schemeClr val="tx1"/>
+                          </a:solidFill>
+                          <a:effectLst/>
+                        </a:rPr>
+                        <a:t>6</a:t>
+                      </a:r>
+                    </a:p>
+                  </a:txBody>
+                  <a:tcPr anchor="ctr">
+                    <a:noFill/>
+                  </a:tcPr>
+                </a:tc>
+                <a:tc>
+                  <a:txBody>
+                    <a:bodyPr/>
+                    <a:lstStyle/>
+                    <a:p>
+                      <a:pPr algn="ctr"/>
+                      <a:r>
+                        <a:rPr lang="en-US" sz="2000" b="0" cap="none" spc="0" dirty="0">
+                          <a:ln>
+                            <a:noFill/>
+                          </a:ln>
+                          <a:solidFill>
+                            <a:schemeClr val="tx1"/>
+                          </a:solidFill>
+                          <a:effectLst/>
+                        </a:rPr>
+                        <a:t>7</a:t>
+                      </a:r>
+                    </a:p>
+                  </a:txBody>
+                  <a:tcPr anchor="ctr">
+                    <a:noFill/>
+                  </a:tcPr>
+                </a:tc>
+                <a:tc>
+                  <a:txBody>
+                    <a:bodyPr/>
+                    <a:lstStyle/>
+                    <a:p>
+                      <a:pPr algn="ctr"/>
+                      <a:r>
+                        <a:rPr lang="en-US" sz="2000" b="0" cap="none" spc="0" dirty="0">
+                          <a:ln>
+                            <a:noFill/>
+                          </a:ln>
+                          <a:solidFill>
+                            <a:schemeClr val="tx1"/>
+                          </a:solidFill>
+                          <a:effectLst/>
+                        </a:rPr>
+                        <a:t>8</a:t>
+                      </a:r>
+                    </a:p>
+                  </a:txBody>
+                  <a:tcPr anchor="ctr">
+                    <a:noFill/>
+                  </a:tcPr>
+                </a:tc>
+                <a:tc>
+                  <a:txBody>
+                    <a:bodyPr/>
+                    <a:lstStyle/>
+                    <a:p>
+                      <a:pPr algn="ctr"/>
+                      <a:r>
+                        <a:rPr lang="en-US" sz="2000" b="0" cap="none" spc="0" dirty="0">
+                          <a:ln>
+                            <a:noFill/>
+                          </a:ln>
+                          <a:solidFill>
+                            <a:schemeClr val="tx1"/>
+                          </a:solidFill>
+                          <a:effectLst/>
+                        </a:rPr>
+                        <a:t>9</a:t>
+                      </a:r>
+                    </a:p>
+                  </a:txBody>
+                  <a:tcPr anchor="ctr">
+                    <a:noFill/>
+                  </a:tcPr>
+                </a:tc>
+                <a:extLst>
+                  <a:ext uri="{0D108BD9-81ED-4DB2-BD59-A6C34878D82A}">
+                    <a16:rowId xmlns:a16="http://schemas.microsoft.com/office/drawing/2014/main" val="1211151737"/>
+                  </a:ext>
+                </a:extLst>
+              </a:tr>
+            </a:tbl>
+          </a:graphicData>
+        </a:graphic>
+      </p:graphicFrame>
       <p:sp>
         <p:nvSpPr>
-          <p:cNvPr id="19" name="TextBox 18">
+          <p:cNvPr id="46" name="TextBox 45">
             <a:extLst>
               <a:ext uri="{FF2B5EF4-FFF2-40B4-BE49-F238E27FC236}">
-                <a16:creationId xmlns:a16="http://schemas.microsoft.com/office/drawing/2014/main" id="{1321EB9C-73B2-2F46-B64F-FD140F3B7D01}"/>
+                <a16:creationId xmlns:a16="http://schemas.microsoft.com/office/drawing/2014/main" id="{3306D261-5B0A-E042-831E-FAF5B0510001}"/>
               </a:ext>
             </a:extLst>
           </p:cNvPr>
@@ -22918,8 +28769,8 @@
         </p:nvSpPr>
         <p:spPr>
           <a:xfrm>
-            <a:off x="383934" y="348334"/>
-            <a:ext cx="11086016" cy="2308324"/>
+            <a:off x="1029907" y="1383099"/>
+            <a:ext cx="566164" cy="707886"/>
           </a:xfrm>
           <a:prstGeom prst="rect">
             <a:avLst/>
@@ -22938,109 +28789,2191 @@
           <a:bodyPr wrap="square" rtlCol="0">
             <a:spAutoFit/>
           </a:bodyPr>
-          <a:lstStyle/>
-          <a:p>
-            <a:r>
-              <a:rPr lang="en-US" dirty="0"/>
-              <a:t>Go to desired folder</a:t>
-            </a:r>
-          </a:p>
-          <a:p>
-            <a:r>
-              <a:rPr lang="en-US" dirty="0"/>
-              <a:t>dotnet new console --name </a:t>
-            </a:r>
-            <a:r>
-              <a:rPr lang="en-US" dirty="0" err="1"/>
-              <a:t>DataStructures.QuickSortProj</a:t>
-            </a:r>
-            <a:endParaRPr lang="en-US" dirty="0"/>
-          </a:p>
-          <a:p>
-            <a:r>
-              <a:rPr lang="en-US" dirty="0"/>
-              <a:t>dotnet new </a:t>
-            </a:r>
-            <a:r>
-              <a:rPr lang="en-US" dirty="0" err="1"/>
-              <a:t>xunit</a:t>
-            </a:r>
-            <a:r>
-              <a:rPr lang="en-US" dirty="0"/>
-              <a:t> --name </a:t>
-            </a:r>
-            <a:r>
-              <a:rPr lang="en-US" dirty="0" err="1"/>
-              <a:t>DataStructures.QuickSortProj.Tests</a:t>
-            </a:r>
-            <a:endParaRPr lang="en-US" dirty="0"/>
-          </a:p>
-          <a:p>
-            <a:r>
-              <a:rPr lang="en-US" dirty="0"/>
-              <a:t>dotnet add ./</a:t>
-            </a:r>
-            <a:r>
-              <a:rPr lang="en-US" dirty="0" err="1"/>
-              <a:t>DataStructures.QuickSortProj.Tests</a:t>
-            </a:r>
-            <a:r>
-              <a:rPr lang="en-US" dirty="0"/>
-              <a:t>/</a:t>
-            </a:r>
-            <a:r>
-              <a:rPr lang="en-US" dirty="0" err="1"/>
-              <a:t>DataStructures.QuickSortProj.Tests.csproj</a:t>
-            </a:r>
-            <a:r>
-              <a:rPr lang="en-US" dirty="0"/>
-              <a:t> reference ./</a:t>
-            </a:r>
-            <a:r>
-              <a:rPr lang="en-US" dirty="0" err="1"/>
-              <a:t>DataStructures.QuickSortProj</a:t>
-            </a:r>
-            <a:r>
-              <a:rPr lang="en-US" dirty="0"/>
-              <a:t>/</a:t>
-            </a:r>
-            <a:r>
-              <a:rPr lang="en-US" dirty="0" err="1"/>
-              <a:t>DataStructures.QuickSortProj.csproj</a:t>
-            </a:r>
-            <a:endParaRPr lang="en-US" dirty="0"/>
-          </a:p>
-          <a:p>
-            <a:endParaRPr lang="en-US" dirty="0"/>
-          </a:p>
-          <a:p>
-            <a:r>
-              <a:rPr lang="en-US" dirty="0"/>
-              <a:t>dotnet add app/</a:t>
-            </a:r>
-            <a:r>
-              <a:rPr lang="en-US" dirty="0" err="1"/>
-              <a:t>app.csproj</a:t>
-            </a:r>
-            <a:r>
-              <a:rPr lang="en-US" dirty="0"/>
-              <a:t> reference lib/</a:t>
-            </a:r>
-            <a:r>
-              <a:rPr lang="en-US" dirty="0" err="1"/>
-              <a:t>lib.csproj</a:t>
-            </a:r>
-            <a:endParaRPr lang="en-US" sz="2000" dirty="0"/>
-          </a:p>
-          <a:p>
-            <a:endParaRPr lang="en-US" dirty="0"/>
+          <a:lstStyle>
+            <a:defPPr>
+              <a:defRPr lang="en-US"/>
+            </a:defPPr>
+            <a:lvl1pPr>
+              <a:defRPr sz="2000">
+                <a:solidFill>
+                  <a:schemeClr val="bg2"/>
+                </a:solidFill>
+              </a:defRPr>
+            </a:lvl1pPr>
+          </a:lstStyle>
+          <a:p>
+            <a:r>
+              <a:rPr lang="en-US" dirty="0">
+                <a:solidFill>
+                  <a:schemeClr val="tx1"/>
+                </a:solidFill>
+              </a:rPr>
+              <a:t>p</a:t>
+            </a:r>
+          </a:p>
+          <a:p>
+            <a:r>
+              <a:rPr lang="en-US" dirty="0">
+                <a:solidFill>
+                  <a:schemeClr val="tx1"/>
+                </a:solidFill>
+              </a:rPr>
+              <a:t>low</a:t>
+            </a:r>
+          </a:p>
+        </p:txBody>
+      </p:sp>
+      <p:sp>
+        <p:nvSpPr>
+          <p:cNvPr id="47" name="TextBox 46">
+            <a:extLst>
+              <a:ext uri="{FF2B5EF4-FFF2-40B4-BE49-F238E27FC236}">
+                <a16:creationId xmlns:a16="http://schemas.microsoft.com/office/drawing/2014/main" id="{F48505E2-F137-6C4D-95E1-5A2626382568}"/>
+              </a:ext>
+            </a:extLst>
+          </p:cNvPr>
+          <p:cNvSpPr txBox="1"/>
+          <p:nvPr/>
+        </p:nvSpPr>
+        <p:spPr>
+          <a:xfrm>
+            <a:off x="5994308" y="1411846"/>
+            <a:ext cx="566164" cy="400110"/>
+          </a:xfrm>
+          <a:prstGeom prst="rect">
+            <a:avLst/>
+          </a:prstGeom>
+          <a:noFill/>
+          <a:effectLst>
+            <a:glow rad="63500">
+              <a:schemeClr val="accent2">
+                <a:satMod val="175000"/>
+                <a:alpha val="0"/>
+              </a:schemeClr>
+            </a:glow>
+          </a:effectLst>
+        </p:spPr>
+        <p:txBody>
+          <a:bodyPr wrap="square" rtlCol="0">
+            <a:spAutoFit/>
+          </a:bodyPr>
+          <a:lstStyle>
+            <a:defPPr>
+              <a:defRPr lang="en-US"/>
+            </a:defPPr>
+            <a:lvl1pPr>
+              <a:defRPr sz="2000">
+                <a:solidFill>
+                  <a:schemeClr val="bg2"/>
+                </a:solidFill>
+              </a:defRPr>
+            </a:lvl1pPr>
+          </a:lstStyle>
+          <a:p>
+            <a:r>
+              <a:rPr lang="en-US" dirty="0">
+                <a:solidFill>
+                  <a:schemeClr val="tx1"/>
+                </a:solidFill>
+              </a:rPr>
+              <a:t>i</a:t>
+            </a:r>
+          </a:p>
+        </p:txBody>
+      </p:sp>
+      <p:sp>
+        <p:nvSpPr>
+          <p:cNvPr id="49" name="TextBox 48">
+            <a:extLst>
+              <a:ext uri="{FF2B5EF4-FFF2-40B4-BE49-F238E27FC236}">
+                <a16:creationId xmlns:a16="http://schemas.microsoft.com/office/drawing/2014/main" id="{7DF0C152-D888-954A-AAAC-92FABE704424}"/>
+              </a:ext>
+            </a:extLst>
+          </p:cNvPr>
+          <p:cNvSpPr txBox="1"/>
+          <p:nvPr/>
+        </p:nvSpPr>
+        <p:spPr>
+          <a:xfrm>
+            <a:off x="4982356" y="1413315"/>
+            <a:ext cx="566164" cy="400110"/>
+          </a:xfrm>
+          <a:prstGeom prst="rect">
+            <a:avLst/>
+          </a:prstGeom>
+          <a:noFill/>
+          <a:effectLst>
+            <a:glow rad="63500">
+              <a:schemeClr val="accent2">
+                <a:satMod val="175000"/>
+                <a:alpha val="0"/>
+              </a:schemeClr>
+            </a:glow>
+          </a:effectLst>
+        </p:spPr>
+        <p:txBody>
+          <a:bodyPr wrap="square" rtlCol="0">
+            <a:spAutoFit/>
+          </a:bodyPr>
+          <a:lstStyle>
+            <a:defPPr>
+              <a:defRPr lang="en-US"/>
+            </a:defPPr>
+            <a:lvl1pPr>
+              <a:defRPr sz="2000">
+                <a:solidFill>
+                  <a:schemeClr val="bg2"/>
+                </a:solidFill>
+              </a:defRPr>
+            </a:lvl1pPr>
+          </a:lstStyle>
+          <a:p>
+            <a:r>
+              <a:rPr lang="en-US" dirty="0">
+                <a:solidFill>
+                  <a:schemeClr val="tx1"/>
+                </a:solidFill>
+              </a:rPr>
+              <a:t>j</a:t>
+            </a:r>
+          </a:p>
+        </p:txBody>
+      </p:sp>
+      <p:sp>
+        <p:nvSpPr>
+          <p:cNvPr id="25" name="TextBox 24">
+            <a:extLst>
+              <a:ext uri="{FF2B5EF4-FFF2-40B4-BE49-F238E27FC236}">
+                <a16:creationId xmlns:a16="http://schemas.microsoft.com/office/drawing/2014/main" id="{A9D8DE85-3E3C-7547-B606-BF109B05D592}"/>
+              </a:ext>
+            </a:extLst>
+          </p:cNvPr>
+          <p:cNvSpPr txBox="1"/>
+          <p:nvPr/>
+        </p:nvSpPr>
+        <p:spPr>
+          <a:xfrm>
+            <a:off x="3629378" y="2244541"/>
+            <a:ext cx="3497557" cy="1015663"/>
+          </a:xfrm>
+          <a:prstGeom prst="rect">
+            <a:avLst/>
+          </a:prstGeom>
+          <a:solidFill>
+            <a:schemeClr val="accent1"/>
+          </a:solidFill>
+          <a:effectLst>
+            <a:glow rad="63500">
+              <a:schemeClr val="accent2">
+                <a:satMod val="175000"/>
+                <a:alpha val="0"/>
+              </a:schemeClr>
+            </a:glow>
+          </a:effectLst>
+        </p:spPr>
+        <p:txBody>
+          <a:bodyPr wrap="square" rtlCol="0">
+            <a:spAutoFit/>
+          </a:bodyPr>
+          <a:lstStyle>
+            <a:defPPr>
+              <a:defRPr lang="en-US"/>
+            </a:defPPr>
+            <a:lvl1pPr>
+              <a:defRPr sz="2000">
+                <a:solidFill>
+                  <a:schemeClr val="bg2"/>
+                </a:solidFill>
+              </a:defRPr>
+            </a:lvl1pPr>
+          </a:lstStyle>
+          <a:p>
+            <a:r>
+              <a:rPr lang="en-US" dirty="0">
+                <a:solidFill>
+                  <a:schemeClr val="tx1"/>
+                </a:solidFill>
+              </a:rPr>
+              <a:t>“low” to “j-1” is one part </a:t>
+            </a:r>
+          </a:p>
+          <a:p>
+            <a:r>
+              <a:rPr lang="en-US" dirty="0">
+                <a:solidFill>
+                  <a:schemeClr val="tx1"/>
+                </a:solidFill>
+              </a:rPr>
+              <a:t>and </a:t>
+            </a:r>
+          </a:p>
+          <a:p>
+            <a:r>
+              <a:rPr lang="en-US" dirty="0">
+                <a:solidFill>
+                  <a:schemeClr val="tx1"/>
+                </a:solidFill>
+              </a:rPr>
+              <a:t>“j+1” to “high” is another part</a:t>
+            </a:r>
+          </a:p>
+        </p:txBody>
+      </p:sp>
+      <p:sp>
+        <p:nvSpPr>
+          <p:cNvPr id="27" name="TextBox 26">
+            <a:extLst>
+              <a:ext uri="{FF2B5EF4-FFF2-40B4-BE49-F238E27FC236}">
+                <a16:creationId xmlns:a16="http://schemas.microsoft.com/office/drawing/2014/main" id="{EBF77216-8612-6E4B-B5FF-2B9AD6E9293E}"/>
+              </a:ext>
+            </a:extLst>
+          </p:cNvPr>
+          <p:cNvSpPr txBox="1"/>
+          <p:nvPr/>
+        </p:nvSpPr>
+        <p:spPr>
+          <a:xfrm>
+            <a:off x="9946757" y="1412527"/>
+            <a:ext cx="664403" cy="400110"/>
+          </a:xfrm>
+          <a:prstGeom prst="rect">
+            <a:avLst/>
+          </a:prstGeom>
+          <a:noFill/>
+          <a:effectLst>
+            <a:glow rad="63500">
+              <a:schemeClr val="accent2">
+                <a:satMod val="175000"/>
+                <a:alpha val="0"/>
+              </a:schemeClr>
+            </a:glow>
+          </a:effectLst>
+        </p:spPr>
+        <p:txBody>
+          <a:bodyPr wrap="square" rtlCol="0">
+            <a:spAutoFit/>
+          </a:bodyPr>
+          <a:lstStyle>
+            <a:defPPr>
+              <a:defRPr lang="en-US"/>
+            </a:defPPr>
+            <a:lvl1pPr>
+              <a:defRPr sz="2000">
+                <a:solidFill>
+                  <a:schemeClr val="bg2"/>
+                </a:solidFill>
+              </a:defRPr>
+            </a:lvl1pPr>
+          </a:lstStyle>
+          <a:p>
+            <a:r>
+              <a:rPr lang="en-US" dirty="0">
+                <a:solidFill>
+                  <a:schemeClr val="tx1"/>
+                </a:solidFill>
+              </a:rPr>
+              <a:t>high</a:t>
+            </a:r>
           </a:p>
         </p:txBody>
       </p:sp>
     </p:spTree>
     <p:extLst>
       <p:ext uri="{BB962C8B-B14F-4D97-AF65-F5344CB8AC3E}">
-        <p14:creationId xmlns:p14="http://schemas.microsoft.com/office/powerpoint/2010/main" val="3617288145"/>
+        <p14:creationId xmlns:p14="http://schemas.microsoft.com/office/powerpoint/2010/main" val="4014389622"/>
+      </p:ext>
+    </p:extLst>
+  </p:cSld>
+  <p:clrMapOvr>
+    <a:masterClrMapping/>
+  </p:clrMapOvr>
+  <p:timing>
+    <p:tnLst>
+      <p:par>
+        <p:cTn id="1" dur="indefinite" restart="never" nodeType="tmRoot">
+          <p:childTnLst>
+            <p:seq concurrent="1" nextAc="seek">
+              <p:cTn id="2" dur="indefinite" nodeType="mainSeq">
+                <p:childTnLst>
+                  <p:par>
+                    <p:cTn id="3" fill="hold">
+                      <p:stCondLst>
+                        <p:cond delay="indefinite"/>
+                      </p:stCondLst>
+                      <p:childTnLst>
+                        <p:par>
+                          <p:cTn id="4" fill="hold">
+                            <p:stCondLst>
+                              <p:cond delay="0"/>
+                            </p:stCondLst>
+                            <p:childTnLst>
+                              <p:par>
+                                <p:cTn id="5" presetID="6" presetClass="entr" presetSubtype="16" fill="hold" grpId="0" nodeType="clickEffect">
+                                  <p:stCondLst>
+                                    <p:cond delay="0"/>
+                                  </p:stCondLst>
+                                  <p:childTnLst>
+                                    <p:set>
+                                      <p:cBhvr>
+                                        <p:cTn id="6" dur="1" fill="hold">
+                                          <p:stCondLst>
+                                            <p:cond delay="0"/>
+                                          </p:stCondLst>
+                                        </p:cTn>
+                                        <p:tgtEl>
+                                          <p:spTgt spid="6"/>
+                                        </p:tgtEl>
+                                        <p:attrNameLst>
+                                          <p:attrName>style.visibility</p:attrName>
+                                        </p:attrNameLst>
+                                      </p:cBhvr>
+                                      <p:to>
+                                        <p:strVal val="visible"/>
+                                      </p:to>
+                                    </p:set>
+                                    <p:animEffect transition="in" filter="circle(in)">
+                                      <p:cBhvr>
+                                        <p:cTn id="7" dur="2000"/>
+                                        <p:tgtEl>
+                                          <p:spTgt spid="6"/>
+                                        </p:tgtEl>
+                                      </p:cBhvr>
+                                    </p:animEffect>
+                                  </p:childTnLst>
+                                </p:cTn>
+                              </p:par>
+                            </p:childTnLst>
+                          </p:cTn>
+                        </p:par>
+                      </p:childTnLst>
+                    </p:cTn>
+                  </p:par>
+                </p:childTnLst>
+              </p:cTn>
+              <p:prevCondLst>
+                <p:cond evt="onPrev" delay="0">
+                  <p:tgtEl>
+                    <p:sldTgt/>
+                  </p:tgtEl>
+                </p:cond>
+              </p:prevCondLst>
+              <p:nextCondLst>
+                <p:cond evt="onNext" delay="0">
+                  <p:tgtEl>
+                    <p:sldTgt/>
+                  </p:tgtEl>
+                </p:cond>
+              </p:nextCondLst>
+            </p:seq>
+          </p:childTnLst>
+        </p:cTn>
+      </p:par>
+    </p:tnLst>
+    <p:bldLst>
+      <p:bldP spid="6" grpId="0" animBg="1"/>
+    </p:bldLst>
+  </p:timing>
+</p:sld>
+</file>
+
+<file path=ppt/slides/slide9.xml><?xml version="1.0" encoding="utf-8"?>
+<p:sld xmlns:a="http://schemas.openxmlformats.org/drawingml/2006/main" xmlns:r="http://schemas.openxmlformats.org/officeDocument/2006/relationships" xmlns:p="http://schemas.openxmlformats.org/presentationml/2006/main">
+  <p:cSld>
+    <p:spTree>
+      <p:nvGrpSpPr>
+        <p:cNvPr id="1" name=""/>
+        <p:cNvGrpSpPr/>
+        <p:nvPr/>
+      </p:nvGrpSpPr>
+      <p:grpSpPr>
+        <a:xfrm>
+          <a:off x="0" y="0"/>
+          <a:ext cx="0" cy="0"/>
+          <a:chOff x="0" y="0"/>
+          <a:chExt cx="0" cy="0"/>
+        </a:xfrm>
+      </p:grpSpPr>
+      <p:sp>
+        <p:nvSpPr>
+          <p:cNvPr id="6" name="Rectangle 5">
+            <a:extLst>
+              <a:ext uri="{FF2B5EF4-FFF2-40B4-BE49-F238E27FC236}">
+                <a16:creationId xmlns:a16="http://schemas.microsoft.com/office/drawing/2014/main" id="{6099DF02-D76D-BF47-A246-D5D13BF51E65}"/>
+              </a:ext>
+            </a:extLst>
+          </p:cNvPr>
+          <p:cNvSpPr/>
+          <p:nvPr/>
+        </p:nvSpPr>
+        <p:spPr>
+          <a:xfrm>
+            <a:off x="-1" y="7521"/>
+            <a:ext cx="12191997" cy="6858000"/>
+          </a:xfrm>
+          <a:prstGeom prst="rect">
+            <a:avLst/>
+          </a:prstGeom>
+          <a:blipFill>
+            <a:blip r:embed="rId3"/>
+            <a:tile tx="0" ty="0" sx="100000" sy="100000" flip="none" algn="tl"/>
+          </a:blipFill>
+          <a:ln>
+            <a:noFill/>
+          </a:ln>
+          <a:effectLst>
+            <a:outerShdw blurRad="63500" dist="152400" dir="3000000" algn="tl" rotWithShape="0">
+              <a:prstClr val="black">
+                <a:alpha val="40000"/>
+              </a:prstClr>
+            </a:outerShdw>
+            <a:softEdge rad="25400"/>
+          </a:effectLst>
+        </p:spPr>
+        <p:style>
+          <a:lnRef idx="2">
+            <a:schemeClr val="accent1">
+              <a:shade val="50000"/>
+            </a:schemeClr>
+          </a:lnRef>
+          <a:fillRef idx="1">
+            <a:schemeClr val="accent1"/>
+          </a:fillRef>
+          <a:effectRef idx="0">
+            <a:schemeClr val="accent1"/>
+          </a:effectRef>
+          <a:fontRef idx="minor">
+            <a:schemeClr val="lt1"/>
+          </a:fontRef>
+        </p:style>
+        <p:txBody>
+          <a:bodyPr rtlCol="0" anchor="ctr"/>
+          <a:lstStyle/>
+          <a:p>
+            <a:pPr algn="ctr"/>
+            <a:endParaRPr lang="en-US" dirty="0"/>
+          </a:p>
+        </p:txBody>
+      </p:sp>
+      <p:cxnSp>
+        <p:nvCxnSpPr>
+          <p:cNvPr id="9" name="Straight Connector 8">
+            <a:extLst>
+              <a:ext uri="{FF2B5EF4-FFF2-40B4-BE49-F238E27FC236}">
+                <a16:creationId xmlns:a16="http://schemas.microsoft.com/office/drawing/2014/main" id="{AA4D4064-94AA-5E4D-AB14-C932D2779787}"/>
+              </a:ext>
+            </a:extLst>
+          </p:cNvPr>
+          <p:cNvCxnSpPr>
+            <a:cxnSpLocks/>
+          </p:cNvCxnSpPr>
+          <p:nvPr/>
+        </p:nvCxnSpPr>
+        <p:spPr>
+          <a:xfrm>
+            <a:off x="11656643" y="7521"/>
+            <a:ext cx="1" cy="6858000"/>
+          </a:xfrm>
+          <a:prstGeom prst="line">
+            <a:avLst/>
+          </a:prstGeom>
+          <a:ln w="38100">
+            <a:solidFill>
+              <a:schemeClr val="accent4">
+                <a:lumMod val="50000"/>
+              </a:schemeClr>
+            </a:solidFill>
+            <a:prstDash val="lgDash"/>
+          </a:ln>
+        </p:spPr>
+        <p:style>
+          <a:lnRef idx="1">
+            <a:schemeClr val="accent1"/>
+          </a:lnRef>
+          <a:fillRef idx="0">
+            <a:schemeClr val="accent1"/>
+          </a:fillRef>
+          <a:effectRef idx="0">
+            <a:schemeClr val="accent1"/>
+          </a:effectRef>
+          <a:fontRef idx="minor">
+            <a:schemeClr val="tx1"/>
+          </a:fontRef>
+        </p:style>
+      </p:cxnSp>
+      <p:graphicFrame>
+        <p:nvGraphicFramePr>
+          <p:cNvPr id="45" name="Table 2">
+            <a:extLst>
+              <a:ext uri="{FF2B5EF4-FFF2-40B4-BE49-F238E27FC236}">
+                <a16:creationId xmlns:a16="http://schemas.microsoft.com/office/drawing/2014/main" id="{6828A262-BD53-3643-9F2F-5F72ABA89EC3}"/>
+              </a:ext>
+            </a:extLst>
+          </p:cNvPr>
+          <p:cNvGraphicFramePr>
+            <a:graphicFrameLocks noGrp="1"/>
+          </p:cNvGraphicFramePr>
+          <p:nvPr/>
+        </p:nvGraphicFramePr>
+        <p:xfrm>
+          <a:off x="777845" y="382559"/>
+          <a:ext cx="9897574" cy="936729"/>
+        </p:xfrm>
+        <a:graphic>
+          <a:graphicData uri="http://schemas.openxmlformats.org/drawingml/2006/table">
+            <a:tbl>
+              <a:tblPr>
+                <a:effectLst/>
+                <a:tableStyleId>{5C22544A-7EE6-4342-B048-85BDC9FD1C3A}</a:tableStyleId>
+              </a:tblPr>
+              <a:tblGrid>
+                <a:gridCol w="896624">
+                  <a:extLst>
+                    <a:ext uri="{9D8B030D-6E8A-4147-A177-3AD203B41FA5}">
+                      <a16:colId xmlns:a16="http://schemas.microsoft.com/office/drawing/2014/main" val="903445238"/>
+                    </a:ext>
+                  </a:extLst>
+                </a:gridCol>
+                <a:gridCol w="924466">
+                  <a:extLst>
+                    <a:ext uri="{9D8B030D-6E8A-4147-A177-3AD203B41FA5}">
+                      <a16:colId xmlns:a16="http://schemas.microsoft.com/office/drawing/2014/main" val="1986698563"/>
+                    </a:ext>
+                  </a:extLst>
+                </a:gridCol>
+                <a:gridCol w="982530">
+                  <a:extLst>
+                    <a:ext uri="{9D8B030D-6E8A-4147-A177-3AD203B41FA5}">
+                      <a16:colId xmlns:a16="http://schemas.microsoft.com/office/drawing/2014/main" val="621528173"/>
+                    </a:ext>
+                  </a:extLst>
+                </a:gridCol>
+                <a:gridCol w="998632">
+                  <a:extLst>
+                    <a:ext uri="{9D8B030D-6E8A-4147-A177-3AD203B41FA5}">
+                      <a16:colId xmlns:a16="http://schemas.microsoft.com/office/drawing/2014/main" val="3612687831"/>
+                    </a:ext>
+                  </a:extLst>
+                </a:gridCol>
+                <a:gridCol w="1015887">
+                  <a:extLst>
+                    <a:ext uri="{9D8B030D-6E8A-4147-A177-3AD203B41FA5}">
+                      <a16:colId xmlns:a16="http://schemas.microsoft.com/office/drawing/2014/main" val="3748818096"/>
+                    </a:ext>
+                  </a:extLst>
+                </a:gridCol>
+                <a:gridCol w="1015887">
+                  <a:extLst>
+                    <a:ext uri="{9D8B030D-6E8A-4147-A177-3AD203B41FA5}">
+                      <a16:colId xmlns:a16="http://schemas.microsoft.com/office/drawing/2014/main" val="3650268364"/>
+                    </a:ext>
+                  </a:extLst>
+                </a:gridCol>
+                <a:gridCol w="1015887">
+                  <a:extLst>
+                    <a:ext uri="{9D8B030D-6E8A-4147-A177-3AD203B41FA5}">
+                      <a16:colId xmlns:a16="http://schemas.microsoft.com/office/drawing/2014/main" val="2418022822"/>
+                    </a:ext>
+                  </a:extLst>
+                </a:gridCol>
+                <a:gridCol w="1015887">
+                  <a:extLst>
+                    <a:ext uri="{9D8B030D-6E8A-4147-A177-3AD203B41FA5}">
+                      <a16:colId xmlns:a16="http://schemas.microsoft.com/office/drawing/2014/main" val="2980166291"/>
+                    </a:ext>
+                  </a:extLst>
+                </a:gridCol>
+                <a:gridCol w="1015887">
+                  <a:extLst>
+                    <a:ext uri="{9D8B030D-6E8A-4147-A177-3AD203B41FA5}">
+                      <a16:colId xmlns:a16="http://schemas.microsoft.com/office/drawing/2014/main" val="1005056644"/>
+                    </a:ext>
+                  </a:extLst>
+                </a:gridCol>
+                <a:gridCol w="1015887">
+                  <a:extLst>
+                    <a:ext uri="{9D8B030D-6E8A-4147-A177-3AD203B41FA5}">
+                      <a16:colId xmlns:a16="http://schemas.microsoft.com/office/drawing/2014/main" val="3976546269"/>
+                    </a:ext>
+                  </a:extLst>
+                </a:gridCol>
+              </a:tblGrid>
+              <a:tr h="501787">
+                <a:tc>
+                  <a:txBody>
+                    <a:bodyPr/>
+                    <a:lstStyle/>
+                    <a:p>
+                      <a:pPr algn="ctr"/>
+                      <a:r>
+                        <a:rPr lang="en-US" sz="2000" b="1" cap="none" spc="0" dirty="0">
+                          <a:ln>
+                            <a:noFill/>
+                          </a:ln>
+                          <a:solidFill>
+                            <a:schemeClr val="tx1"/>
+                          </a:solidFill>
+                          <a:effectLst/>
+                        </a:rPr>
+                        <a:t>20</a:t>
+                      </a:r>
+                    </a:p>
+                  </a:txBody>
+                  <a:tcPr anchor="ctr">
+                    <a:noFill/>
+                  </a:tcPr>
+                </a:tc>
+                <a:tc>
+                  <a:txBody>
+                    <a:bodyPr/>
+                    <a:lstStyle/>
+                    <a:p>
+                      <a:pPr algn="ctr"/>
+                      <a:r>
+                        <a:rPr lang="en-US" sz="2000" b="1" cap="none" spc="0" dirty="0">
+                          <a:ln>
+                            <a:noFill/>
+                          </a:ln>
+                          <a:solidFill>
+                            <a:schemeClr val="tx1"/>
+                          </a:solidFill>
+                          <a:effectLst/>
+                        </a:rPr>
+                        <a:t>30</a:t>
+                      </a:r>
+                    </a:p>
+                  </a:txBody>
+                  <a:tcPr anchor="ctr">
+                    <a:noFill/>
+                  </a:tcPr>
+                </a:tc>
+                <a:tc>
+                  <a:txBody>
+                    <a:bodyPr/>
+                    <a:lstStyle/>
+                    <a:p>
+                      <a:pPr algn="ctr"/>
+                      <a:r>
+                        <a:rPr lang="en-US" sz="2000" b="1" cap="none" spc="0" dirty="0">
+                          <a:ln>
+                            <a:noFill/>
+                          </a:ln>
+                          <a:solidFill>
+                            <a:schemeClr val="tx1"/>
+                          </a:solidFill>
+                          <a:effectLst/>
+                        </a:rPr>
+                        <a:t>40</a:t>
+                      </a:r>
+                    </a:p>
+                  </a:txBody>
+                  <a:tcPr anchor="ctr">
+                    <a:noFill/>
+                  </a:tcPr>
+                </a:tc>
+                <a:tc>
+                  <a:txBody>
+                    <a:bodyPr/>
+                    <a:lstStyle/>
+                    <a:p>
+                      <a:pPr algn="ctr"/>
+                      <a:r>
+                        <a:rPr lang="en-US" sz="2000" b="1" cap="none" spc="0" dirty="0">
+                          <a:ln>
+                            <a:noFill/>
+                          </a:ln>
+                          <a:solidFill>
+                            <a:schemeClr val="tx1"/>
+                          </a:solidFill>
+                          <a:effectLst/>
+                        </a:rPr>
+                        <a:t>10</a:t>
+                      </a:r>
+                    </a:p>
+                  </a:txBody>
+                  <a:tcPr anchor="ctr">
+                    <a:noFill/>
+                  </a:tcPr>
+                </a:tc>
+                <a:tc>
+                  <a:txBody>
+                    <a:bodyPr/>
+                    <a:lstStyle/>
+                    <a:p>
+                      <a:pPr algn="ctr"/>
+                      <a:r>
+                        <a:rPr lang="en-US" sz="2000" b="1" cap="none" spc="0" dirty="0">
+                          <a:ln>
+                            <a:noFill/>
+                          </a:ln>
+                          <a:solidFill>
+                            <a:schemeClr val="tx1"/>
+                          </a:solidFill>
+                          <a:effectLst/>
+                        </a:rPr>
+                        <a:t>50</a:t>
+                      </a:r>
+                    </a:p>
+                  </a:txBody>
+                  <a:tcPr anchor="ctr">
+                    <a:solidFill>
+                      <a:srgbClr val="00B050"/>
+                    </a:solidFill>
+                  </a:tcPr>
+                </a:tc>
+                <a:tc>
+                  <a:txBody>
+                    <a:bodyPr/>
+                    <a:lstStyle/>
+                    <a:p>
+                      <a:pPr algn="ctr"/>
+                      <a:r>
+                        <a:rPr lang="en-US" sz="2000" b="1" cap="none" spc="0" dirty="0">
+                          <a:ln>
+                            <a:noFill/>
+                          </a:ln>
+                          <a:solidFill>
+                            <a:schemeClr val="tx1"/>
+                          </a:solidFill>
+                          <a:effectLst/>
+                        </a:rPr>
+                        <a:t>100</a:t>
+                      </a:r>
+                    </a:p>
+                  </a:txBody>
+                  <a:tcPr anchor="ctr">
+                    <a:noFill/>
+                  </a:tcPr>
+                </a:tc>
+                <a:tc>
+                  <a:txBody>
+                    <a:bodyPr/>
+                    <a:lstStyle/>
+                    <a:p>
+                      <a:pPr algn="ctr"/>
+                      <a:r>
+                        <a:rPr lang="en-US" sz="2000" b="1" cap="none" spc="0" dirty="0">
+                          <a:ln>
+                            <a:noFill/>
+                          </a:ln>
+                          <a:solidFill>
+                            <a:schemeClr val="tx1"/>
+                          </a:solidFill>
+                          <a:effectLst/>
+                        </a:rPr>
+                        <a:t>90</a:t>
+                      </a:r>
+                    </a:p>
+                  </a:txBody>
+                  <a:tcPr anchor="ctr">
+                    <a:noFill/>
+                  </a:tcPr>
+                </a:tc>
+                <a:tc>
+                  <a:txBody>
+                    <a:bodyPr/>
+                    <a:lstStyle/>
+                    <a:p>
+                      <a:pPr algn="ctr"/>
+                      <a:r>
+                        <a:rPr lang="en-US" sz="2000" b="1" cap="none" spc="0" dirty="0">
+                          <a:ln>
+                            <a:noFill/>
+                          </a:ln>
+                          <a:solidFill>
+                            <a:schemeClr val="tx1"/>
+                          </a:solidFill>
+                          <a:effectLst/>
+                        </a:rPr>
+                        <a:t>60</a:t>
+                      </a:r>
+                    </a:p>
+                  </a:txBody>
+                  <a:tcPr anchor="ctr">
+                    <a:noFill/>
+                  </a:tcPr>
+                </a:tc>
+                <a:tc>
+                  <a:txBody>
+                    <a:bodyPr/>
+                    <a:lstStyle/>
+                    <a:p>
+                      <a:pPr algn="ctr"/>
+                      <a:r>
+                        <a:rPr lang="en-US" sz="2000" b="1" cap="none" spc="0" dirty="0">
+                          <a:ln>
+                            <a:noFill/>
+                          </a:ln>
+                          <a:solidFill>
+                            <a:schemeClr val="tx1"/>
+                          </a:solidFill>
+                          <a:effectLst/>
+                        </a:rPr>
+                        <a:t>70</a:t>
+                      </a:r>
+                    </a:p>
+                  </a:txBody>
+                  <a:tcPr anchor="ctr">
+                    <a:noFill/>
+                  </a:tcPr>
+                </a:tc>
+                <a:tc>
+                  <a:txBody>
+                    <a:bodyPr/>
+                    <a:lstStyle/>
+                    <a:p>
+                      <a:pPr algn="ctr"/>
+                      <a:r>
+                        <a:rPr lang="en-US" sz="2000" b="1" cap="none" spc="0" dirty="0">
+                          <a:ln>
+                            <a:noFill/>
+                          </a:ln>
+                          <a:solidFill>
+                            <a:schemeClr val="tx1"/>
+                          </a:solidFill>
+                          <a:effectLst/>
+                        </a:rPr>
+                        <a:t>80</a:t>
+                      </a:r>
+                    </a:p>
+                  </a:txBody>
+                  <a:tcPr anchor="ctr">
+                    <a:noFill/>
+                  </a:tcPr>
+                </a:tc>
+                <a:extLst>
+                  <a:ext uri="{0D108BD9-81ED-4DB2-BD59-A6C34878D82A}">
+                    <a16:rowId xmlns:a16="http://schemas.microsoft.com/office/drawing/2014/main" val="3319565494"/>
+                  </a:ext>
+                </a:extLst>
+              </a:tr>
+              <a:tr h="434942">
+                <a:tc>
+                  <a:txBody>
+                    <a:bodyPr/>
+                    <a:lstStyle/>
+                    <a:p>
+                      <a:pPr algn="ctr"/>
+                      <a:r>
+                        <a:rPr lang="en-US" sz="2000" b="0" cap="none" spc="0" dirty="0">
+                          <a:ln>
+                            <a:noFill/>
+                          </a:ln>
+                          <a:solidFill>
+                            <a:schemeClr val="tx1"/>
+                          </a:solidFill>
+                          <a:effectLst/>
+                        </a:rPr>
+                        <a:t>0</a:t>
+                      </a:r>
+                    </a:p>
+                  </a:txBody>
+                  <a:tcPr anchor="ctr">
+                    <a:noFill/>
+                  </a:tcPr>
+                </a:tc>
+                <a:tc>
+                  <a:txBody>
+                    <a:bodyPr/>
+                    <a:lstStyle/>
+                    <a:p>
+                      <a:pPr algn="ctr"/>
+                      <a:r>
+                        <a:rPr lang="en-US" sz="2000" b="0" cap="none" spc="0" dirty="0">
+                          <a:ln>
+                            <a:noFill/>
+                          </a:ln>
+                          <a:solidFill>
+                            <a:schemeClr val="tx1"/>
+                          </a:solidFill>
+                          <a:effectLst/>
+                        </a:rPr>
+                        <a:t>1</a:t>
+                      </a:r>
+                    </a:p>
+                  </a:txBody>
+                  <a:tcPr anchor="ctr">
+                    <a:noFill/>
+                  </a:tcPr>
+                </a:tc>
+                <a:tc>
+                  <a:txBody>
+                    <a:bodyPr/>
+                    <a:lstStyle/>
+                    <a:p>
+                      <a:pPr algn="ctr"/>
+                      <a:r>
+                        <a:rPr lang="en-US" sz="2000" b="0" cap="none" spc="0" dirty="0">
+                          <a:ln>
+                            <a:noFill/>
+                          </a:ln>
+                          <a:solidFill>
+                            <a:schemeClr val="tx1"/>
+                          </a:solidFill>
+                          <a:effectLst/>
+                        </a:rPr>
+                        <a:t>2</a:t>
+                      </a:r>
+                    </a:p>
+                  </a:txBody>
+                  <a:tcPr anchor="ctr">
+                    <a:noFill/>
+                  </a:tcPr>
+                </a:tc>
+                <a:tc>
+                  <a:txBody>
+                    <a:bodyPr/>
+                    <a:lstStyle/>
+                    <a:p>
+                      <a:pPr algn="ctr"/>
+                      <a:r>
+                        <a:rPr lang="en-US" sz="2000" b="0" cap="none" spc="0" dirty="0">
+                          <a:ln>
+                            <a:noFill/>
+                          </a:ln>
+                          <a:solidFill>
+                            <a:schemeClr val="tx1"/>
+                          </a:solidFill>
+                          <a:effectLst/>
+                        </a:rPr>
+                        <a:t>3</a:t>
+                      </a:r>
+                    </a:p>
+                  </a:txBody>
+                  <a:tcPr anchor="ctr">
+                    <a:noFill/>
+                  </a:tcPr>
+                </a:tc>
+                <a:tc>
+                  <a:txBody>
+                    <a:bodyPr/>
+                    <a:lstStyle/>
+                    <a:p>
+                      <a:pPr algn="ctr"/>
+                      <a:r>
+                        <a:rPr lang="en-US" sz="2000" b="0" cap="none" spc="0" dirty="0">
+                          <a:ln>
+                            <a:noFill/>
+                          </a:ln>
+                          <a:solidFill>
+                            <a:schemeClr val="tx1"/>
+                          </a:solidFill>
+                          <a:effectLst/>
+                        </a:rPr>
+                        <a:t>4</a:t>
+                      </a:r>
+                    </a:p>
+                  </a:txBody>
+                  <a:tcPr anchor="ctr">
+                    <a:noFill/>
+                  </a:tcPr>
+                </a:tc>
+                <a:tc>
+                  <a:txBody>
+                    <a:bodyPr/>
+                    <a:lstStyle/>
+                    <a:p>
+                      <a:pPr algn="ctr"/>
+                      <a:r>
+                        <a:rPr lang="en-US" sz="2000" b="0" cap="none" spc="0" dirty="0">
+                          <a:ln>
+                            <a:noFill/>
+                          </a:ln>
+                          <a:solidFill>
+                            <a:schemeClr val="tx1"/>
+                          </a:solidFill>
+                          <a:effectLst/>
+                        </a:rPr>
+                        <a:t>5</a:t>
+                      </a:r>
+                    </a:p>
+                  </a:txBody>
+                  <a:tcPr anchor="ctr">
+                    <a:noFill/>
+                  </a:tcPr>
+                </a:tc>
+                <a:tc>
+                  <a:txBody>
+                    <a:bodyPr/>
+                    <a:lstStyle/>
+                    <a:p>
+                      <a:pPr algn="ctr"/>
+                      <a:r>
+                        <a:rPr lang="en-US" sz="2000" b="0" cap="none" spc="0" dirty="0">
+                          <a:ln>
+                            <a:noFill/>
+                          </a:ln>
+                          <a:solidFill>
+                            <a:schemeClr val="tx1"/>
+                          </a:solidFill>
+                          <a:effectLst/>
+                        </a:rPr>
+                        <a:t>6</a:t>
+                      </a:r>
+                    </a:p>
+                  </a:txBody>
+                  <a:tcPr anchor="ctr">
+                    <a:noFill/>
+                  </a:tcPr>
+                </a:tc>
+                <a:tc>
+                  <a:txBody>
+                    <a:bodyPr/>
+                    <a:lstStyle/>
+                    <a:p>
+                      <a:pPr algn="ctr"/>
+                      <a:r>
+                        <a:rPr lang="en-US" sz="2000" b="0" cap="none" spc="0" dirty="0">
+                          <a:ln>
+                            <a:noFill/>
+                          </a:ln>
+                          <a:solidFill>
+                            <a:schemeClr val="tx1"/>
+                          </a:solidFill>
+                          <a:effectLst/>
+                        </a:rPr>
+                        <a:t>7</a:t>
+                      </a:r>
+                    </a:p>
+                  </a:txBody>
+                  <a:tcPr anchor="ctr">
+                    <a:noFill/>
+                  </a:tcPr>
+                </a:tc>
+                <a:tc>
+                  <a:txBody>
+                    <a:bodyPr/>
+                    <a:lstStyle/>
+                    <a:p>
+                      <a:pPr algn="ctr"/>
+                      <a:r>
+                        <a:rPr lang="en-US" sz="2000" b="0" cap="none" spc="0" dirty="0">
+                          <a:ln>
+                            <a:noFill/>
+                          </a:ln>
+                          <a:solidFill>
+                            <a:schemeClr val="tx1"/>
+                          </a:solidFill>
+                          <a:effectLst/>
+                        </a:rPr>
+                        <a:t>8</a:t>
+                      </a:r>
+                    </a:p>
+                  </a:txBody>
+                  <a:tcPr anchor="ctr">
+                    <a:noFill/>
+                  </a:tcPr>
+                </a:tc>
+                <a:tc>
+                  <a:txBody>
+                    <a:bodyPr/>
+                    <a:lstStyle/>
+                    <a:p>
+                      <a:pPr algn="ctr"/>
+                      <a:r>
+                        <a:rPr lang="en-US" sz="2000" b="0" cap="none" spc="0" dirty="0">
+                          <a:ln>
+                            <a:noFill/>
+                          </a:ln>
+                          <a:solidFill>
+                            <a:schemeClr val="tx1"/>
+                          </a:solidFill>
+                          <a:effectLst/>
+                        </a:rPr>
+                        <a:t>9</a:t>
+                      </a:r>
+                    </a:p>
+                  </a:txBody>
+                  <a:tcPr anchor="ctr">
+                    <a:noFill/>
+                  </a:tcPr>
+                </a:tc>
+                <a:extLst>
+                  <a:ext uri="{0D108BD9-81ED-4DB2-BD59-A6C34878D82A}">
+                    <a16:rowId xmlns:a16="http://schemas.microsoft.com/office/drawing/2014/main" val="1211151737"/>
+                  </a:ext>
+                </a:extLst>
+              </a:tr>
+            </a:tbl>
+          </a:graphicData>
+        </a:graphic>
+      </p:graphicFrame>
+      <p:sp>
+        <p:nvSpPr>
+          <p:cNvPr id="46" name="TextBox 45">
+            <a:extLst>
+              <a:ext uri="{FF2B5EF4-FFF2-40B4-BE49-F238E27FC236}">
+                <a16:creationId xmlns:a16="http://schemas.microsoft.com/office/drawing/2014/main" id="{3306D261-5B0A-E042-831E-FAF5B0510001}"/>
+              </a:ext>
+            </a:extLst>
+          </p:cNvPr>
+          <p:cNvSpPr txBox="1"/>
+          <p:nvPr/>
+        </p:nvSpPr>
+        <p:spPr>
+          <a:xfrm>
+            <a:off x="1029907" y="1383099"/>
+            <a:ext cx="566164" cy="707886"/>
+          </a:xfrm>
+          <a:prstGeom prst="rect">
+            <a:avLst/>
+          </a:prstGeom>
+          <a:noFill/>
+          <a:effectLst>
+            <a:glow rad="63500">
+              <a:schemeClr val="accent2">
+                <a:satMod val="175000"/>
+                <a:alpha val="0"/>
+              </a:schemeClr>
+            </a:glow>
+          </a:effectLst>
+        </p:spPr>
+        <p:txBody>
+          <a:bodyPr wrap="square" rtlCol="0">
+            <a:spAutoFit/>
+          </a:bodyPr>
+          <a:lstStyle>
+            <a:defPPr>
+              <a:defRPr lang="en-US"/>
+            </a:defPPr>
+            <a:lvl1pPr>
+              <a:defRPr sz="2000">
+                <a:solidFill>
+                  <a:schemeClr val="bg2"/>
+                </a:solidFill>
+              </a:defRPr>
+            </a:lvl1pPr>
+          </a:lstStyle>
+          <a:p>
+            <a:r>
+              <a:rPr lang="en-US" dirty="0">
+                <a:solidFill>
+                  <a:schemeClr val="tx1"/>
+                </a:solidFill>
+              </a:rPr>
+              <a:t>p</a:t>
+            </a:r>
+          </a:p>
+          <a:p>
+            <a:r>
+              <a:rPr lang="en-US" dirty="0">
+                <a:solidFill>
+                  <a:schemeClr val="tx1"/>
+                </a:solidFill>
+              </a:rPr>
+              <a:t>low</a:t>
+            </a:r>
+          </a:p>
+        </p:txBody>
+      </p:sp>
+      <p:sp>
+        <p:nvSpPr>
+          <p:cNvPr id="47" name="TextBox 46">
+            <a:extLst>
+              <a:ext uri="{FF2B5EF4-FFF2-40B4-BE49-F238E27FC236}">
+                <a16:creationId xmlns:a16="http://schemas.microsoft.com/office/drawing/2014/main" id="{F48505E2-F137-6C4D-95E1-5A2626382568}"/>
+              </a:ext>
+            </a:extLst>
+          </p:cNvPr>
+          <p:cNvSpPr txBox="1"/>
+          <p:nvPr/>
+        </p:nvSpPr>
+        <p:spPr>
+          <a:xfrm>
+            <a:off x="5994308" y="1411846"/>
+            <a:ext cx="566164" cy="400110"/>
+          </a:xfrm>
+          <a:prstGeom prst="rect">
+            <a:avLst/>
+          </a:prstGeom>
+          <a:noFill/>
+          <a:effectLst>
+            <a:glow rad="63500">
+              <a:schemeClr val="accent2">
+                <a:satMod val="175000"/>
+                <a:alpha val="0"/>
+              </a:schemeClr>
+            </a:glow>
+          </a:effectLst>
+        </p:spPr>
+        <p:txBody>
+          <a:bodyPr wrap="square" rtlCol="0">
+            <a:spAutoFit/>
+          </a:bodyPr>
+          <a:lstStyle>
+            <a:defPPr>
+              <a:defRPr lang="en-US"/>
+            </a:defPPr>
+            <a:lvl1pPr>
+              <a:defRPr sz="2000">
+                <a:solidFill>
+                  <a:schemeClr val="bg2"/>
+                </a:solidFill>
+              </a:defRPr>
+            </a:lvl1pPr>
+          </a:lstStyle>
+          <a:p>
+            <a:r>
+              <a:rPr lang="en-US" dirty="0">
+                <a:solidFill>
+                  <a:schemeClr val="tx1"/>
+                </a:solidFill>
+              </a:rPr>
+              <a:t>i</a:t>
+            </a:r>
+          </a:p>
+        </p:txBody>
+      </p:sp>
+      <p:sp>
+        <p:nvSpPr>
+          <p:cNvPr id="49" name="TextBox 48">
+            <a:extLst>
+              <a:ext uri="{FF2B5EF4-FFF2-40B4-BE49-F238E27FC236}">
+                <a16:creationId xmlns:a16="http://schemas.microsoft.com/office/drawing/2014/main" id="{7DF0C152-D888-954A-AAAC-92FABE704424}"/>
+              </a:ext>
+            </a:extLst>
+          </p:cNvPr>
+          <p:cNvSpPr txBox="1"/>
+          <p:nvPr/>
+        </p:nvSpPr>
+        <p:spPr>
+          <a:xfrm>
+            <a:off x="4982356" y="1413315"/>
+            <a:ext cx="566164" cy="400110"/>
+          </a:xfrm>
+          <a:prstGeom prst="rect">
+            <a:avLst/>
+          </a:prstGeom>
+          <a:noFill/>
+          <a:effectLst>
+            <a:glow rad="63500">
+              <a:schemeClr val="accent2">
+                <a:satMod val="175000"/>
+                <a:alpha val="0"/>
+              </a:schemeClr>
+            </a:glow>
+          </a:effectLst>
+        </p:spPr>
+        <p:txBody>
+          <a:bodyPr wrap="square" rtlCol="0">
+            <a:spAutoFit/>
+          </a:bodyPr>
+          <a:lstStyle>
+            <a:defPPr>
+              <a:defRPr lang="en-US"/>
+            </a:defPPr>
+            <a:lvl1pPr>
+              <a:defRPr sz="2000">
+                <a:solidFill>
+                  <a:schemeClr val="bg2"/>
+                </a:solidFill>
+              </a:defRPr>
+            </a:lvl1pPr>
+          </a:lstStyle>
+          <a:p>
+            <a:r>
+              <a:rPr lang="en-US" dirty="0">
+                <a:solidFill>
+                  <a:schemeClr val="tx1"/>
+                </a:solidFill>
+              </a:rPr>
+              <a:t>j</a:t>
+            </a:r>
+          </a:p>
+        </p:txBody>
+      </p:sp>
+      <p:sp>
+        <p:nvSpPr>
+          <p:cNvPr id="27" name="TextBox 26">
+            <a:extLst>
+              <a:ext uri="{FF2B5EF4-FFF2-40B4-BE49-F238E27FC236}">
+                <a16:creationId xmlns:a16="http://schemas.microsoft.com/office/drawing/2014/main" id="{EBF77216-8612-6E4B-B5FF-2B9AD6E9293E}"/>
+              </a:ext>
+            </a:extLst>
+          </p:cNvPr>
+          <p:cNvSpPr txBox="1"/>
+          <p:nvPr/>
+        </p:nvSpPr>
+        <p:spPr>
+          <a:xfrm>
+            <a:off x="9946757" y="1412527"/>
+            <a:ext cx="664403" cy="400110"/>
+          </a:xfrm>
+          <a:prstGeom prst="rect">
+            <a:avLst/>
+          </a:prstGeom>
+          <a:noFill/>
+          <a:effectLst>
+            <a:glow rad="63500">
+              <a:schemeClr val="accent2">
+                <a:satMod val="175000"/>
+                <a:alpha val="0"/>
+              </a:schemeClr>
+            </a:glow>
+          </a:effectLst>
+        </p:spPr>
+        <p:txBody>
+          <a:bodyPr wrap="square" rtlCol="0">
+            <a:spAutoFit/>
+          </a:bodyPr>
+          <a:lstStyle>
+            <a:defPPr>
+              <a:defRPr lang="en-US"/>
+            </a:defPPr>
+            <a:lvl1pPr>
+              <a:defRPr sz="2000">
+                <a:solidFill>
+                  <a:schemeClr val="bg2"/>
+                </a:solidFill>
+              </a:defRPr>
+            </a:lvl1pPr>
+          </a:lstStyle>
+          <a:p>
+            <a:r>
+              <a:rPr lang="en-US" dirty="0">
+                <a:solidFill>
+                  <a:schemeClr val="tx1"/>
+                </a:solidFill>
+              </a:rPr>
+              <a:t>high</a:t>
+            </a:r>
+          </a:p>
+        </p:txBody>
+      </p:sp>
+      <p:sp>
+        <p:nvSpPr>
+          <p:cNvPr id="10" name="TextBox 9">
+            <a:extLst>
+              <a:ext uri="{FF2B5EF4-FFF2-40B4-BE49-F238E27FC236}">
+                <a16:creationId xmlns:a16="http://schemas.microsoft.com/office/drawing/2014/main" id="{F4703240-2BEB-4821-BE79-BCF12156155A}"/>
+              </a:ext>
+            </a:extLst>
+          </p:cNvPr>
+          <p:cNvSpPr txBox="1"/>
+          <p:nvPr/>
+        </p:nvSpPr>
+        <p:spPr>
+          <a:xfrm>
+            <a:off x="304801" y="2154796"/>
+            <a:ext cx="5421832" cy="3539430"/>
+          </a:xfrm>
+          <a:prstGeom prst="rect">
+            <a:avLst/>
+          </a:prstGeom>
+          <a:solidFill>
+            <a:schemeClr val="tx1">
+              <a:lumMod val="85000"/>
+              <a:lumOff val="15000"/>
+            </a:schemeClr>
+          </a:solidFill>
+          <a:effectLst>
+            <a:glow rad="63500">
+              <a:schemeClr val="accent2">
+                <a:satMod val="175000"/>
+                <a:alpha val="0"/>
+              </a:schemeClr>
+            </a:glow>
+          </a:effectLst>
+        </p:spPr>
+        <p:txBody>
+          <a:bodyPr wrap="square" rtlCol="0">
+            <a:spAutoFit/>
+          </a:bodyPr>
+          <a:lstStyle/>
+          <a:p>
+            <a:r>
+              <a:rPr lang="en-US" sz="1600" dirty="0">
+                <a:solidFill>
+                  <a:srgbClr val="6C95EB"/>
+                </a:solidFill>
+              </a:rPr>
+              <a:t>public void </a:t>
+            </a:r>
+            <a:r>
+              <a:rPr lang="en-US" sz="1600" dirty="0">
+                <a:solidFill>
+                  <a:srgbClr val="39CC8F"/>
+                </a:solidFill>
+              </a:rPr>
+              <a:t>QuickSort</a:t>
+            </a:r>
+            <a:r>
+              <a:rPr lang="en-US" sz="1600" dirty="0">
+                <a:solidFill>
+                  <a:srgbClr val="BDBDBD"/>
+                </a:solidFill>
+              </a:rPr>
+              <a:t>(</a:t>
+            </a:r>
+            <a:r>
+              <a:rPr lang="en-US" sz="1600" dirty="0">
+                <a:solidFill>
+                  <a:srgbClr val="6C95EB"/>
+                </a:solidFill>
+              </a:rPr>
+              <a:t>int</a:t>
+            </a:r>
+            <a:r>
+              <a:rPr lang="en-US" sz="1600" dirty="0">
+                <a:solidFill>
+                  <a:srgbClr val="BDBDBD"/>
+                </a:solidFill>
+              </a:rPr>
+              <a:t>[] array, </a:t>
+            </a:r>
+            <a:r>
+              <a:rPr lang="en-US" sz="1600" dirty="0">
+                <a:solidFill>
+                  <a:srgbClr val="6C95EB"/>
+                </a:solidFill>
+              </a:rPr>
+              <a:t>int </a:t>
+            </a:r>
+            <a:r>
+              <a:rPr lang="en-US" sz="1600" dirty="0">
+                <a:solidFill>
+                  <a:srgbClr val="BDBDBD"/>
+                </a:solidFill>
+              </a:rPr>
+              <a:t>low, </a:t>
+            </a:r>
+            <a:r>
+              <a:rPr lang="en-US" sz="1600" dirty="0">
+                <a:solidFill>
+                  <a:srgbClr val="6C95EB"/>
+                </a:solidFill>
+              </a:rPr>
+              <a:t>int </a:t>
+            </a:r>
+            <a:r>
+              <a:rPr lang="en-US" sz="1600" dirty="0">
+                <a:solidFill>
+                  <a:srgbClr val="BDBDBD"/>
+                </a:solidFill>
+              </a:rPr>
+              <a:t>high)</a:t>
+            </a:r>
+            <a:br>
+              <a:rPr lang="en-US" sz="1600" dirty="0">
+                <a:solidFill>
+                  <a:srgbClr val="BDBDBD"/>
+                </a:solidFill>
+              </a:rPr>
+            </a:br>
+            <a:r>
+              <a:rPr lang="en-US" sz="1600" dirty="0">
+                <a:solidFill>
+                  <a:srgbClr val="BDBDBD"/>
+                </a:solidFill>
+              </a:rPr>
+              <a:t>{</a:t>
+            </a:r>
+            <a:br>
+              <a:rPr lang="en-US" sz="1600" dirty="0">
+                <a:solidFill>
+                  <a:srgbClr val="BDBDBD"/>
+                </a:solidFill>
+              </a:rPr>
+            </a:br>
+            <a:r>
+              <a:rPr lang="en-US" sz="1600" dirty="0">
+                <a:solidFill>
+                  <a:srgbClr val="BDBDBD"/>
+                </a:solidFill>
+              </a:rPr>
+              <a:t>    </a:t>
+            </a:r>
+            <a:r>
+              <a:rPr lang="en-US" sz="1600" dirty="0">
+                <a:solidFill>
+                  <a:srgbClr val="6C95EB"/>
+                </a:solidFill>
+              </a:rPr>
+              <a:t>int </a:t>
+            </a:r>
+            <a:r>
+              <a:rPr lang="en-US" sz="1600" dirty="0">
+                <a:solidFill>
+                  <a:srgbClr val="BDBDBD"/>
+                </a:solidFill>
+              </a:rPr>
+              <a:t>p, i, j, t;</a:t>
+            </a:r>
+            <a:br>
+              <a:rPr lang="en-US" sz="1600" dirty="0">
+                <a:solidFill>
+                  <a:srgbClr val="BDBDBD"/>
+                </a:solidFill>
+              </a:rPr>
+            </a:br>
+            <a:r>
+              <a:rPr lang="en-US" sz="1600" dirty="0">
+                <a:solidFill>
+                  <a:srgbClr val="BDBDBD"/>
+                </a:solidFill>
+              </a:rPr>
+              <a:t>    </a:t>
+            </a:r>
+            <a:r>
+              <a:rPr lang="en-US" sz="1600" dirty="0">
+                <a:solidFill>
+                  <a:srgbClr val="6C95EB"/>
+                </a:solidFill>
+              </a:rPr>
+              <a:t>if </a:t>
+            </a:r>
+            <a:r>
+              <a:rPr lang="en-US" sz="1600" dirty="0">
+                <a:solidFill>
+                  <a:srgbClr val="BDBDBD"/>
+                </a:solidFill>
+              </a:rPr>
+              <a:t>(low &lt; high)</a:t>
+            </a:r>
+            <a:br>
+              <a:rPr lang="en-US" sz="1600" dirty="0">
+                <a:solidFill>
+                  <a:srgbClr val="BDBDBD"/>
+                </a:solidFill>
+              </a:rPr>
+            </a:br>
+            <a:r>
+              <a:rPr lang="en-US" sz="1600" dirty="0">
+                <a:solidFill>
+                  <a:srgbClr val="BDBDBD"/>
+                </a:solidFill>
+              </a:rPr>
+              <a:t>    {</a:t>
+            </a:r>
+            <a:br>
+              <a:rPr lang="en-US" sz="1600" dirty="0">
+                <a:solidFill>
+                  <a:srgbClr val="BDBDBD"/>
+                </a:solidFill>
+              </a:rPr>
+            </a:br>
+            <a:r>
+              <a:rPr lang="en-US" sz="1600" dirty="0">
+                <a:solidFill>
+                  <a:srgbClr val="BDBDBD"/>
+                </a:solidFill>
+              </a:rPr>
+              <a:t>        p = low;</a:t>
+            </a:r>
+            <a:br>
+              <a:rPr lang="en-US" sz="1600" dirty="0">
+                <a:solidFill>
+                  <a:srgbClr val="BDBDBD"/>
+                </a:solidFill>
+              </a:rPr>
+            </a:br>
+            <a:r>
+              <a:rPr lang="en-US" sz="1600" dirty="0">
+                <a:solidFill>
+                  <a:srgbClr val="BDBDBD"/>
+                </a:solidFill>
+              </a:rPr>
+              <a:t>        i = low;</a:t>
+            </a:r>
+            <a:br>
+              <a:rPr lang="en-US" sz="1600" dirty="0">
+                <a:solidFill>
+                  <a:srgbClr val="BDBDBD"/>
+                </a:solidFill>
+              </a:rPr>
+            </a:br>
+            <a:r>
+              <a:rPr lang="en-US" sz="1600" dirty="0">
+                <a:solidFill>
+                  <a:srgbClr val="BDBDBD"/>
+                </a:solidFill>
+              </a:rPr>
+              <a:t>        j = high;</a:t>
+            </a:r>
+            <a:br>
+              <a:rPr lang="en-US" sz="1600" dirty="0">
+                <a:solidFill>
+                  <a:srgbClr val="BDBDBD"/>
+                </a:solidFill>
+              </a:rPr>
+            </a:br>
+            <a:r>
+              <a:rPr lang="en-US" sz="1600" dirty="0">
+                <a:solidFill>
+                  <a:srgbClr val="BDBDBD"/>
+                </a:solidFill>
+              </a:rPr>
+              <a:t>        </a:t>
+            </a:r>
+            <a:r>
+              <a:rPr lang="en-US" sz="1600" dirty="0">
+                <a:solidFill>
+                  <a:srgbClr val="6C95EB"/>
+                </a:solidFill>
+              </a:rPr>
+              <a:t>while </a:t>
+            </a:r>
+            <a:r>
+              <a:rPr lang="en-US" sz="1600" dirty="0">
+                <a:solidFill>
+                  <a:srgbClr val="BDBDBD"/>
+                </a:solidFill>
+              </a:rPr>
+              <a:t>(i &lt;= j)</a:t>
+            </a:r>
+            <a:br>
+              <a:rPr lang="en-US" sz="1600" dirty="0">
+                <a:solidFill>
+                  <a:srgbClr val="BDBDBD"/>
+                </a:solidFill>
+              </a:rPr>
+            </a:br>
+            <a:r>
+              <a:rPr lang="en-US" sz="1600" dirty="0">
+                <a:solidFill>
+                  <a:srgbClr val="BDBDBD"/>
+                </a:solidFill>
+              </a:rPr>
+              <a:t>        {</a:t>
+            </a:r>
+            <a:br>
+              <a:rPr lang="en-US" sz="1600" dirty="0">
+                <a:solidFill>
+                  <a:srgbClr val="BDBDBD"/>
+                </a:solidFill>
+              </a:rPr>
+            </a:br>
+            <a:r>
+              <a:rPr lang="en-US" sz="1600" dirty="0">
+                <a:solidFill>
+                  <a:srgbClr val="BDBDBD"/>
+                </a:solidFill>
+              </a:rPr>
+              <a:t>            </a:t>
+            </a:r>
+            <a:r>
+              <a:rPr lang="en-US" sz="1600" dirty="0">
+                <a:solidFill>
+                  <a:srgbClr val="6C95EB"/>
+                </a:solidFill>
+              </a:rPr>
+              <a:t>while </a:t>
+            </a:r>
+            <a:r>
+              <a:rPr lang="en-US" sz="1600" dirty="0">
+                <a:solidFill>
+                  <a:srgbClr val="BDBDBD"/>
+                </a:solidFill>
+              </a:rPr>
+              <a:t>(i &lt;= j &amp;&amp; array[i] &lt;= array[p]) </a:t>
+            </a:r>
+            <a:r>
+              <a:rPr lang="en-US" sz="800" i="1" dirty="0">
+                <a:solidFill>
+                  <a:srgbClr val="85C46C"/>
+                </a:solidFill>
+              </a:rPr>
+              <a:t>// while(i &lt;= high &amp;&amp; array[i] &lt;= array[p])</a:t>
+            </a:r>
+            <a:br>
+              <a:rPr lang="en-US" sz="1600" i="1" dirty="0">
+                <a:solidFill>
+                  <a:srgbClr val="85C46C"/>
+                </a:solidFill>
+              </a:rPr>
+            </a:br>
+            <a:r>
+              <a:rPr lang="en-US" sz="1600" i="1" dirty="0">
+                <a:solidFill>
+                  <a:srgbClr val="85C46C"/>
+                </a:solidFill>
+              </a:rPr>
+              <a:t>            </a:t>
+            </a:r>
+            <a:r>
+              <a:rPr lang="en-US" sz="1600" dirty="0">
+                <a:solidFill>
+                  <a:srgbClr val="BDBDBD"/>
+                </a:solidFill>
+              </a:rPr>
+              <a:t>{</a:t>
+            </a:r>
+            <a:br>
+              <a:rPr lang="en-US" sz="1600" dirty="0">
+                <a:solidFill>
+                  <a:srgbClr val="BDBDBD"/>
+                </a:solidFill>
+              </a:rPr>
+            </a:br>
+            <a:r>
+              <a:rPr lang="en-US" sz="1600" dirty="0">
+                <a:solidFill>
+                  <a:srgbClr val="BDBDBD"/>
+                </a:solidFill>
+              </a:rPr>
+              <a:t>                i++;</a:t>
+            </a:r>
+            <a:br>
+              <a:rPr lang="en-US" sz="1600" dirty="0">
+                <a:solidFill>
+                  <a:srgbClr val="BDBDBD"/>
+                </a:solidFill>
+              </a:rPr>
+            </a:br>
+            <a:r>
+              <a:rPr lang="en-US" sz="1600" dirty="0">
+                <a:solidFill>
+                  <a:srgbClr val="BDBDBD"/>
+                </a:solidFill>
+              </a:rPr>
+              <a:t>            }</a:t>
+            </a:r>
+            <a:endParaRPr lang="en-US" sz="2000" dirty="0">
+              <a:solidFill>
+                <a:srgbClr val="BDBDBD"/>
+              </a:solidFill>
+            </a:endParaRPr>
+          </a:p>
+        </p:txBody>
+      </p:sp>
+      <p:sp>
+        <p:nvSpPr>
+          <p:cNvPr id="13" name="TextBox 12">
+            <a:extLst>
+              <a:ext uri="{FF2B5EF4-FFF2-40B4-BE49-F238E27FC236}">
+                <a16:creationId xmlns:a16="http://schemas.microsoft.com/office/drawing/2014/main" id="{975ABF87-05E5-B4C0-D11A-E666A025A21D}"/>
+              </a:ext>
+            </a:extLst>
+          </p:cNvPr>
+          <p:cNvSpPr txBox="1"/>
+          <p:nvPr/>
+        </p:nvSpPr>
+        <p:spPr>
+          <a:xfrm>
+            <a:off x="6031435" y="2154796"/>
+            <a:ext cx="5458957" cy="4524315"/>
+          </a:xfrm>
+          <a:prstGeom prst="rect">
+            <a:avLst/>
+          </a:prstGeom>
+          <a:solidFill>
+            <a:schemeClr val="tx1">
+              <a:lumMod val="85000"/>
+              <a:lumOff val="15000"/>
+            </a:schemeClr>
+          </a:solidFill>
+          <a:effectLst>
+            <a:glow rad="63500">
+              <a:schemeClr val="accent2">
+                <a:satMod val="175000"/>
+                <a:alpha val="0"/>
+              </a:schemeClr>
+            </a:glow>
+          </a:effectLst>
+        </p:spPr>
+        <p:txBody>
+          <a:bodyPr wrap="square" rtlCol="0">
+            <a:spAutoFit/>
+          </a:bodyPr>
+          <a:lstStyle/>
+          <a:p>
+            <a:r>
+              <a:rPr lang="en-US" sz="1600" dirty="0">
+                <a:solidFill>
+                  <a:srgbClr val="BDBDBD"/>
+                </a:solidFill>
+              </a:rPr>
+              <a:t>            </a:t>
+            </a:r>
+            <a:r>
+              <a:rPr lang="en-US" sz="1600" dirty="0">
+                <a:solidFill>
+                  <a:srgbClr val="6C95EB"/>
+                </a:solidFill>
+              </a:rPr>
+              <a:t>while </a:t>
+            </a:r>
+            <a:r>
+              <a:rPr lang="en-US" sz="1600" dirty="0">
+                <a:solidFill>
+                  <a:srgbClr val="BDBDBD"/>
+                </a:solidFill>
+              </a:rPr>
+              <a:t>(i &lt;= j &amp;&amp; array[j] &gt; array[p</a:t>
+            </a:r>
+            <a:r>
+              <a:rPr lang="en-US" sz="1000" dirty="0">
+                <a:solidFill>
+                  <a:srgbClr val="BDBDBD"/>
+                </a:solidFill>
+              </a:rPr>
+              <a:t>])</a:t>
+            </a:r>
+            <a:r>
+              <a:rPr lang="en-US" sz="1000" i="1" dirty="0">
+                <a:solidFill>
+                  <a:srgbClr val="85C46C"/>
+                </a:solidFill>
+              </a:rPr>
+              <a:t>// </a:t>
+            </a:r>
+            <a:r>
+              <a:rPr lang="en-US" sz="800" i="1" dirty="0">
+                <a:solidFill>
+                  <a:srgbClr val="85C46C"/>
+                </a:solidFill>
+              </a:rPr>
+              <a:t>while(j &gt;= low &amp;&amp; array[i] &lt;= array[p])</a:t>
+            </a:r>
+            <a:br>
+              <a:rPr lang="en-US" sz="1600" i="1" dirty="0">
+                <a:solidFill>
+                  <a:srgbClr val="85C46C"/>
+                </a:solidFill>
+              </a:rPr>
+            </a:br>
+            <a:r>
+              <a:rPr lang="en-US" sz="1600" i="1" dirty="0">
+                <a:solidFill>
+                  <a:srgbClr val="85C46C"/>
+                </a:solidFill>
+              </a:rPr>
+              <a:t>            </a:t>
+            </a:r>
+            <a:r>
+              <a:rPr lang="en-US" sz="1600" dirty="0">
+                <a:solidFill>
+                  <a:srgbClr val="BDBDBD"/>
+                </a:solidFill>
+              </a:rPr>
+              <a:t>{</a:t>
+            </a:r>
+            <a:br>
+              <a:rPr lang="en-US" sz="1600" dirty="0">
+                <a:solidFill>
+                  <a:srgbClr val="BDBDBD"/>
+                </a:solidFill>
+              </a:rPr>
+            </a:br>
+            <a:r>
+              <a:rPr lang="en-US" sz="1600" dirty="0">
+                <a:solidFill>
+                  <a:srgbClr val="BDBDBD"/>
+                </a:solidFill>
+              </a:rPr>
+              <a:t>                j--;</a:t>
+            </a:r>
+            <a:br>
+              <a:rPr lang="en-US" sz="1600" dirty="0">
+                <a:solidFill>
+                  <a:srgbClr val="BDBDBD"/>
+                </a:solidFill>
+              </a:rPr>
+            </a:br>
+            <a:r>
+              <a:rPr lang="en-US" sz="1600" dirty="0">
+                <a:solidFill>
+                  <a:srgbClr val="BDBDBD"/>
+                </a:solidFill>
+              </a:rPr>
+              <a:t>            }</a:t>
+            </a:r>
+            <a:br>
+              <a:rPr lang="en-US" sz="1600" dirty="0">
+                <a:solidFill>
+                  <a:srgbClr val="BDBDBD"/>
+                </a:solidFill>
+              </a:rPr>
+            </a:br>
+            <a:r>
+              <a:rPr lang="en-US" sz="1600" dirty="0">
+                <a:solidFill>
+                  <a:srgbClr val="BDBDBD"/>
+                </a:solidFill>
+              </a:rPr>
+              <a:t>            </a:t>
+            </a:r>
+            <a:r>
+              <a:rPr lang="en-US" sz="1600" dirty="0">
+                <a:solidFill>
+                  <a:srgbClr val="6C95EB"/>
+                </a:solidFill>
+              </a:rPr>
+              <a:t>if </a:t>
+            </a:r>
+            <a:r>
+              <a:rPr lang="en-US" sz="1600" dirty="0">
+                <a:solidFill>
+                  <a:srgbClr val="BDBDBD"/>
+                </a:solidFill>
+              </a:rPr>
+              <a:t>(i &lt;= j)</a:t>
+            </a:r>
+            <a:br>
+              <a:rPr lang="en-US" sz="1600" dirty="0">
+                <a:solidFill>
+                  <a:srgbClr val="BDBDBD"/>
+                </a:solidFill>
+              </a:rPr>
+            </a:br>
+            <a:r>
+              <a:rPr lang="en-US" sz="1600" dirty="0">
+                <a:solidFill>
+                  <a:srgbClr val="BDBDBD"/>
+                </a:solidFill>
+              </a:rPr>
+              <a:t>            {</a:t>
+            </a:r>
+            <a:br>
+              <a:rPr lang="en-US" sz="1600" dirty="0">
+                <a:solidFill>
+                  <a:srgbClr val="BDBDBD"/>
+                </a:solidFill>
+              </a:rPr>
+            </a:br>
+            <a:r>
+              <a:rPr lang="en-US" sz="1600" dirty="0">
+                <a:solidFill>
+                  <a:srgbClr val="BDBDBD"/>
+                </a:solidFill>
+              </a:rPr>
+              <a:t>                t = array[i];</a:t>
+            </a:r>
+            <a:br>
+              <a:rPr lang="en-US" sz="1600" dirty="0">
+                <a:solidFill>
+                  <a:srgbClr val="BDBDBD"/>
+                </a:solidFill>
+              </a:rPr>
+            </a:br>
+            <a:r>
+              <a:rPr lang="en-US" sz="1600" dirty="0">
+                <a:solidFill>
+                  <a:srgbClr val="BDBDBD"/>
+                </a:solidFill>
+              </a:rPr>
+              <a:t>                array[i] = array[j];</a:t>
+            </a:r>
+            <a:br>
+              <a:rPr lang="en-US" sz="1600" dirty="0">
+                <a:solidFill>
+                  <a:srgbClr val="BDBDBD"/>
+                </a:solidFill>
+              </a:rPr>
+            </a:br>
+            <a:r>
+              <a:rPr lang="en-US" sz="1600" dirty="0">
+                <a:solidFill>
+                  <a:srgbClr val="BDBDBD"/>
+                </a:solidFill>
+              </a:rPr>
+              <a:t>                array[j] = t;</a:t>
+            </a:r>
+            <a:br>
+              <a:rPr lang="en-US" sz="1600" dirty="0">
+                <a:solidFill>
+                  <a:srgbClr val="BDBDBD"/>
+                </a:solidFill>
+              </a:rPr>
+            </a:br>
+            <a:r>
+              <a:rPr lang="en-US" sz="1600" dirty="0">
+                <a:solidFill>
+                  <a:srgbClr val="BDBDBD"/>
+                </a:solidFill>
+              </a:rPr>
+              <a:t>            }</a:t>
+            </a:r>
+            <a:br>
+              <a:rPr lang="en-US" sz="1600" dirty="0">
+                <a:solidFill>
+                  <a:srgbClr val="BDBDBD"/>
+                </a:solidFill>
+              </a:rPr>
+            </a:br>
+            <a:r>
+              <a:rPr lang="en-US" sz="1600" dirty="0">
+                <a:solidFill>
+                  <a:srgbClr val="BDBDBD"/>
+                </a:solidFill>
+              </a:rPr>
+              <a:t>        }</a:t>
+            </a:r>
+            <a:br>
+              <a:rPr lang="en-US" sz="1600" dirty="0">
+                <a:solidFill>
+                  <a:srgbClr val="BDBDBD"/>
+                </a:solidFill>
+              </a:rPr>
+            </a:br>
+            <a:r>
+              <a:rPr lang="en-US" sz="1600" dirty="0">
+                <a:solidFill>
+                  <a:srgbClr val="BDBDBD"/>
+                </a:solidFill>
+              </a:rPr>
+              <a:t>        t = array[j];</a:t>
+            </a:r>
+            <a:br>
+              <a:rPr lang="en-US" sz="1600" dirty="0">
+                <a:solidFill>
+                  <a:srgbClr val="BDBDBD"/>
+                </a:solidFill>
+              </a:rPr>
+            </a:br>
+            <a:r>
+              <a:rPr lang="en-US" sz="1600" dirty="0">
+                <a:solidFill>
+                  <a:srgbClr val="BDBDBD"/>
+                </a:solidFill>
+              </a:rPr>
+              <a:t>        array[j] = array[p];</a:t>
+            </a:r>
+            <a:br>
+              <a:rPr lang="en-US" sz="1600" dirty="0">
+                <a:solidFill>
+                  <a:srgbClr val="BDBDBD"/>
+                </a:solidFill>
+              </a:rPr>
+            </a:br>
+            <a:r>
+              <a:rPr lang="en-US" sz="1600" dirty="0">
+                <a:solidFill>
+                  <a:srgbClr val="BDBDBD"/>
+                </a:solidFill>
+              </a:rPr>
+              <a:t>        array[p] = t;</a:t>
+            </a:r>
+            <a:br>
+              <a:rPr lang="en-US" sz="1600" dirty="0">
+                <a:solidFill>
+                  <a:srgbClr val="BDBDBD"/>
+                </a:solidFill>
+              </a:rPr>
+            </a:br>
+            <a:r>
+              <a:rPr lang="en-US" sz="1600" dirty="0">
+                <a:solidFill>
+                  <a:srgbClr val="BDBDBD"/>
+                </a:solidFill>
+              </a:rPr>
+              <a:t>        </a:t>
+            </a:r>
+            <a:r>
+              <a:rPr lang="en-US" sz="1600" dirty="0">
+                <a:solidFill>
+                  <a:srgbClr val="39CC8F"/>
+                </a:solidFill>
+              </a:rPr>
+              <a:t>QuickSort</a:t>
+            </a:r>
+            <a:r>
+              <a:rPr lang="en-US" sz="1600" dirty="0">
+                <a:solidFill>
+                  <a:srgbClr val="BDBDBD"/>
+                </a:solidFill>
+              </a:rPr>
+              <a:t>(array, low, j - </a:t>
+            </a:r>
+            <a:r>
+              <a:rPr lang="en-US" sz="1600" dirty="0">
+                <a:solidFill>
+                  <a:srgbClr val="ED94C0"/>
+                </a:solidFill>
+              </a:rPr>
+              <a:t>1</a:t>
+            </a:r>
+            <a:r>
+              <a:rPr lang="en-US" sz="1600" dirty="0">
+                <a:solidFill>
+                  <a:srgbClr val="BDBDBD"/>
+                </a:solidFill>
+              </a:rPr>
+              <a:t>);</a:t>
+            </a:r>
+            <a:br>
+              <a:rPr lang="en-US" sz="1600" dirty="0">
+                <a:solidFill>
+                  <a:srgbClr val="BDBDBD"/>
+                </a:solidFill>
+              </a:rPr>
+            </a:br>
+            <a:r>
+              <a:rPr lang="en-US" sz="1600" dirty="0">
+                <a:solidFill>
+                  <a:srgbClr val="BDBDBD"/>
+                </a:solidFill>
+              </a:rPr>
+              <a:t>        </a:t>
+            </a:r>
+            <a:r>
+              <a:rPr lang="en-US" sz="1600" dirty="0">
+                <a:solidFill>
+                  <a:srgbClr val="39CC8F"/>
+                </a:solidFill>
+              </a:rPr>
+              <a:t>QuickSort</a:t>
+            </a:r>
+            <a:r>
+              <a:rPr lang="en-US" sz="1600" dirty="0">
+                <a:solidFill>
+                  <a:srgbClr val="BDBDBD"/>
+                </a:solidFill>
+              </a:rPr>
+              <a:t>(array, j + </a:t>
+            </a:r>
+            <a:r>
+              <a:rPr lang="en-US" sz="1600" dirty="0">
+                <a:solidFill>
+                  <a:srgbClr val="ED94C0"/>
+                </a:solidFill>
+              </a:rPr>
+              <a:t>1</a:t>
+            </a:r>
+            <a:r>
+              <a:rPr lang="en-US" sz="1600" dirty="0">
+                <a:solidFill>
+                  <a:srgbClr val="BDBDBD"/>
+                </a:solidFill>
+              </a:rPr>
+              <a:t>, high);</a:t>
+            </a:r>
+            <a:br>
+              <a:rPr lang="en-US" sz="1600" dirty="0">
+                <a:solidFill>
+                  <a:srgbClr val="BDBDBD"/>
+                </a:solidFill>
+              </a:rPr>
+            </a:br>
+            <a:r>
+              <a:rPr lang="en-US" sz="1600" dirty="0">
+                <a:solidFill>
+                  <a:srgbClr val="BDBDBD"/>
+                </a:solidFill>
+              </a:rPr>
+              <a:t>    }</a:t>
+            </a:r>
+            <a:br>
+              <a:rPr lang="en-US" sz="1600" dirty="0">
+                <a:solidFill>
+                  <a:srgbClr val="BDBDBD"/>
+                </a:solidFill>
+              </a:rPr>
+            </a:br>
+            <a:r>
+              <a:rPr lang="en-US" sz="1600" dirty="0">
+                <a:solidFill>
+                  <a:srgbClr val="BDBDBD"/>
+                </a:solidFill>
+              </a:rPr>
+              <a:t>}</a:t>
+            </a:r>
+          </a:p>
+        </p:txBody>
+      </p:sp>
+    </p:spTree>
+    <p:extLst>
+      <p:ext uri="{BB962C8B-B14F-4D97-AF65-F5344CB8AC3E}">
+        <p14:creationId xmlns:p14="http://schemas.microsoft.com/office/powerpoint/2010/main" val="3442713897"/>
       </p:ext>
     </p:extLst>
   </p:cSld>
